--- a/exam1/Exam 1 Questions.pptx
+++ b/exam1/Exam 1 Questions.pptx
@@ -207,7 +207,7 @@
           <a:p>
             <a:fld id="{ECAAAD59-9D48-48BB-8EF4-798822FFF5A4}" type="datetimeFigureOut">
               <a:rPr lang="en-US" smtClean="0"/>
-              <a:t>7/7/2019</a:t>
+              <a:t>4/24/2020</a:t>
             </a:fld>
             <a:endParaRPr lang="en-US"/>
           </a:p>
@@ -605,7 +605,7 @@
           <a:p>
             <a:fld id="{1618355B-3634-4BC9-81D5-8538227F5BA8}" type="datetime1">
               <a:rPr lang="en-US" smtClean="0"/>
-              <a:t>7/7/2019</a:t>
+              <a:t>4/24/2020</a:t>
             </a:fld>
             <a:endParaRPr lang="en-US"/>
           </a:p>
@@ -784,7 +784,7 @@
           <a:p>
             <a:fld id="{2A2F89F1-48A6-4324-AFD1-3EC079BC4F99}" type="datetime1">
               <a:rPr lang="en-US" smtClean="0"/>
-              <a:t>7/7/2019</a:t>
+              <a:t>4/24/2020</a:t>
             </a:fld>
             <a:endParaRPr lang="en-US"/>
           </a:p>
@@ -973,7 +973,7 @@
           <a:p>
             <a:fld id="{A9F944BD-13BB-4F52-849A-274E079381D0}" type="datetime1">
               <a:rPr lang="en-US" smtClean="0"/>
-              <a:t>7/7/2019</a:t>
+              <a:t>4/24/2020</a:t>
             </a:fld>
             <a:endParaRPr lang="en-US"/>
           </a:p>
@@ -1152,7 +1152,7 @@
           <a:p>
             <a:fld id="{15E020E6-F8D9-4825-A9D6-C37AF1154F69}" type="datetime1">
               <a:rPr lang="en-US" smtClean="0"/>
-              <a:t>7/7/2019</a:t>
+              <a:t>4/24/2020</a:t>
             </a:fld>
             <a:endParaRPr lang="en-US"/>
           </a:p>
@@ -1405,7 +1405,7 @@
           <a:p>
             <a:fld id="{8076DA9F-4F33-47E2-BCB6-74E79BC19394}" type="datetime1">
               <a:rPr lang="en-US" smtClean="0"/>
-              <a:t>7/7/2019</a:t>
+              <a:t>4/24/2020</a:t>
             </a:fld>
             <a:endParaRPr lang="en-US"/>
           </a:p>
@@ -1646,7 +1646,7 @@
           <a:p>
             <a:fld id="{FBAF2370-96AE-4D11-A0C2-121376BBDA55}" type="datetime1">
               <a:rPr lang="en-US" smtClean="0"/>
-              <a:t>7/7/2019</a:t>
+              <a:t>4/24/2020</a:t>
             </a:fld>
             <a:endParaRPr lang="en-US"/>
           </a:p>
@@ -2022,7 +2022,7 @@
           <a:p>
             <a:fld id="{169582F2-1EA8-421C-B8F8-D8CA1E3EFF62}" type="datetime1">
               <a:rPr lang="en-US" smtClean="0"/>
-              <a:t>7/7/2019</a:t>
+              <a:t>4/24/2020</a:t>
             </a:fld>
             <a:endParaRPr lang="en-US"/>
           </a:p>
@@ -2149,7 +2149,7 @@
           <a:p>
             <a:fld id="{A517D7DA-5058-420F-9DBC-85DE61D477C2}" type="datetime1">
               <a:rPr lang="en-US" smtClean="0"/>
-              <a:t>7/7/2019</a:t>
+              <a:t>4/24/2020</a:t>
             </a:fld>
             <a:endParaRPr lang="en-US"/>
           </a:p>
@@ -2253,7 +2253,7 @@
           <a:p>
             <a:fld id="{8FFB225B-7C69-40F3-B61C-519BFAC1134E}" type="datetime1">
               <a:rPr lang="en-US" smtClean="0"/>
-              <a:t>7/7/2019</a:t>
+              <a:t>4/24/2020</a:t>
             </a:fld>
             <a:endParaRPr lang="en-US"/>
           </a:p>
@@ -2539,7 +2539,7 @@
           <a:p>
             <a:fld id="{ECAE7071-FDDA-440A-98D6-E8E6F92A50F1}" type="datetime1">
               <a:rPr lang="en-US" smtClean="0"/>
-              <a:t>7/7/2019</a:t>
+              <a:t>4/24/2020</a:t>
             </a:fld>
             <a:endParaRPr lang="en-US"/>
           </a:p>
@@ -2805,7 +2805,7 @@
           <a:p>
             <a:fld id="{AC5FFC63-6CD2-42EF-9476-C30364AABDD9}" type="datetime1">
               <a:rPr lang="en-US" smtClean="0"/>
-              <a:t>7/7/2019</a:t>
+              <a:t>4/24/2020</a:t>
             </a:fld>
             <a:endParaRPr lang="en-US"/>
           </a:p>
@@ -3027,7 +3027,7 @@
           <a:p>
             <a:fld id="{19B6766A-8FD1-4A76-8D41-2F10BEB35D78}" type="datetime1">
               <a:rPr lang="en-US" smtClean="0"/>
-              <a:t>7/7/2019</a:t>
+              <a:t>4/24/2020</a:t>
             </a:fld>
             <a:endParaRPr lang="en-US"/>
           </a:p>
@@ -4966,7 +4966,7 @@
             </p:nvSpPr>
             <p:spPr>
               <a:xfrm>
-                <a:off x="5697415" y="1649153"/>
+                <a:off x="5836766" y="1380596"/>
                 <a:ext cx="2434064" cy="309637"/>
               </a:xfrm>
               <a:prstGeom prst="rect">
@@ -5047,7 +5047,7 @@
                         <m:deg/>
                         <m:e>
                           <m:r>
-                            <a:rPr lang="en-US" b="0" i="1" smtClean="0">
+                            <a:rPr lang="en-US" i="1">
                               <a:latin typeface="Cambria Math" panose="02040503050406030204" pitchFamily="18" charset="0"/>
                             </a:rPr>
                             <m:t>𝑆</m:t>
@@ -5079,7 +5079,7 @@
             </p:nvSpPr>
             <p:spPr>
               <a:xfrm>
-                <a:off x="5697415" y="1649153"/>
+                <a:off x="5836766" y="1380596"/>
                 <a:ext cx="2434064" cy="309637"/>
               </a:xfrm>
               <a:prstGeom prst="rect">
@@ -5088,7 +5088,7 @@
               <a:blipFill>
                 <a:blip r:embed="rId3"/>
                 <a:stretch>
-                  <a:fillRect l="-1003" r="-1754" b="-34000"/>
+                  <a:fillRect l="-1000" r="-1750" b="-31373"/>
                 </a:stretch>
               </a:blipFill>
             </p:spPr>
@@ -5123,8 +5123,8 @@
             </p:nvSpPr>
             <p:spPr>
               <a:xfrm>
-                <a:off x="5697415" y="2107288"/>
-                <a:ext cx="1523302" cy="276999"/>
+                <a:off x="5342496" y="1860437"/>
+                <a:ext cx="3422604" cy="276999"/>
               </a:xfrm>
               <a:prstGeom prst="rect">
                 <a:avLst/>
@@ -5183,18 +5183,32 @@
                             </a:rPr>
                             <m:t>+</m:t>
                           </m:r>
-                          <m:r>
-                            <a:rPr lang="en-US" b="0" i="1" smtClean="0">
-                              <a:latin typeface="Cambria Math" panose="02040503050406030204" pitchFamily="18" charset="0"/>
-                            </a:rPr>
-                            <m:t>𝑒</m:t>
-                          </m:r>
-                          <m:r>
-                            <a:rPr lang="en-US" b="0" i="1" smtClean="0">
-                              <a:latin typeface="Cambria Math" panose="02040503050406030204" pitchFamily="18" charset="0"/>
-                            </a:rPr>
-                            <m:t>𝑟𝑟</m:t>
-                          </m:r>
+                          <m:sSub>
+                            <m:sSubPr>
+                              <m:ctrlPr>
+                                <a:rPr lang="en-US" i="1" smtClean="0">
+                                  <a:latin typeface="Cambria Math" panose="02040503050406030204" pitchFamily="18" charset="0"/>
+                                </a:rPr>
+                              </m:ctrlPr>
+                            </m:sSubPr>
+                            <m:e>
+                              <m:r>
+                                <a:rPr lang="en-US" b="0" i="1" smtClean="0">
+                                  <a:latin typeface="Cambria Math" panose="02040503050406030204" pitchFamily="18" charset="0"/>
+                                  <a:ea typeface="Cambria Math" panose="02040503050406030204" pitchFamily="18" charset="0"/>
+                                </a:rPr>
+                                <m:t>∆</m:t>
+                              </m:r>
+                            </m:e>
+                            <m:sub>
+                              <m:r>
+                                <a:rPr lang="en-US" b="0" i="1" smtClean="0">
+                                  <a:latin typeface="Cambria Math" panose="02040503050406030204" pitchFamily="18" charset="0"/>
+                                </a:rPr>
+                                <m:t>𝑥</m:t>
+                              </m:r>
+                            </m:sub>
+                          </m:sSub>
                           <m:r>
                             <a:rPr lang="en-US" b="0" i="1" smtClean="0">
                               <a:latin typeface="Cambria Math" panose="02040503050406030204" pitchFamily="18" charset="0"/>
@@ -5212,6 +5226,132 @@
                           </m:r>
                         </m:sup>
                       </m:sSup>
+                      <m:r>
+                        <a:rPr lang="en-US" b="0" i="1" smtClean="0">
+                          <a:latin typeface="Cambria Math" panose="02040503050406030204" pitchFamily="18" charset="0"/>
+                        </a:rPr>
+                        <m:t>=</m:t>
+                      </m:r>
+                      <m:sSup>
+                        <m:sSupPr>
+                          <m:ctrlPr>
+                            <a:rPr lang="en-US" i="1">
+                              <a:latin typeface="Cambria Math" panose="02040503050406030204" pitchFamily="18" charset="0"/>
+                            </a:rPr>
+                          </m:ctrlPr>
+                        </m:sSupPr>
+                        <m:e>
+                          <m:r>
+                            <a:rPr lang="en-US" i="1">
+                              <a:latin typeface="Cambria Math" panose="02040503050406030204" pitchFamily="18" charset="0"/>
+                            </a:rPr>
+                            <m:t>𝑥</m:t>
+                          </m:r>
+                        </m:e>
+                        <m:sup>
+                          <m:r>
+                            <a:rPr lang="en-US" i="1">
+                              <a:latin typeface="Cambria Math" panose="02040503050406030204" pitchFamily="18" charset="0"/>
+                            </a:rPr>
+                            <m:t>2</m:t>
+                          </m:r>
+                        </m:sup>
+                      </m:sSup>
+                      <m:r>
+                        <a:rPr lang="en-US" i="1">
+                          <a:latin typeface="Cambria Math" panose="02040503050406030204" pitchFamily="18" charset="0"/>
+                        </a:rPr>
+                        <m:t>+</m:t>
+                      </m:r>
+                      <m:d>
+                        <m:dPr>
+                          <m:ctrlPr>
+                            <a:rPr lang="en-US" i="1">
+                              <a:latin typeface="Cambria Math" panose="02040503050406030204" pitchFamily="18" charset="0"/>
+                            </a:rPr>
+                          </m:ctrlPr>
+                        </m:dPr>
+                        <m:e>
+                          <m:r>
+                            <a:rPr lang="en-US" i="1">
+                              <a:latin typeface="Cambria Math" panose="02040503050406030204" pitchFamily="18" charset="0"/>
+                            </a:rPr>
+                            <m:t>2</m:t>
+                          </m:r>
+                          <m:r>
+                            <a:rPr lang="en-US" i="1">
+                              <a:latin typeface="Cambria Math" panose="02040503050406030204" pitchFamily="18" charset="0"/>
+                            </a:rPr>
+                            <m:t>𝑥</m:t>
+                          </m:r>
+                        </m:e>
+                      </m:d>
+                      <m:sSub>
+                        <m:sSubPr>
+                          <m:ctrlPr>
+                            <a:rPr lang="en-US" i="1">
+                              <a:latin typeface="Cambria Math" panose="02040503050406030204" pitchFamily="18" charset="0"/>
+                            </a:rPr>
+                          </m:ctrlPr>
+                        </m:sSubPr>
+                        <m:e>
+                          <m:r>
+                            <a:rPr lang="en-US" i="1">
+                              <a:latin typeface="Cambria Math" panose="02040503050406030204" pitchFamily="18" charset="0"/>
+                              <a:ea typeface="Cambria Math" panose="02040503050406030204" pitchFamily="18" charset="0"/>
+                            </a:rPr>
+                            <m:t>∆</m:t>
+                          </m:r>
+                        </m:e>
+                        <m:sub>
+                          <m:r>
+                            <a:rPr lang="en-US" i="1">
+                              <a:latin typeface="Cambria Math" panose="02040503050406030204" pitchFamily="18" charset="0"/>
+                            </a:rPr>
+                            <m:t>𝑥</m:t>
+                          </m:r>
+                        </m:sub>
+                      </m:sSub>
+                      <m:r>
+                        <a:rPr lang="en-US" i="1">
+                          <a:latin typeface="Cambria Math" panose="02040503050406030204" pitchFamily="18" charset="0"/>
+                        </a:rPr>
+                        <m:t>+</m:t>
+                      </m:r>
+                      <m:sSubSup>
+                        <m:sSubSupPr>
+                          <m:ctrlPr>
+                            <a:rPr lang="en-US" i="1">
+                              <a:latin typeface="Cambria Math" panose="02040503050406030204" pitchFamily="18" charset="0"/>
+                            </a:rPr>
+                          </m:ctrlPr>
+                        </m:sSubSupPr>
+                        <m:e>
+                          <m:r>
+                            <a:rPr lang="en-US" i="1">
+                              <a:latin typeface="Cambria Math" panose="02040503050406030204" pitchFamily="18" charset="0"/>
+                              <a:ea typeface="Cambria Math" panose="02040503050406030204" pitchFamily="18" charset="0"/>
+                            </a:rPr>
+                            <m:t>∆</m:t>
+                          </m:r>
+                        </m:e>
+                        <m:sub>
+                          <m:r>
+                            <a:rPr lang="en-US" i="1">
+                              <a:latin typeface="Cambria Math" panose="02040503050406030204" pitchFamily="18" charset="0"/>
+                            </a:rPr>
+                            <m:t>𝑥</m:t>
+                          </m:r>
+                        </m:sub>
+                        <m:sup>
+                          <m:r>
+                            <a:rPr lang="en-US" i="1">
+                              <a:latin typeface="Cambria Math" panose="02040503050406030204" pitchFamily="18" charset="0"/>
+                            </a:rPr>
+                            <m:t>2</m:t>
+                          </m:r>
+                        </m:sup>
+                      </m:sSubSup>
                     </m:oMath>
                   </m:oMathPara>
                 </a14:m>
@@ -5237,8 +5377,8 @@
             </p:nvSpPr>
             <p:spPr>
               <a:xfrm>
-                <a:off x="5697415" y="2107288"/>
-                <a:ext cx="1523302" cy="276999"/>
+                <a:off x="5342496" y="1860437"/>
+                <a:ext cx="3422604" cy="276999"/>
               </a:xfrm>
               <a:prstGeom prst="rect">
                 <a:avLst/>
@@ -5246,207 +5386,7 @@
               <a:blipFill>
                 <a:blip r:embed="rId4"/>
                 <a:stretch>
-                  <a:fillRect l="-3600" t="-4444" r="-800" b="-35556"/>
-                </a:stretch>
-              </a:blipFill>
-            </p:spPr>
-            <p:txBody>
-              <a:bodyPr/>
-              <a:lstStyle/>
-              <a:p>
-                <a:r>
-                  <a:rPr lang="en-US">
-                    <a:noFill/>
-                  </a:rPr>
-                  <a:t> </a:t>
-                </a:r>
-              </a:p>
-            </p:txBody>
-          </p:sp>
-        </mc:Fallback>
-      </mc:AlternateContent>
-      <mc:AlternateContent xmlns:mc="http://schemas.openxmlformats.org/markup-compatibility/2006">
-        <mc:Choice xmlns:a14="http://schemas.microsoft.com/office/drawing/2010/main" Requires="a14">
-          <p:sp>
-            <p:nvSpPr>
-              <p:cNvPr id="14" name="TextBox 13">
-                <a:extLst>
-                  <a:ext uri="{FF2B5EF4-FFF2-40B4-BE49-F238E27FC236}">
-                    <a16:creationId xmlns:a16="http://schemas.microsoft.com/office/drawing/2014/main" id="{3FCFC648-9260-4292-BF02-673E26C428D0}"/>
-                  </a:ext>
-                </a:extLst>
-              </p:cNvPr>
-              <p:cNvSpPr txBox="1"/>
-              <p:nvPr/>
-            </p:nvSpPr>
-            <p:spPr>
-              <a:xfrm>
-                <a:off x="5697415" y="2532785"/>
-                <a:ext cx="2513765" cy="276999"/>
-              </a:xfrm>
-              <a:prstGeom prst="rect">
-                <a:avLst/>
-              </a:prstGeom>
-              <a:noFill/>
-            </p:spPr>
-            <p:txBody>
-              <a:bodyPr wrap="none" lIns="0" tIns="0" rIns="0" bIns="0" rtlCol="0">
-                <a:spAutoFit/>
-              </a:bodyPr>
-              <a:lstStyle/>
-              <a:p>
-                <a:pPr/>
-                <a14:m>
-                  <m:oMathPara xmlns:m="http://schemas.openxmlformats.org/officeDocument/2006/math">
-                    <m:oMathParaPr>
-                      <m:jc m:val="centerGroup"/>
-                    </m:oMathParaPr>
-                    <m:oMath xmlns:m="http://schemas.openxmlformats.org/officeDocument/2006/math">
-                      <m:r>
-                        <a:rPr lang="en-US" b="0" i="1" smtClean="0">
-                          <a:latin typeface="Cambria Math" panose="02040503050406030204" pitchFamily="18" charset="0"/>
-                        </a:rPr>
-                        <m:t>𝑆</m:t>
-                      </m:r>
-                      <m:r>
-                        <a:rPr lang="en-US" b="0" i="1" smtClean="0">
-                          <a:latin typeface="Cambria Math" panose="02040503050406030204" pitchFamily="18" charset="0"/>
-                        </a:rPr>
-                        <m:t>=</m:t>
-                      </m:r>
-                      <m:sSup>
-                        <m:sSupPr>
-                          <m:ctrlPr>
-                            <a:rPr lang="en-US" b="0" i="1" smtClean="0">
-                              <a:latin typeface="Cambria Math" panose="02040503050406030204" pitchFamily="18" charset="0"/>
-                            </a:rPr>
-                          </m:ctrlPr>
-                        </m:sSupPr>
-                        <m:e>
-                          <m:r>
-                            <a:rPr lang="en-US" i="1" smtClean="0">
-                              <a:latin typeface="Cambria Math" panose="02040503050406030204" pitchFamily="18" charset="0"/>
-                            </a:rPr>
-                            <m:t>𝑥</m:t>
-                          </m:r>
-                        </m:e>
-                        <m:sup>
-                          <m:r>
-                            <a:rPr lang="en-US" b="0" i="1" smtClean="0">
-                              <a:latin typeface="Cambria Math" panose="02040503050406030204" pitchFamily="18" charset="0"/>
-                            </a:rPr>
-                            <m:t>2</m:t>
-                          </m:r>
-                        </m:sup>
-                      </m:sSup>
-                      <m:r>
-                        <a:rPr lang="en-US" b="0" i="1" smtClean="0">
-                          <a:latin typeface="Cambria Math" panose="02040503050406030204" pitchFamily="18" charset="0"/>
-                        </a:rPr>
-                        <m:t>+</m:t>
-                      </m:r>
-                      <m:r>
-                        <a:rPr lang="en-US" b="0" i="1" smtClean="0">
-                          <a:latin typeface="Cambria Math" panose="02040503050406030204" pitchFamily="18" charset="0"/>
-                        </a:rPr>
-                        <m:t>(</m:t>
-                      </m:r>
-                      <m:r>
-                        <a:rPr lang="en-US" b="0" i="1" smtClean="0">
-                          <a:latin typeface="Cambria Math" panose="02040503050406030204" pitchFamily="18" charset="0"/>
-                        </a:rPr>
-                        <m:t>2</m:t>
-                      </m:r>
-                      <m:r>
-                        <a:rPr lang="en-US" b="0" i="1" smtClean="0">
-                          <a:latin typeface="Cambria Math" panose="02040503050406030204" pitchFamily="18" charset="0"/>
-                        </a:rPr>
-                        <m:t>𝑥</m:t>
-                      </m:r>
-                      <m:r>
-                        <a:rPr lang="en-US" b="0" i="1" smtClean="0">
-                          <a:latin typeface="Cambria Math" panose="02040503050406030204" pitchFamily="18" charset="0"/>
-                        </a:rPr>
-                        <m:t>)</m:t>
-                      </m:r>
-                      <m:r>
-                        <a:rPr lang="en-US" b="0" i="1" smtClean="0">
-                          <a:latin typeface="Cambria Math" panose="02040503050406030204" pitchFamily="18" charset="0"/>
-                        </a:rPr>
-                        <m:t>𝑒𝑟𝑟</m:t>
-                      </m:r>
-                      <m:r>
-                        <a:rPr lang="en-US" b="0" i="1" smtClean="0">
-                          <a:latin typeface="Cambria Math" panose="02040503050406030204" pitchFamily="18" charset="0"/>
-                        </a:rPr>
-                        <m:t>+</m:t>
-                      </m:r>
-                      <m:sSup>
-                        <m:sSupPr>
-                          <m:ctrlPr>
-                            <a:rPr lang="en-US" b="0" i="1" smtClean="0">
-                              <a:latin typeface="Cambria Math" panose="02040503050406030204" pitchFamily="18" charset="0"/>
-                            </a:rPr>
-                          </m:ctrlPr>
-                        </m:sSupPr>
-                        <m:e>
-                          <m:r>
-                            <a:rPr lang="en-US" b="0" i="1" smtClean="0">
-                              <a:latin typeface="Cambria Math" panose="02040503050406030204" pitchFamily="18" charset="0"/>
-                            </a:rPr>
-                            <m:t>𝑒</m:t>
-                          </m:r>
-                          <m:r>
-                            <a:rPr lang="en-US" b="0" i="1" smtClean="0">
-                              <a:latin typeface="Cambria Math" panose="02040503050406030204" pitchFamily="18" charset="0"/>
-                            </a:rPr>
-                            <m:t>𝑟𝑟</m:t>
-                          </m:r>
-                        </m:e>
-                        <m:sup>
-                          <m:r>
-                            <a:rPr lang="en-US" b="0" i="1" smtClean="0">
-                              <a:latin typeface="Cambria Math" panose="02040503050406030204" pitchFamily="18" charset="0"/>
-                            </a:rPr>
-                            <m:t>2</m:t>
-                          </m:r>
-                        </m:sup>
-                      </m:sSup>
-                    </m:oMath>
-                  </m:oMathPara>
-                </a14:m>
-                <a:endParaRPr lang="en-US" dirty="0"/>
-              </a:p>
-            </p:txBody>
-          </p:sp>
-        </mc:Choice>
-        <mc:Fallback>
-          <p:sp>
-            <p:nvSpPr>
-              <p:cNvPr id="14" name="TextBox 13">
-                <a:extLst>
-                  <a:ext uri="{FF2B5EF4-FFF2-40B4-BE49-F238E27FC236}">
-                    <a16:creationId xmlns:a16="http://schemas.microsoft.com/office/drawing/2014/main" id="{3FCFC648-9260-4292-BF02-673E26C428D0}"/>
-                  </a:ext>
-                </a:extLst>
-              </p:cNvPr>
-              <p:cNvSpPr txBox="1">
-                <a:spLocks noRot="1" noChangeAspect="1" noMove="1" noResize="1" noEditPoints="1" noAdjustHandles="1" noChangeArrowheads="1" noChangeShapeType="1" noTextEdit="1"/>
-              </p:cNvSpPr>
-              <p:nvPr/>
-            </p:nvSpPr>
-            <p:spPr>
-              <a:xfrm>
-                <a:off x="5697415" y="2532785"/>
-                <a:ext cx="2513765" cy="276999"/>
-              </a:xfrm>
-              <a:prstGeom prst="rect">
-                <a:avLst/>
-              </a:prstGeom>
-              <a:blipFill>
-                <a:blip r:embed="rId5"/>
-                <a:stretch>
-                  <a:fillRect l="-1942" t="-4348" r="-485" b="-32609"/>
+                  <a:fillRect l="-1068" t="-4348" b="-32609"/>
                 </a:stretch>
               </a:blipFill>
             </p:spPr>
@@ -5481,8 +5421,8 @@
             </p:nvSpPr>
             <p:spPr>
               <a:xfrm>
-                <a:off x="5471163" y="2958282"/>
-                <a:ext cx="1562415" cy="560410"/>
+                <a:off x="6390251" y="2208814"/>
+                <a:ext cx="1327095" cy="602601"/>
               </a:xfrm>
               <a:prstGeom prst="rect">
                 <a:avLst/>
@@ -5502,12 +5442,32 @@
                       <m:jc m:val="centerGroup"/>
                     </m:oMathParaPr>
                     <m:oMath xmlns:m="http://schemas.openxmlformats.org/officeDocument/2006/math">
-                      <m:r>
-                        <a:rPr lang="en-US" b="0" i="1" smtClean="0">
-                          <a:latin typeface="Cambria Math" panose="02040503050406030204" pitchFamily="18" charset="0"/>
-                        </a:rPr>
-                        <m:t>𝑒𝑟𝑟</m:t>
-                      </m:r>
+                      <m:sSub>
+                        <m:sSubPr>
+                          <m:ctrlPr>
+                            <a:rPr lang="en-US" b="0" i="1" smtClean="0">
+                              <a:latin typeface="Cambria Math" panose="02040503050406030204" pitchFamily="18" charset="0"/>
+                            </a:rPr>
+                          </m:ctrlPr>
+                        </m:sSubPr>
+                        <m:e>
+                          <m:r>
+                            <a:rPr lang="en-US" b="0" i="1" smtClean="0">
+                              <a:latin typeface="Cambria Math" panose="02040503050406030204" pitchFamily="18" charset="0"/>
+                              <a:ea typeface="Cambria Math" panose="02040503050406030204" pitchFamily="18" charset="0"/>
+                            </a:rPr>
+                            <m:t>∆</m:t>
+                          </m:r>
+                        </m:e>
+                        <m:sub>
+                          <m:r>
+                            <a:rPr lang="en-US" b="0" i="1" smtClean="0">
+                              <a:latin typeface="Cambria Math" panose="02040503050406030204" pitchFamily="18" charset="0"/>
+                            </a:rPr>
+                            <m:t>𝑥</m:t>
+                          </m:r>
+                        </m:sub>
+                      </m:sSub>
                       <m:r>
                         <a:rPr lang="en-US" b="0" i="1" smtClean="0">
                           <a:latin typeface="Cambria Math" panose="02040503050406030204" pitchFamily="18" charset="0"/>
@@ -5580,12 +5540,32 @@
                             </a:rPr>
                             <m:t>+</m:t>
                           </m:r>
-                          <m:r>
-                            <a:rPr lang="en-US" b="0" i="1" smtClean="0">
-                              <a:latin typeface="Cambria Math" panose="02040503050406030204" pitchFamily="18" charset="0"/>
-                            </a:rPr>
-                            <m:t>𝑒𝑟𝑟</m:t>
-                          </m:r>
+                          <m:sSub>
+                            <m:sSubPr>
+                              <m:ctrlPr>
+                                <a:rPr lang="en-US" b="0" i="1" smtClean="0">
+                                  <a:latin typeface="Cambria Math" panose="02040503050406030204" pitchFamily="18" charset="0"/>
+                                </a:rPr>
+                              </m:ctrlPr>
+                            </m:sSubPr>
+                            <m:e>
+                              <m:r>
+                                <a:rPr lang="en-US" b="0" i="1" smtClean="0">
+                                  <a:latin typeface="Cambria Math" panose="02040503050406030204" pitchFamily="18" charset="0"/>
+                                  <a:ea typeface="Cambria Math" panose="02040503050406030204" pitchFamily="18" charset="0"/>
+                                </a:rPr>
+                                <m:t>∆</m:t>
+                              </m:r>
+                            </m:e>
+                            <m:sub>
+                              <m:r>
+                                <a:rPr lang="en-US" b="0" i="1" smtClean="0">
+                                  <a:latin typeface="Cambria Math" panose="02040503050406030204" pitchFamily="18" charset="0"/>
+                                </a:rPr>
+                                <m:t>𝑥</m:t>
+                              </m:r>
+                            </m:sub>
+                          </m:sSub>
                         </m:den>
                       </m:f>
                     </m:oMath>
@@ -5613,14 +5593,14 @@
             </p:nvSpPr>
             <p:spPr>
               <a:xfrm>
-                <a:off x="5471163" y="2958282"/>
-                <a:ext cx="1562415" cy="560410"/>
+                <a:off x="6390251" y="2208814"/>
+                <a:ext cx="1327095" cy="602601"/>
               </a:xfrm>
               <a:prstGeom prst="rect">
                 <a:avLst/>
               </a:prstGeom>
               <a:blipFill>
-                <a:blip r:embed="rId6"/>
+                <a:blip r:embed="rId5"/>
                 <a:stretch>
                   <a:fillRect/>
                 </a:stretch>
@@ -5645,27 +5625,28 @@
         <mc:Choice xmlns:a14="http://schemas.microsoft.com/office/drawing/2010/main" Requires="a14">
           <p:sp>
             <p:nvSpPr>
-              <p:cNvPr id="18" name="Rectangle 17">
+              <p:cNvPr id="16" name="TextBox 15">
                 <a:extLst>
                   <a:ext uri="{FF2B5EF4-FFF2-40B4-BE49-F238E27FC236}">
-                    <a16:creationId xmlns:a16="http://schemas.microsoft.com/office/drawing/2014/main" id="{9F90B4A0-C120-4681-BA88-BD498767ECB5}"/>
+                    <a16:creationId xmlns:a16="http://schemas.microsoft.com/office/drawing/2014/main" id="{05488E6E-6013-4113-91A4-FE1A0F004326}"/>
                   </a:ext>
                 </a:extLst>
               </p:cNvPr>
-              <p:cNvSpPr/>
+              <p:cNvSpPr txBox="1"/>
               <p:nvPr/>
             </p:nvSpPr>
             <p:spPr>
               <a:xfrm>
-                <a:off x="5001996" y="4185020"/>
-                <a:ext cx="3824901" cy="648126"/>
+                <a:off x="5556722" y="2882793"/>
+                <a:ext cx="2994153" cy="832792"/>
               </a:xfrm>
               <a:prstGeom prst="rect">
                 <a:avLst/>
               </a:prstGeom>
+              <a:noFill/>
             </p:spPr>
             <p:txBody>
-              <a:bodyPr wrap="square">
+              <a:bodyPr wrap="none" lIns="0" tIns="0" rIns="0" bIns="0" rtlCol="0">
                 <a:spAutoFit/>
               </a:bodyPr>
               <a:lstStyle/>
@@ -5676,43 +5657,64 @@
                       <m:jc m:val="centerGroup"/>
                     </m:oMathParaPr>
                     <m:oMath xmlns:m="http://schemas.openxmlformats.org/officeDocument/2006/math">
+                      <m:sSub>
+                        <m:sSubPr>
+                          <m:ctrlPr>
+                            <a:rPr lang="en-US" b="0" i="1" smtClean="0">
+                              <a:latin typeface="Cambria Math" panose="02040503050406030204" pitchFamily="18" charset="0"/>
+                            </a:rPr>
+                          </m:ctrlPr>
+                        </m:sSubPr>
+                        <m:e>
+                          <m:r>
+                            <a:rPr lang="en-US" b="0" i="1" smtClean="0">
+                              <a:latin typeface="Cambria Math" panose="02040503050406030204" pitchFamily="18" charset="0"/>
+                            </a:rPr>
+                            <m:t>𝐴𝑠𝑠𝑢𝑚𝑒</m:t>
+                          </m:r>
+                          <m:r>
+                            <a:rPr lang="en-US" b="0" i="1" smtClean="0">
+                              <a:latin typeface="Cambria Math" panose="02040503050406030204" pitchFamily="18" charset="0"/>
+                            </a:rPr>
+                            <m:t> ∆</m:t>
+                          </m:r>
+                        </m:e>
+                        <m:sub>
+                          <m:r>
+                            <a:rPr lang="en-US" b="0" i="1" smtClean="0">
+                              <a:latin typeface="Cambria Math" panose="02040503050406030204" pitchFamily="18" charset="0"/>
+                            </a:rPr>
+                            <m:t>𝑥</m:t>
+                          </m:r>
+                        </m:sub>
+                      </m:sSub>
                       <m:r>
-                        <a:rPr lang="en-US" i="1" smtClean="0">
+                        <a:rPr lang="en-US" b="0" i="1" smtClean="0">
                           <a:latin typeface="Cambria Math" panose="02040503050406030204" pitchFamily="18" charset="0"/>
+                          <a:ea typeface="Cambria Math" panose="02040503050406030204" pitchFamily="18" charset="0"/>
                         </a:rPr>
-                        <m:t>𝐴𝑠</m:t>
+                        <m:t>≪</m:t>
                       </m:r>
                       <m:r>
-                        <a:rPr lang="en-US" i="1" smtClean="0">
+                        <a:rPr lang="en-US" b="0" i="1" smtClean="0">
                           <a:latin typeface="Cambria Math" panose="02040503050406030204" pitchFamily="18" charset="0"/>
+                          <a:ea typeface="Cambria Math" panose="02040503050406030204" pitchFamily="18" charset="0"/>
                         </a:rPr>
-                        <m:t> </m:t>
-                      </m:r>
-                      <m:r>
-                        <a:rPr lang="en-US" i="1" smtClean="0">
-                          <a:latin typeface="Cambria Math" panose="02040503050406030204" pitchFamily="18" charset="0"/>
-                        </a:rPr>
-                        <m:t>𝑒𝑟𝑟</m:t>
+                        <m:t>𝑥</m:t>
                       </m:r>
                       <m:r>
                         <a:rPr lang="en-US" i="1">
                           <a:latin typeface="Cambria Math" panose="02040503050406030204" pitchFamily="18" charset="0"/>
                           <a:ea typeface="Cambria Math" panose="02040503050406030204" pitchFamily="18" charset="0"/>
                         </a:rPr>
-                        <m:t>→0</m:t>
-                      </m:r>
-                      <m:r>
-                        <a:rPr lang="en-US" b="0" i="1" smtClean="0">
-                          <a:latin typeface="Cambria Math" panose="02040503050406030204" pitchFamily="18" charset="0"/>
-                          <a:ea typeface="Cambria Math" panose="02040503050406030204" pitchFamily="18" charset="0"/>
-                        </a:rPr>
-                        <m:t>,</m:t>
+                        <m:t>∴</m:t>
                       </m:r>
                       <m:sSub>
                         <m:sSubPr>
                           <m:ctrlPr>
                             <a:rPr lang="en-US" i="1">
                               <a:latin typeface="Cambria Math" panose="02040503050406030204" pitchFamily="18" charset="0"/>
+                              <a:ea typeface="Cambria Math" panose="02040503050406030204" pitchFamily="18" charset="0"/>
                             </a:rPr>
                           </m:ctrlPr>
                         </m:sSubPr>
@@ -5720,37 +5722,27 @@
                           <m:r>
                             <a:rPr lang="en-US" i="1">
                               <a:latin typeface="Cambria Math" panose="02040503050406030204" pitchFamily="18" charset="0"/>
+                              <a:ea typeface="Cambria Math" panose="02040503050406030204" pitchFamily="18" charset="0"/>
                             </a:rPr>
-                            <m:t>𝑥</m:t>
+                            <m:t>∆</m:t>
                           </m:r>
                         </m:e>
                         <m:sub>
                           <m:r>
                             <a:rPr lang="en-US" i="1">
                               <a:latin typeface="Cambria Math" panose="02040503050406030204" pitchFamily="18" charset="0"/>
+                              <a:ea typeface="Cambria Math" panose="02040503050406030204" pitchFamily="18" charset="0"/>
                             </a:rPr>
-                            <m:t>𝑟𝑒𝑣𝑖𝑠𝑒𝑑</m:t>
+                            <m:t>𝑥</m:t>
                           </m:r>
                         </m:sub>
                       </m:sSub>
                       <m:r>
-                        <a:rPr lang="en-US" i="1" smtClean="0">
+                        <a:rPr lang="en-US" i="1">
                           <a:latin typeface="Cambria Math" panose="02040503050406030204" pitchFamily="18" charset="0"/>
                           <a:ea typeface="Cambria Math" panose="02040503050406030204" pitchFamily="18" charset="0"/>
                         </a:rPr>
                         <m:t>≈</m:t>
-                      </m:r>
-                      <m:r>
-                        <a:rPr lang="en-US" b="0" i="1" smtClean="0">
-                          <a:latin typeface="Cambria Math" panose="02040503050406030204" pitchFamily="18" charset="0"/>
-                        </a:rPr>
-                        <m:t>𝑥</m:t>
-                      </m:r>
-                      <m:r>
-                        <a:rPr lang="en-US" b="0" i="1" smtClean="0">
-                          <a:latin typeface="Cambria Math" panose="02040503050406030204" pitchFamily="18" charset="0"/>
-                        </a:rPr>
-                        <m:t>+</m:t>
                       </m:r>
                       <m:f>
                         <m:fPr>
@@ -5819,6 +5811,168 @@
                 </a14:m>
                 <a:endParaRPr lang="en-US" dirty="0"/>
               </a:p>
+              <a:p>
+                <a:pPr/>
+                <a:endParaRPr lang="en-US" dirty="0"/>
+              </a:p>
+            </p:txBody>
+          </p:sp>
+        </mc:Choice>
+        <mc:Fallback>
+          <p:sp>
+            <p:nvSpPr>
+              <p:cNvPr id="16" name="TextBox 15">
+                <a:extLst>
+                  <a:ext uri="{FF2B5EF4-FFF2-40B4-BE49-F238E27FC236}">
+                    <a16:creationId xmlns:a16="http://schemas.microsoft.com/office/drawing/2014/main" id="{05488E6E-6013-4113-91A4-FE1A0F004326}"/>
+                  </a:ext>
+                </a:extLst>
+              </p:cNvPr>
+              <p:cNvSpPr txBox="1">
+                <a:spLocks noRot="1" noChangeAspect="1" noMove="1" noResize="1" noEditPoints="1" noAdjustHandles="1" noChangeArrowheads="1" noChangeShapeType="1" noTextEdit="1"/>
+              </p:cNvSpPr>
+              <p:nvPr/>
+            </p:nvSpPr>
+            <p:spPr>
+              <a:xfrm>
+                <a:off x="5556722" y="2882793"/>
+                <a:ext cx="2994153" cy="832792"/>
+              </a:xfrm>
+              <a:prstGeom prst="rect">
+                <a:avLst/>
+              </a:prstGeom>
+              <a:blipFill>
+                <a:blip r:embed="rId6"/>
+                <a:stretch>
+                  <a:fillRect/>
+                </a:stretch>
+              </a:blipFill>
+            </p:spPr>
+            <p:txBody>
+              <a:bodyPr/>
+              <a:lstStyle/>
+              <a:p>
+                <a:r>
+                  <a:rPr lang="en-US">
+                    <a:noFill/>
+                  </a:rPr>
+                  <a:t> </a:t>
+                </a:r>
+              </a:p>
+            </p:txBody>
+          </p:sp>
+        </mc:Fallback>
+      </mc:AlternateContent>
+      <mc:AlternateContent xmlns:mc="http://schemas.openxmlformats.org/markup-compatibility/2006">
+        <mc:Choice xmlns:a14="http://schemas.microsoft.com/office/drawing/2010/main" Requires="a14">
+          <p:sp>
+            <p:nvSpPr>
+              <p:cNvPr id="18" name="Rectangle 17">
+                <a:extLst>
+                  <a:ext uri="{FF2B5EF4-FFF2-40B4-BE49-F238E27FC236}">
+                    <a16:creationId xmlns:a16="http://schemas.microsoft.com/office/drawing/2014/main" id="{9F90B4A0-C120-4681-BA88-BD498767ECB5}"/>
+                  </a:ext>
+                </a:extLst>
+              </p:cNvPr>
+              <p:cNvSpPr/>
+              <p:nvPr/>
+            </p:nvSpPr>
+            <p:spPr>
+              <a:xfrm>
+                <a:off x="6079814" y="3786963"/>
+                <a:ext cx="1947969" cy="369332"/>
+              </a:xfrm>
+              <a:prstGeom prst="rect">
+                <a:avLst/>
+              </a:prstGeom>
+            </p:spPr>
+            <p:txBody>
+              <a:bodyPr wrap="none">
+                <a:spAutoFit/>
+              </a:bodyPr>
+              <a:lstStyle/>
+              <a:p>
+                <a:pPr/>
+                <a14:m>
+                  <m:oMathPara xmlns:m="http://schemas.openxmlformats.org/officeDocument/2006/math">
+                    <m:oMathParaPr>
+                      <m:jc m:val="centerGroup"/>
+                    </m:oMathParaPr>
+                    <m:oMath xmlns:m="http://schemas.openxmlformats.org/officeDocument/2006/math">
+                      <m:sSub>
+                        <m:sSubPr>
+                          <m:ctrlPr>
+                            <a:rPr lang="en-US" i="1" smtClean="0">
+                              <a:latin typeface="Cambria Math" panose="02040503050406030204" pitchFamily="18" charset="0"/>
+                            </a:rPr>
+                          </m:ctrlPr>
+                        </m:sSubPr>
+                        <m:e>
+                          <m:r>
+                            <a:rPr lang="en-US" i="1">
+                              <a:latin typeface="Cambria Math" panose="02040503050406030204" pitchFamily="18" charset="0"/>
+                            </a:rPr>
+                            <m:t>𝑥</m:t>
+                          </m:r>
+                        </m:e>
+                        <m:sub>
+                          <m:r>
+                            <a:rPr lang="en-US" i="1">
+                              <a:latin typeface="Cambria Math" panose="02040503050406030204" pitchFamily="18" charset="0"/>
+                            </a:rPr>
+                            <m:t>𝑟𝑒𝑣𝑖𝑠𝑒𝑑</m:t>
+                          </m:r>
+                        </m:sub>
+                      </m:sSub>
+                      <m:r>
+                        <a:rPr lang="en-US" b="0" i="1" smtClean="0">
+                          <a:latin typeface="Cambria Math" panose="02040503050406030204" pitchFamily="18" charset="0"/>
+                        </a:rPr>
+                        <m:t>=</m:t>
+                      </m:r>
+                      <m:r>
+                        <a:rPr lang="en-US" b="0" i="1" smtClean="0">
+                          <a:latin typeface="Cambria Math" panose="02040503050406030204" pitchFamily="18" charset="0"/>
+                        </a:rPr>
+                        <m:t>𝑥</m:t>
+                      </m:r>
+                      <m:r>
+                        <a:rPr lang="en-US" b="0" i="1" smtClean="0">
+                          <a:latin typeface="Cambria Math" panose="02040503050406030204" pitchFamily="18" charset="0"/>
+                        </a:rPr>
+                        <m:t>+</m:t>
+                      </m:r>
+                      <m:sSub>
+                        <m:sSubPr>
+                          <m:ctrlPr>
+                            <a:rPr lang="en-US" b="0" i="1" smtClean="0">
+                              <a:latin typeface="Cambria Math" panose="02040503050406030204" pitchFamily="18" charset="0"/>
+                            </a:rPr>
+                          </m:ctrlPr>
+                        </m:sSubPr>
+                        <m:e>
+                          <m:r>
+                            <a:rPr lang="en-US" b="0" i="1" smtClean="0">
+                              <a:latin typeface="Cambria Math" panose="02040503050406030204" pitchFamily="18" charset="0"/>
+                              <a:ea typeface="Cambria Math" panose="02040503050406030204" pitchFamily="18" charset="0"/>
+                            </a:rPr>
+                            <m:t>∆</m:t>
+                          </m:r>
+                        </m:e>
+                        <m:sub>
+                          <m:r>
+                            <a:rPr lang="en-US" b="0" i="1" smtClean="0">
+                              <a:latin typeface="Cambria Math" panose="02040503050406030204" pitchFamily="18" charset="0"/>
+                            </a:rPr>
+                            <m:t>𝑥</m:t>
+                          </m:r>
+                        </m:sub>
+                      </m:sSub>
+                    </m:oMath>
+                  </m:oMathPara>
+                </a14:m>
+                <a:endParaRPr lang="en-US" dirty="0"/>
+              </a:p>
             </p:txBody>
           </p:sp>
         </mc:Choice>
@@ -5839,8 +5993,8 @@
             </p:nvSpPr>
             <p:spPr>
               <a:xfrm>
-                <a:off x="5001996" y="4185020"/>
-                <a:ext cx="3824901" cy="648126"/>
+                <a:off x="6079814" y="3786963"/>
+                <a:ext cx="1947969" cy="369332"/>
               </a:xfrm>
               <a:prstGeom prst="rect">
                 <a:avLst/>
@@ -5883,7 +6037,7 @@
             </p:nvSpPr>
             <p:spPr>
               <a:xfrm>
-                <a:off x="5638072" y="5850466"/>
+                <a:off x="5777423" y="5738881"/>
                 <a:ext cx="2552750" cy="714683"/>
               </a:xfrm>
               <a:prstGeom prst="rect">
@@ -6020,7 +6174,7 @@
             </p:nvSpPr>
             <p:spPr>
               <a:xfrm>
-                <a:off x="5638072" y="5850466"/>
+                <a:off x="5777423" y="5738881"/>
                 <a:ext cx="2552750" cy="714683"/>
               </a:xfrm>
               <a:prstGeom prst="rect">
@@ -6052,10 +6206,10 @@
         <mc:Choice xmlns:a14="http://schemas.microsoft.com/office/drawing/2010/main" Requires="a14">
           <p:sp>
             <p:nvSpPr>
-              <p:cNvPr id="17" name="Rectangle 16">
+              <p:cNvPr id="20" name="Rectangle 19">
                 <a:extLst>
                   <a:ext uri="{FF2B5EF4-FFF2-40B4-BE49-F238E27FC236}">
-                    <a16:creationId xmlns:a16="http://schemas.microsoft.com/office/drawing/2014/main" id="{C6809C6C-D071-49B9-AFFE-689E7B52E84F}"/>
+                    <a16:creationId xmlns:a16="http://schemas.microsoft.com/office/drawing/2014/main" id="{C8DB4E97-0101-4E46-9707-E7F3BF665A44}"/>
                   </a:ext>
                 </a:extLst>
               </p:cNvPr>
@@ -6064,8 +6218,8 @@
             </p:nvSpPr>
             <p:spPr>
               <a:xfrm>
-                <a:off x="4808901" y="4981644"/>
-                <a:ext cx="4211089" cy="720325"/>
+                <a:off x="5884343" y="4227673"/>
+                <a:ext cx="2338910" cy="648126"/>
               </a:xfrm>
               <a:prstGeom prst="rect">
                 <a:avLst/>
@@ -6087,7 +6241,7 @@
                       <m:sSub>
                         <m:sSubPr>
                           <m:ctrlPr>
-                            <a:rPr lang="en-US" i="1">
+                            <a:rPr lang="en-US" i="1" smtClean="0">
                               <a:latin typeface="Cambria Math" panose="02040503050406030204" pitchFamily="18" charset="0"/>
                             </a:rPr>
                           </m:ctrlPr>
@@ -6109,6 +6263,176 @@
                           </m:r>
                         </m:sub>
                       </m:sSub>
+                      <m:r>
+                        <a:rPr lang="en-US" b="0" i="1" smtClean="0">
+                          <a:latin typeface="Cambria Math" panose="02040503050406030204" pitchFamily="18" charset="0"/>
+                          <a:ea typeface="Cambria Math" panose="02040503050406030204" pitchFamily="18" charset="0"/>
+                        </a:rPr>
+                        <m:t>≈</m:t>
+                      </m:r>
+                      <m:r>
+                        <a:rPr lang="en-US" b="0" i="1" smtClean="0">
+                          <a:latin typeface="Cambria Math" panose="02040503050406030204" pitchFamily="18" charset="0"/>
+                        </a:rPr>
+                        <m:t>𝑥</m:t>
+                      </m:r>
+                      <m:r>
+                        <a:rPr lang="en-US" b="0" i="1" smtClean="0">
+                          <a:latin typeface="Cambria Math" panose="02040503050406030204" pitchFamily="18" charset="0"/>
+                        </a:rPr>
+                        <m:t>+</m:t>
+                      </m:r>
+                      <m:f>
+                        <m:fPr>
+                          <m:ctrlPr>
+                            <a:rPr lang="en-US" i="1">
+                              <a:latin typeface="Cambria Math" panose="02040503050406030204" pitchFamily="18" charset="0"/>
+                            </a:rPr>
+                          </m:ctrlPr>
+                        </m:fPr>
+                        <m:num>
+                          <m:r>
+                            <a:rPr lang="en-US" i="1">
+                              <a:latin typeface="Cambria Math" panose="02040503050406030204" pitchFamily="18" charset="0"/>
+                            </a:rPr>
+                            <m:t>𝑆</m:t>
+                          </m:r>
+                          <m:r>
+                            <a:rPr lang="en-US" i="1">
+                              <a:latin typeface="Cambria Math" panose="02040503050406030204" pitchFamily="18" charset="0"/>
+                            </a:rPr>
+                            <m:t>−</m:t>
+                          </m:r>
+                          <m:sSup>
+                            <m:sSupPr>
+                              <m:ctrlPr>
+                                <a:rPr lang="en-US" i="1">
+                                  <a:latin typeface="Cambria Math" panose="02040503050406030204" pitchFamily="18" charset="0"/>
+                                </a:rPr>
+                              </m:ctrlPr>
+                            </m:sSupPr>
+                            <m:e>
+                              <m:r>
+                                <a:rPr lang="en-US" i="1">
+                                  <a:latin typeface="Cambria Math" panose="02040503050406030204" pitchFamily="18" charset="0"/>
+                                </a:rPr>
+                                <m:t>𝑥</m:t>
+                              </m:r>
+                            </m:e>
+                            <m:sup>
+                              <m:r>
+                                <a:rPr lang="en-US" i="1">
+                                  <a:latin typeface="Cambria Math" panose="02040503050406030204" pitchFamily="18" charset="0"/>
+                                </a:rPr>
+                                <m:t>2</m:t>
+                              </m:r>
+                            </m:sup>
+                          </m:sSup>
+                        </m:num>
+                        <m:den>
+                          <m:r>
+                            <a:rPr lang="en-US" i="1">
+                              <a:latin typeface="Cambria Math" panose="02040503050406030204" pitchFamily="18" charset="0"/>
+                            </a:rPr>
+                            <m:t>2</m:t>
+                          </m:r>
+                          <m:r>
+                            <a:rPr lang="en-US" i="1">
+                              <a:latin typeface="Cambria Math" panose="02040503050406030204" pitchFamily="18" charset="0"/>
+                            </a:rPr>
+                            <m:t>𝑥</m:t>
+                          </m:r>
+                        </m:den>
+                      </m:f>
+                    </m:oMath>
+                  </m:oMathPara>
+                </a14:m>
+                <a:endParaRPr lang="en-US" dirty="0"/>
+              </a:p>
+            </p:txBody>
+          </p:sp>
+        </mc:Choice>
+        <mc:Fallback>
+          <p:sp>
+            <p:nvSpPr>
+              <p:cNvPr id="20" name="Rectangle 19">
+                <a:extLst>
+                  <a:ext uri="{FF2B5EF4-FFF2-40B4-BE49-F238E27FC236}">
+                    <a16:creationId xmlns:a16="http://schemas.microsoft.com/office/drawing/2014/main" id="{C8DB4E97-0101-4E46-9707-E7F3BF665A44}"/>
+                  </a:ext>
+                </a:extLst>
+              </p:cNvPr>
+              <p:cNvSpPr>
+                <a:spLocks noRot="1" noChangeAspect="1" noMove="1" noResize="1" noEditPoints="1" noAdjustHandles="1" noChangeArrowheads="1" noChangeShapeType="1" noTextEdit="1"/>
+              </p:cNvSpPr>
+              <p:nvPr/>
+            </p:nvSpPr>
+            <p:spPr>
+              <a:xfrm>
+                <a:off x="5884343" y="4227673"/>
+                <a:ext cx="2338910" cy="648126"/>
+              </a:xfrm>
+              <a:prstGeom prst="rect">
+                <a:avLst/>
+              </a:prstGeom>
+              <a:blipFill>
+                <a:blip r:embed="rId9"/>
+                <a:stretch>
+                  <a:fillRect/>
+                </a:stretch>
+              </a:blipFill>
+            </p:spPr>
+            <p:txBody>
+              <a:bodyPr/>
+              <a:lstStyle/>
+              <a:p>
+                <a:r>
+                  <a:rPr lang="en-US">
+                    <a:noFill/>
+                  </a:rPr>
+                  <a:t> </a:t>
+                </a:r>
+              </a:p>
+            </p:txBody>
+          </p:sp>
+        </mc:Fallback>
+      </mc:AlternateContent>
+      <mc:AlternateContent xmlns:mc="http://schemas.openxmlformats.org/markup-compatibility/2006">
+        <mc:Choice xmlns:a14="http://schemas.microsoft.com/office/drawing/2010/main" Requires="a14">
+          <p:sp>
+            <p:nvSpPr>
+              <p:cNvPr id="24" name="Rectangle 23">
+                <a:extLst>
+                  <a:ext uri="{FF2B5EF4-FFF2-40B4-BE49-F238E27FC236}">
+                    <a16:creationId xmlns:a16="http://schemas.microsoft.com/office/drawing/2014/main" id="{439FE1EA-45D3-4840-A246-A7D554036AB0}"/>
+                  </a:ext>
+                </a:extLst>
+              </p:cNvPr>
+              <p:cNvSpPr/>
+              <p:nvPr/>
+            </p:nvSpPr>
+            <p:spPr>
+              <a:xfrm>
+                <a:off x="5356122" y="4947177"/>
+                <a:ext cx="3395353" cy="720325"/>
+              </a:xfrm>
+              <a:prstGeom prst="rect">
+                <a:avLst/>
+              </a:prstGeom>
+            </p:spPr>
+            <p:txBody>
+              <a:bodyPr wrap="none">
+                <a:spAutoFit/>
+              </a:bodyPr>
+              <a:lstStyle/>
+              <a:p>
+                <a:pPr/>
+                <a14:m>
+                  <m:oMathPara xmlns:m="http://schemas.openxmlformats.org/officeDocument/2006/math">
+                    <m:oMathParaPr>
+                      <m:jc m:val="centerGroup"/>
+                    </m:oMathParaPr>
+                    <m:oMath xmlns:m="http://schemas.openxmlformats.org/officeDocument/2006/math">
                       <m:r>
                         <a:rPr lang="en-US" i="1" smtClean="0">
                           <a:latin typeface="Cambria Math" panose="02040503050406030204" pitchFamily="18" charset="0"/>
@@ -6383,10 +6707,10 @@
         <mc:Fallback>
           <p:sp>
             <p:nvSpPr>
-              <p:cNvPr id="17" name="Rectangle 16">
+              <p:cNvPr id="24" name="Rectangle 23">
                 <a:extLst>
                   <a:ext uri="{FF2B5EF4-FFF2-40B4-BE49-F238E27FC236}">
-                    <a16:creationId xmlns:a16="http://schemas.microsoft.com/office/drawing/2014/main" id="{C6809C6C-D071-49B9-AFFE-689E7B52E84F}"/>
+                    <a16:creationId xmlns:a16="http://schemas.microsoft.com/office/drawing/2014/main" id="{439FE1EA-45D3-4840-A246-A7D554036AB0}"/>
                   </a:ext>
                 </a:extLst>
               </p:cNvPr>
@@ -6397,145 +6721,8 @@
             </p:nvSpPr>
             <p:spPr>
               <a:xfrm>
-                <a:off x="4808901" y="4981644"/>
-                <a:ext cx="4211089" cy="720325"/>
-              </a:xfrm>
-              <a:prstGeom prst="rect">
-                <a:avLst/>
-              </a:prstGeom>
-              <a:blipFill>
-                <a:blip r:embed="rId9"/>
-                <a:stretch>
-                  <a:fillRect/>
-                </a:stretch>
-              </a:blipFill>
-            </p:spPr>
-            <p:txBody>
-              <a:bodyPr/>
-              <a:lstStyle/>
-              <a:p>
-                <a:r>
-                  <a:rPr lang="en-US">
-                    <a:noFill/>
-                  </a:rPr>
-                  <a:t> </a:t>
-                </a:r>
-              </a:p>
-            </p:txBody>
-          </p:sp>
-        </mc:Fallback>
-      </mc:AlternateContent>
-      <mc:AlternateContent xmlns:mc="http://schemas.openxmlformats.org/markup-compatibility/2006">
-        <mc:Choice xmlns:a14="http://schemas.microsoft.com/office/drawing/2010/main" Requires="a14">
-          <p:sp>
-            <p:nvSpPr>
-              <p:cNvPr id="7" name="Rectangle 6">
-                <a:extLst>
-                  <a:ext uri="{FF2B5EF4-FFF2-40B4-BE49-F238E27FC236}">
-                    <a16:creationId xmlns:a16="http://schemas.microsoft.com/office/drawing/2014/main" id="{2C7A6732-EBCD-493B-99AB-99C94BDE1C11}"/>
-                  </a:ext>
-                </a:extLst>
-              </p:cNvPr>
-              <p:cNvSpPr/>
-              <p:nvPr/>
-            </p:nvSpPr>
-            <p:spPr>
-              <a:xfrm>
-                <a:off x="5799533" y="3667190"/>
-                <a:ext cx="2033570" cy="369332"/>
-              </a:xfrm>
-              <a:prstGeom prst="rect">
-                <a:avLst/>
-              </a:prstGeom>
-            </p:spPr>
-            <p:txBody>
-              <a:bodyPr wrap="none">
-                <a:spAutoFit/>
-              </a:bodyPr>
-              <a:lstStyle/>
-              <a:p>
-                <a14:m>
-                  <m:oMathPara xmlns:m="http://schemas.openxmlformats.org/officeDocument/2006/math">
-                    <m:oMathParaPr>
-                      <m:jc m:val="centerGroup"/>
-                    </m:oMathParaPr>
-                    <m:oMath xmlns:m="http://schemas.openxmlformats.org/officeDocument/2006/math">
-                      <m:sSub>
-                        <m:sSubPr>
-                          <m:ctrlPr>
-                            <a:rPr lang="en-US" i="1" smtClean="0">
-                              <a:latin typeface="Cambria Math" panose="02040503050406030204" pitchFamily="18" charset="0"/>
-                            </a:rPr>
-                          </m:ctrlPr>
-                        </m:sSubPr>
-                        <m:e>
-                          <m:r>
-                            <a:rPr lang="en-US" i="1">
-                              <a:latin typeface="Cambria Math" panose="02040503050406030204" pitchFamily="18" charset="0"/>
-                            </a:rPr>
-                            <m:t>𝑥</m:t>
-                          </m:r>
-                        </m:e>
-                        <m:sub>
-                          <m:r>
-                            <a:rPr lang="en-US" i="1">
-                              <a:latin typeface="Cambria Math" panose="02040503050406030204" pitchFamily="18" charset="0"/>
-                            </a:rPr>
-                            <m:t>𝑟𝑒𝑣𝑖𝑠𝑒𝑑</m:t>
-                          </m:r>
-                        </m:sub>
-                      </m:sSub>
-                      <m:r>
-                        <a:rPr lang="en-US" b="0" i="1" smtClean="0">
-                          <a:latin typeface="Cambria Math" panose="02040503050406030204" pitchFamily="18" charset="0"/>
-                        </a:rPr>
-                        <m:t>=</m:t>
-                      </m:r>
-                      <m:r>
-                        <a:rPr lang="en-US" b="0" i="1" smtClean="0">
-                          <a:latin typeface="Cambria Math" panose="02040503050406030204" pitchFamily="18" charset="0"/>
-                        </a:rPr>
-                        <m:t>𝑥</m:t>
-                      </m:r>
-                      <m:r>
-                        <a:rPr lang="en-US" b="0" i="1" smtClean="0">
-                          <a:latin typeface="Cambria Math" panose="02040503050406030204" pitchFamily="18" charset="0"/>
-                        </a:rPr>
-                        <m:t>+</m:t>
-                      </m:r>
-                      <m:r>
-                        <a:rPr lang="en-US" b="0" i="1" smtClean="0">
-                          <a:latin typeface="Cambria Math" panose="02040503050406030204" pitchFamily="18" charset="0"/>
-                        </a:rPr>
-                        <m:t>𝑒𝑟𝑟</m:t>
-                      </m:r>
-                    </m:oMath>
-                  </m:oMathPara>
-                </a14:m>
-                <a:endParaRPr lang="en-US" dirty="0"/>
-              </a:p>
-            </p:txBody>
-          </p:sp>
-        </mc:Choice>
-        <mc:Fallback>
-          <p:sp>
-            <p:nvSpPr>
-              <p:cNvPr id="7" name="Rectangle 6">
-                <a:extLst>
-                  <a:ext uri="{FF2B5EF4-FFF2-40B4-BE49-F238E27FC236}">
-                    <a16:creationId xmlns:a16="http://schemas.microsoft.com/office/drawing/2014/main" id="{2C7A6732-EBCD-493B-99AB-99C94BDE1C11}"/>
-                  </a:ext>
-                </a:extLst>
-              </p:cNvPr>
-              <p:cNvSpPr>
-                <a:spLocks noRot="1" noChangeAspect="1" noMove="1" noResize="1" noEditPoints="1" noAdjustHandles="1" noChangeArrowheads="1" noChangeShapeType="1" noTextEdit="1"/>
-              </p:cNvSpPr>
-              <p:nvPr/>
-            </p:nvSpPr>
-            <p:spPr>
-              <a:xfrm>
-                <a:off x="5799533" y="3667190"/>
-                <a:ext cx="2033570" cy="369332"/>
+                <a:off x="5356122" y="4947177"/>
+                <a:ext cx="3395353" cy="720325"/>
               </a:xfrm>
               <a:prstGeom prst="rect">
                 <a:avLst/>
@@ -6543,7 +6730,7 @@
               <a:blipFill>
                 <a:blip r:embed="rId10"/>
                 <a:stretch>
-                  <a:fillRect b="-1667"/>
+                  <a:fillRect/>
                 </a:stretch>
               </a:blipFill>
             </p:spPr>

--- a/exam1/Exam 1 Questions.pptx
+++ b/exam1/Exam 1 Questions.pptx
@@ -207,7 +207,7 @@
           <a:p>
             <a:fld id="{ECAAAD59-9D48-48BB-8EF4-798822FFF5A4}" type="datetimeFigureOut">
               <a:rPr lang="en-US" smtClean="0"/>
-              <a:t>4/24/2020</a:t>
+              <a:t>5/7/2020</a:t>
             </a:fld>
             <a:endParaRPr lang="en-US"/>
           </a:p>
@@ -605,7 +605,7 @@
           <a:p>
             <a:fld id="{1618355B-3634-4BC9-81D5-8538227F5BA8}" type="datetime1">
               <a:rPr lang="en-US" smtClean="0"/>
-              <a:t>4/24/2020</a:t>
+              <a:t>5/7/2020</a:t>
             </a:fld>
             <a:endParaRPr lang="en-US"/>
           </a:p>
@@ -784,7 +784,7 @@
           <a:p>
             <a:fld id="{2A2F89F1-48A6-4324-AFD1-3EC079BC4F99}" type="datetime1">
               <a:rPr lang="en-US" smtClean="0"/>
-              <a:t>4/24/2020</a:t>
+              <a:t>5/7/2020</a:t>
             </a:fld>
             <a:endParaRPr lang="en-US"/>
           </a:p>
@@ -973,7 +973,7 @@
           <a:p>
             <a:fld id="{A9F944BD-13BB-4F52-849A-274E079381D0}" type="datetime1">
               <a:rPr lang="en-US" smtClean="0"/>
-              <a:t>4/24/2020</a:t>
+              <a:t>5/7/2020</a:t>
             </a:fld>
             <a:endParaRPr lang="en-US"/>
           </a:p>
@@ -1152,7 +1152,7 @@
           <a:p>
             <a:fld id="{15E020E6-F8D9-4825-A9D6-C37AF1154F69}" type="datetime1">
               <a:rPr lang="en-US" smtClean="0"/>
-              <a:t>4/24/2020</a:t>
+              <a:t>5/7/2020</a:t>
             </a:fld>
             <a:endParaRPr lang="en-US"/>
           </a:p>
@@ -1405,7 +1405,7 @@
           <a:p>
             <a:fld id="{8076DA9F-4F33-47E2-BCB6-74E79BC19394}" type="datetime1">
               <a:rPr lang="en-US" smtClean="0"/>
-              <a:t>4/24/2020</a:t>
+              <a:t>5/7/2020</a:t>
             </a:fld>
             <a:endParaRPr lang="en-US"/>
           </a:p>
@@ -1646,7 +1646,7 @@
           <a:p>
             <a:fld id="{FBAF2370-96AE-4D11-A0C2-121376BBDA55}" type="datetime1">
               <a:rPr lang="en-US" smtClean="0"/>
-              <a:t>4/24/2020</a:t>
+              <a:t>5/7/2020</a:t>
             </a:fld>
             <a:endParaRPr lang="en-US"/>
           </a:p>
@@ -2022,7 +2022,7 @@
           <a:p>
             <a:fld id="{169582F2-1EA8-421C-B8F8-D8CA1E3EFF62}" type="datetime1">
               <a:rPr lang="en-US" smtClean="0"/>
-              <a:t>4/24/2020</a:t>
+              <a:t>5/7/2020</a:t>
             </a:fld>
             <a:endParaRPr lang="en-US"/>
           </a:p>
@@ -2149,7 +2149,7 @@
           <a:p>
             <a:fld id="{A517D7DA-5058-420F-9DBC-85DE61D477C2}" type="datetime1">
               <a:rPr lang="en-US" smtClean="0"/>
-              <a:t>4/24/2020</a:t>
+              <a:t>5/7/2020</a:t>
             </a:fld>
             <a:endParaRPr lang="en-US"/>
           </a:p>
@@ -2253,7 +2253,7 @@
           <a:p>
             <a:fld id="{8FFB225B-7C69-40F3-B61C-519BFAC1134E}" type="datetime1">
               <a:rPr lang="en-US" smtClean="0"/>
-              <a:t>4/24/2020</a:t>
+              <a:t>5/7/2020</a:t>
             </a:fld>
             <a:endParaRPr lang="en-US"/>
           </a:p>
@@ -2539,7 +2539,7 @@
           <a:p>
             <a:fld id="{ECAE7071-FDDA-440A-98D6-E8E6F92A50F1}" type="datetime1">
               <a:rPr lang="en-US" smtClean="0"/>
-              <a:t>4/24/2020</a:t>
+              <a:t>5/7/2020</a:t>
             </a:fld>
             <a:endParaRPr lang="en-US"/>
           </a:p>
@@ -2805,7 +2805,7 @@
           <a:p>
             <a:fld id="{AC5FFC63-6CD2-42EF-9476-C30364AABDD9}" type="datetime1">
               <a:rPr lang="en-US" smtClean="0"/>
-              <a:t>4/24/2020</a:t>
+              <a:t>5/7/2020</a:t>
             </a:fld>
             <a:endParaRPr lang="en-US"/>
           </a:p>
@@ -3027,7 +3027,7 @@
           <a:p>
             <a:fld id="{19B6766A-8FD1-4A76-8D41-2F10BEB35D78}" type="datetime1">
               <a:rPr lang="en-US" smtClean="0"/>
-              <a:t>4/24/2020</a:t>
+              <a:t>5/7/2020</a:t>
             </a:fld>
             <a:endParaRPr lang="en-US"/>
           </a:p>
@@ -3744,227 +3744,12 @@
           <a:chExt cx="0" cy="0"/>
         </a:xfrm>
       </p:grpSpPr>
-      <p:sp>
-        <p:nvSpPr>
-          <p:cNvPr id="22" name="TextBox 21">
+      <p:pic>
+        <p:nvPicPr>
+          <p:cNvPr id="4" name="Picture 3">
             <a:extLst>
               <a:ext uri="{FF2B5EF4-FFF2-40B4-BE49-F238E27FC236}">
-                <a16:creationId xmlns:a16="http://schemas.microsoft.com/office/drawing/2014/main" id="{77F78828-FA64-474B-91DF-D25D18C2296E}"/>
-              </a:ext>
-            </a:extLst>
-          </p:cNvPr>
-          <p:cNvSpPr txBox="1"/>
-          <p:nvPr/>
-        </p:nvSpPr>
-        <p:spPr>
-          <a:xfrm>
-            <a:off x="453196" y="1599903"/>
-            <a:ext cx="3277556" cy="3970318"/>
-          </a:xfrm>
-          <a:prstGeom prst="rect">
-            <a:avLst/>
-          </a:prstGeom>
-          <a:noFill/>
-        </p:spPr>
-        <p:txBody>
-          <a:bodyPr wrap="square" rtlCol="0">
-            <a:spAutoFit/>
-          </a:bodyPr>
-          <a:lstStyle/>
-          <a:p>
-            <a:pPr algn="ctr"/>
-            <a:r>
-              <a:rPr lang="en-US" dirty="0"/>
-              <a:t>Some lists can be multimodal.</a:t>
-            </a:r>
-          </a:p>
-          <a:p>
-            <a:pPr algn="ctr"/>
-            <a:r>
-              <a:rPr lang="en-US" dirty="0"/>
-              <a:t>  If two or more elements appear an equal number of times within a list, the list is said to be multimodal.</a:t>
-            </a:r>
-          </a:p>
-          <a:p>
-            <a:pPr algn="ctr"/>
-            <a:endParaRPr lang="en-US" dirty="0"/>
-          </a:p>
-          <a:p>
-            <a:pPr algn="ctr"/>
-            <a:r>
-              <a:rPr lang="en-US" dirty="0"/>
-              <a:t>In the </a:t>
-            </a:r>
-            <a:r>
-              <a:rPr lang="en-US" b="1" dirty="0"/>
-              <a:t>q09</a:t>
-            </a:r>
-            <a:r>
-              <a:rPr lang="en-US" dirty="0"/>
-              <a:t> folder, edit the C++ console application to return all of the modes of a list.   </a:t>
-            </a:r>
-          </a:p>
-          <a:p>
-            <a:pPr algn="ctr"/>
-            <a:endParaRPr lang="en-US" dirty="0"/>
-          </a:p>
-          <a:p>
-            <a:pPr algn="ctr"/>
-            <a:r>
-              <a:rPr lang="en-US" dirty="0"/>
-              <a:t>Specifically, you must implement the </a:t>
-            </a:r>
-            <a:r>
-              <a:rPr lang="en-US" b="1" dirty="0" err="1"/>
-              <a:t>FindModes</a:t>
-            </a:r>
-            <a:r>
-              <a:rPr lang="en-US" dirty="0"/>
-              <a:t>() function by populating the </a:t>
-            </a:r>
-            <a:r>
-              <a:rPr lang="en-US" b="1" dirty="0">
-                <a:solidFill>
-                  <a:srgbClr val="00B050"/>
-                </a:solidFill>
-              </a:rPr>
-              <a:t>modes</a:t>
-            </a:r>
-            <a:r>
-              <a:rPr lang="en-US" dirty="0"/>
-              <a:t> vector from the passed in </a:t>
-            </a:r>
-            <a:r>
-              <a:rPr lang="en-US" b="1" dirty="0">
-                <a:solidFill>
-                  <a:srgbClr val="0070C0"/>
-                </a:solidFill>
-              </a:rPr>
-              <a:t>data</a:t>
-            </a:r>
-            <a:r>
-              <a:rPr lang="en-US" dirty="0"/>
-              <a:t> vector</a:t>
-            </a:r>
-          </a:p>
-        </p:txBody>
-      </p:sp>
-      <p:sp>
-        <p:nvSpPr>
-          <p:cNvPr id="23" name="TextBox 22">
-            <a:extLst>
-              <a:ext uri="{FF2B5EF4-FFF2-40B4-BE49-F238E27FC236}">
-                <a16:creationId xmlns:a16="http://schemas.microsoft.com/office/drawing/2014/main" id="{23C9C9B0-CFE7-48FF-A537-AC329D9E5890}"/>
-              </a:ext>
-            </a:extLst>
-          </p:cNvPr>
-          <p:cNvSpPr txBox="1"/>
-          <p:nvPr/>
-        </p:nvSpPr>
-        <p:spPr>
-          <a:xfrm>
-            <a:off x="1737899" y="629107"/>
-            <a:ext cx="5668203" cy="461665"/>
-          </a:xfrm>
-          <a:prstGeom prst="rect">
-            <a:avLst/>
-          </a:prstGeom>
-          <a:noFill/>
-        </p:spPr>
-        <p:txBody>
-          <a:bodyPr wrap="square" rtlCol="0">
-            <a:spAutoFit/>
-          </a:bodyPr>
-          <a:lstStyle/>
-          <a:p>
-            <a:pPr algn="ctr"/>
-            <a:r>
-              <a:rPr lang="en-US" sz="2400" b="1" dirty="0"/>
-              <a:t>9. Multimodal Sets</a:t>
-            </a:r>
-          </a:p>
-        </p:txBody>
-      </p:sp>
-      <p:sp>
-        <p:nvSpPr>
-          <p:cNvPr id="20" name="TextBox 19">
-            <a:extLst>
-              <a:ext uri="{FF2B5EF4-FFF2-40B4-BE49-F238E27FC236}">
-                <a16:creationId xmlns:a16="http://schemas.microsoft.com/office/drawing/2014/main" id="{4BB8DBA1-2B97-492E-93D4-42EC38645383}"/>
-              </a:ext>
-            </a:extLst>
-          </p:cNvPr>
-          <p:cNvSpPr txBox="1"/>
-          <p:nvPr/>
-        </p:nvSpPr>
-        <p:spPr>
-          <a:xfrm>
-            <a:off x="577901" y="570586"/>
-            <a:ext cx="841248" cy="369332"/>
-          </a:xfrm>
-          <a:prstGeom prst="rect">
-            <a:avLst/>
-          </a:prstGeom>
-          <a:noFill/>
-          <a:ln w="12700">
-            <a:solidFill>
-              <a:srgbClr val="7030A0"/>
-            </a:solidFill>
-          </a:ln>
-        </p:spPr>
-        <p:txBody>
-          <a:bodyPr wrap="square" rtlCol="0">
-            <a:spAutoFit/>
-          </a:bodyPr>
-          <a:lstStyle/>
-          <a:p>
-            <a:pPr algn="ctr"/>
-            <a:r>
-              <a:rPr lang="en-US" b="1" dirty="0">
-                <a:solidFill>
-                  <a:srgbClr val="7030A0"/>
-                </a:solidFill>
-              </a:rPr>
-              <a:t>10 pts</a:t>
-            </a:r>
-          </a:p>
-        </p:txBody>
-      </p:sp>
-      <p:sp>
-        <p:nvSpPr>
-          <p:cNvPr id="3" name="Slide Number Placeholder 2">
-            <a:extLst>
-              <a:ext uri="{FF2B5EF4-FFF2-40B4-BE49-F238E27FC236}">
-                <a16:creationId xmlns:a16="http://schemas.microsoft.com/office/drawing/2014/main" id="{8CCBC10B-4040-422A-80B2-27F8C23CC912}"/>
-              </a:ext>
-            </a:extLst>
-          </p:cNvPr>
-          <p:cNvSpPr>
-            <a:spLocks noGrp="1"/>
-          </p:cNvSpPr>
-          <p:nvPr>
-            <p:ph type="sldNum" sz="quarter" idx="12"/>
-          </p:nvPr>
-        </p:nvSpPr>
-        <p:spPr/>
-        <p:txBody>
-          <a:bodyPr/>
-          <a:lstStyle/>
-          <a:p>
-            <a:fld id="{1AF7FFAD-783D-4810-A9CB-C51F00BE5B3E}" type="slidenum">
-              <a:rPr lang="en-US" smtClean="0"/>
-              <a:t>10</a:t>
-            </a:fld>
-            <a:endParaRPr lang="en-US"/>
-          </a:p>
-        </p:txBody>
-      </p:sp>
-      <p:pic>
-        <p:nvPicPr>
-          <p:cNvPr id="2" name="Picture 1">
-            <a:extLst>
-              <a:ext uri="{FF2B5EF4-FFF2-40B4-BE49-F238E27FC236}">
-                <a16:creationId xmlns:a16="http://schemas.microsoft.com/office/drawing/2014/main" id="{9A56B094-749B-4A28-9E43-1B2DB9A37EDF}"/>
+                <a16:creationId xmlns:a16="http://schemas.microsoft.com/office/drawing/2014/main" id="{D620A802-9A57-42D9-B1CD-81A101435755}"/>
               </a:ext>
             </a:extLst>
           </p:cNvPr>
@@ -3981,8 +3766,8 @@
         </p:blipFill>
         <p:spPr>
           <a:xfrm>
-            <a:off x="4269740" y="2015390"/>
-            <a:ext cx="4421064" cy="3697781"/>
+            <a:off x="4059851" y="1840423"/>
+            <a:ext cx="4796198" cy="3603319"/>
           </a:xfrm>
           <a:prstGeom prst="rect">
             <a:avLst/>
@@ -3996,6 +3781,213 @@
       </p:pic>
       <p:sp>
         <p:nvSpPr>
+          <p:cNvPr id="22" name="TextBox 21">
+            <a:extLst>
+              <a:ext uri="{FF2B5EF4-FFF2-40B4-BE49-F238E27FC236}">
+                <a16:creationId xmlns:a16="http://schemas.microsoft.com/office/drawing/2014/main" id="{77F78828-FA64-474B-91DF-D25D18C2296E}"/>
+              </a:ext>
+            </a:extLst>
+          </p:cNvPr>
+          <p:cNvSpPr txBox="1"/>
+          <p:nvPr/>
+        </p:nvSpPr>
+        <p:spPr>
+          <a:xfrm>
+            <a:off x="577901" y="1795422"/>
+            <a:ext cx="3277556" cy="3693319"/>
+          </a:xfrm>
+          <a:prstGeom prst="rect">
+            <a:avLst/>
+          </a:prstGeom>
+          <a:noFill/>
+        </p:spPr>
+        <p:txBody>
+          <a:bodyPr wrap="square" rtlCol="0">
+            <a:spAutoFit/>
+          </a:bodyPr>
+          <a:lstStyle/>
+          <a:p>
+            <a:r>
+              <a:rPr lang="en-US" dirty="0"/>
+              <a:t>If two or more elements appear an equal number of times within a list, the list is said to be </a:t>
+            </a:r>
+            <a:r>
+              <a:rPr lang="en-US" i="1" dirty="0"/>
+              <a:t>multimodal</a:t>
+            </a:r>
+          </a:p>
+          <a:p>
+            <a:endParaRPr lang="en-US" dirty="0"/>
+          </a:p>
+          <a:p>
+            <a:r>
+              <a:rPr lang="en-US" dirty="0"/>
+              <a:t>In the </a:t>
+            </a:r>
+            <a:r>
+              <a:rPr lang="en-US" b="1" dirty="0"/>
+              <a:t>q09</a:t>
+            </a:r>
+            <a:r>
+              <a:rPr lang="en-US" dirty="0"/>
+              <a:t> folder, edit the C++ console application to return all of the modes of a list   </a:t>
+            </a:r>
+          </a:p>
+          <a:p>
+            <a:endParaRPr lang="en-US" dirty="0"/>
+          </a:p>
+          <a:p>
+            <a:r>
+              <a:rPr lang="en-US" dirty="0"/>
+              <a:t>Specifically, you must implement the </a:t>
+            </a:r>
+            <a:r>
+              <a:rPr lang="en-US" b="1" dirty="0" err="1"/>
+              <a:t>FindModes</a:t>
+            </a:r>
+            <a:r>
+              <a:rPr lang="en-US" dirty="0"/>
+              <a:t>() function by populating the </a:t>
+            </a:r>
+            <a:r>
+              <a:rPr lang="en-US" b="1" dirty="0">
+                <a:solidFill>
+                  <a:srgbClr val="00B050"/>
+                </a:solidFill>
+              </a:rPr>
+              <a:t>modes</a:t>
+            </a:r>
+            <a:r>
+              <a:rPr lang="en-US" dirty="0"/>
+              <a:t> vector from the passed in </a:t>
+            </a:r>
+            <a:r>
+              <a:rPr lang="en-US" b="1" dirty="0">
+                <a:solidFill>
+                  <a:srgbClr val="0070C0"/>
+                </a:solidFill>
+              </a:rPr>
+              <a:t>data</a:t>
+            </a:r>
+            <a:r>
+              <a:rPr lang="en-US" dirty="0"/>
+              <a:t> vector</a:t>
+            </a:r>
+          </a:p>
+        </p:txBody>
+      </p:sp>
+      <p:sp>
+        <p:nvSpPr>
+          <p:cNvPr id="23" name="TextBox 22">
+            <a:extLst>
+              <a:ext uri="{FF2B5EF4-FFF2-40B4-BE49-F238E27FC236}">
+                <a16:creationId xmlns:a16="http://schemas.microsoft.com/office/drawing/2014/main" id="{23C9C9B0-CFE7-48FF-A537-AC329D9E5890}"/>
+              </a:ext>
+            </a:extLst>
+          </p:cNvPr>
+          <p:cNvSpPr txBox="1"/>
+          <p:nvPr/>
+        </p:nvSpPr>
+        <p:spPr>
+          <a:xfrm>
+            <a:off x="1737899" y="629107"/>
+            <a:ext cx="5668203" cy="461665"/>
+          </a:xfrm>
+          <a:prstGeom prst="rect">
+            <a:avLst/>
+          </a:prstGeom>
+          <a:noFill/>
+        </p:spPr>
+        <p:txBody>
+          <a:bodyPr wrap="square" rtlCol="0">
+            <a:spAutoFit/>
+          </a:bodyPr>
+          <a:lstStyle/>
+          <a:p>
+            <a:pPr algn="ctr"/>
+            <a:r>
+              <a:rPr lang="en-US" sz="2400" b="1" dirty="0"/>
+              <a:t>9. Multimodal Sets</a:t>
+            </a:r>
+          </a:p>
+        </p:txBody>
+      </p:sp>
+      <p:sp>
+        <p:nvSpPr>
+          <p:cNvPr id="20" name="TextBox 19">
+            <a:extLst>
+              <a:ext uri="{FF2B5EF4-FFF2-40B4-BE49-F238E27FC236}">
+                <a16:creationId xmlns:a16="http://schemas.microsoft.com/office/drawing/2014/main" id="{4BB8DBA1-2B97-492E-93D4-42EC38645383}"/>
+              </a:ext>
+            </a:extLst>
+          </p:cNvPr>
+          <p:cNvSpPr txBox="1"/>
+          <p:nvPr/>
+        </p:nvSpPr>
+        <p:spPr>
+          <a:xfrm>
+            <a:off x="577901" y="570586"/>
+            <a:ext cx="841248" cy="369332"/>
+          </a:xfrm>
+          <a:prstGeom prst="rect">
+            <a:avLst/>
+          </a:prstGeom>
+          <a:noFill/>
+          <a:ln w="12700">
+            <a:solidFill>
+              <a:srgbClr val="7030A0"/>
+            </a:solidFill>
+          </a:ln>
+        </p:spPr>
+        <p:txBody>
+          <a:bodyPr wrap="square" rtlCol="0">
+            <a:spAutoFit/>
+          </a:bodyPr>
+          <a:lstStyle/>
+          <a:p>
+            <a:pPr algn="ctr"/>
+            <a:r>
+              <a:rPr lang="en-US" b="1" dirty="0">
+                <a:solidFill>
+                  <a:srgbClr val="7030A0"/>
+                </a:solidFill>
+              </a:rPr>
+              <a:t>10 pts</a:t>
+            </a:r>
+          </a:p>
+        </p:txBody>
+      </p:sp>
+      <p:sp>
+        <p:nvSpPr>
+          <p:cNvPr id="3" name="Slide Number Placeholder 2">
+            <a:extLst>
+              <a:ext uri="{FF2B5EF4-FFF2-40B4-BE49-F238E27FC236}">
+                <a16:creationId xmlns:a16="http://schemas.microsoft.com/office/drawing/2014/main" id="{8CCBC10B-4040-422A-80B2-27F8C23CC912}"/>
+              </a:ext>
+            </a:extLst>
+          </p:cNvPr>
+          <p:cNvSpPr>
+            <a:spLocks noGrp="1"/>
+          </p:cNvSpPr>
+          <p:nvPr>
+            <p:ph type="sldNum" sz="quarter" idx="12"/>
+          </p:nvPr>
+        </p:nvSpPr>
+        <p:spPr/>
+        <p:txBody>
+          <a:bodyPr/>
+          <a:lstStyle/>
+          <a:p>
+            <a:fld id="{1AF7FFAD-783D-4810-A9CB-C51F00BE5B3E}" type="slidenum">
+              <a:rPr lang="en-US" smtClean="0"/>
+              <a:t>10</a:t>
+            </a:fld>
+            <a:endParaRPr lang="en-US"/>
+          </a:p>
+        </p:txBody>
+      </p:sp>
+      <p:sp>
+        <p:nvSpPr>
           <p:cNvPr id="7" name="Arrow: Down 6">
             <a:extLst>
               <a:ext uri="{FF2B5EF4-FFF2-40B4-BE49-F238E27FC236}">
@@ -4008,7 +4000,7 @@
         </p:nvSpPr>
         <p:spPr>
           <a:xfrm rot="3720309">
-            <a:off x="6888290" y="2901706"/>
+            <a:off x="7249625" y="2606737"/>
             <a:ext cx="155314" cy="914400"/>
           </a:xfrm>
           <a:prstGeom prst="downArrow">
@@ -4078,8 +4070,8 @@
           <a:chExt cx="0" cy="0"/>
         </a:xfrm>
       </p:grpSpPr>
-      <mc:AlternateContent xmlns:mc="http://schemas.openxmlformats.org/markup-compatibility/2006" xmlns:a14="http://schemas.microsoft.com/office/drawing/2010/main">
-        <mc:Choice Requires="a14">
+      <mc:AlternateContent xmlns:mc="http://schemas.openxmlformats.org/markup-compatibility/2006">
+        <mc:Choice xmlns:a14="http://schemas.microsoft.com/office/drawing/2010/main" Requires="a14">
           <p:sp>
             <p:nvSpPr>
               <p:cNvPr id="22" name="TextBox 21">
@@ -4095,7 +4087,7 @@
             <p:spPr>
               <a:xfrm>
                 <a:off x="634666" y="1453462"/>
-                <a:ext cx="4042842" cy="4833952"/>
+                <a:ext cx="4042842" cy="5110951"/>
               </a:xfrm>
               <a:prstGeom prst="rect">
                 <a:avLst/>
@@ -4118,7 +4110,7 @@
                 </a:r>
                 <a:r>
                   <a:rPr lang="en-US" dirty="0"/>
-                  <a:t> folder, edit the C++ console application to calculate the integer lattice points in a circle.</a:t>
+                  <a:t> folder, edit the C++ console application to calculate the integer lattice points in a circle</a:t>
                 </a:r>
               </a:p>
               <a:p>
@@ -4135,7 +4127,7 @@
                 </a:r>
                 <a:r>
                   <a:rPr lang="en-US" dirty="0"/>
-                  <a:t>() function, which receives an integer radius, and must count all the lattice points within that radius.</a:t>
+                  <a:t>() function, which receives an integer radius, and must count all the lattice points within that radius</a:t>
                 </a:r>
               </a:p>
               <a:p>
@@ -4146,6 +4138,9 @@
                   <a:rPr lang="en-US" dirty="0"/>
                   <a:t>This is known as the Gauss Circle Problem, and Gauss was the first one to prove the number of lattice points is bounded by this expression:</a:t>
                 </a:r>
+              </a:p>
+              <a:p>
+                <a:endParaRPr lang="en-US" dirty="0"/>
               </a:p>
               <a:p>
                 <a:pPr/>
@@ -4370,7 +4365,7 @@
             </p:txBody>
           </p:sp>
         </mc:Choice>
-        <mc:Fallback xmlns="">
+        <mc:Fallback>
           <p:sp>
             <p:nvSpPr>
               <p:cNvPr id="22" name="TextBox 21">
@@ -4388,7 +4383,7 @@
             <p:spPr>
               <a:xfrm>
                 <a:off x="634666" y="1453462"/>
-                <a:ext cx="4042842" cy="4833952"/>
+                <a:ext cx="4042842" cy="5110951"/>
               </a:xfrm>
               <a:prstGeom prst="rect">
                 <a:avLst/>
@@ -4396,7 +4391,7 @@
               <a:blipFill>
                 <a:blip r:embed="rId2"/>
                 <a:stretch>
-                  <a:fillRect l="-1207" t="-631" r="-2413"/>
+                  <a:fillRect l="-1207" t="-596" r="-2413"/>
                 </a:stretch>
               </a:blipFill>
             </p:spPr>
@@ -4615,8 +4610,8 @@
           <a:chExt cx="0" cy="0"/>
         </a:xfrm>
       </p:grpSpPr>
-      <mc:AlternateContent xmlns:mc="http://schemas.openxmlformats.org/markup-compatibility/2006" xmlns:a14="http://schemas.microsoft.com/office/drawing/2010/main">
-        <mc:Choice Requires="a14">
+      <mc:AlternateContent xmlns:mc="http://schemas.openxmlformats.org/markup-compatibility/2006">
+        <mc:Choice xmlns:a14="http://schemas.microsoft.com/office/drawing/2010/main" Requires="a14">
           <p:sp>
             <p:nvSpPr>
               <p:cNvPr id="22" name="TextBox 21">
@@ -4645,7 +4640,6 @@
               </a:bodyPr>
               <a:lstStyle/>
               <a:p>
-                <a:pPr algn="ctr"/>
                 <a:r>
                   <a:rPr lang="en-US" dirty="0"/>
                   <a:t>In the </a:t>
@@ -4668,15 +4662,13 @@
                 </a:r>
                 <a:r>
                   <a:rPr lang="en-US" dirty="0"/>
-                  <a:t>, to 8 digits of precision to the right of the decimal point.</a:t>
+                  <a:t>, to 8 digits of precision to the right of the decimal point</a:t>
                 </a:r>
               </a:p>
               <a:p>
-                <a:pPr algn="ctr"/>
                 <a:endParaRPr lang="en-US" b="1" dirty="0"/>
               </a:p>
               <a:p>
-                <a:pPr algn="ctr"/>
                 <a:r>
                   <a:rPr lang="en-US" dirty="0"/>
                   <a:t>Specifically you must implement the missing code in the function </a:t>
@@ -4691,22 +4683,17 @@
                 </a:r>
                 <a:r>
                   <a:rPr lang="en-US" b="1" dirty="0"/>
-                  <a:t>s</a:t>
+                  <a:t>S</a:t>
                 </a:r>
-                <a:r>
-                  <a:rPr lang="en-US" dirty="0"/>
-                  <a:t>.</a:t>
-                </a:r>
-              </a:p>
-              <a:p>
-                <a:pPr algn="ctr"/>
                 <a:endParaRPr lang="en-US" dirty="0"/>
               </a:p>
               <a:p>
-                <a:pPr algn="ctr"/>
+                <a:endParaRPr lang="en-US" dirty="0"/>
+              </a:p>
+              <a:p>
                 <a:r>
                   <a:rPr lang="en-US" dirty="0"/>
-                  <a:t> You may stop iterating when your current  </a:t>
+                  <a:t>You may stop iterating when your current  </a:t>
                 </a:r>
                 <a14:m>
                   <m:oMath xmlns:m="http://schemas.openxmlformats.org/officeDocument/2006/math">
@@ -4789,13 +4776,13 @@
                 </a:r>
                 <a:r>
                   <a:rPr lang="en-US" b="1" dirty="0"/>
-                  <a:t>s</a:t>
+                  <a:t>S</a:t>
                 </a:r>
               </a:p>
             </p:txBody>
           </p:sp>
         </mc:Choice>
-        <mc:Fallback xmlns="">
+        <mc:Fallback>
           <p:sp>
             <p:nvSpPr>
               <p:cNvPr id="22" name="TextBox 21">
@@ -4821,7 +4808,7 @@
               <a:blipFill>
                 <a:blip r:embed="rId2"/>
                 <a:stretch>
-                  <a:fillRect t="-767" r="-3107" b="-1380"/>
+                  <a:fillRect l="-1331" t="-767" r="-1479" b="-1380"/>
                 </a:stretch>
               </a:blipFill>
             </p:spPr>
@@ -4950,8 +4937,8 @@
           </a:p>
         </p:txBody>
       </p:sp>
-      <mc:AlternateContent xmlns:mc="http://schemas.openxmlformats.org/markup-compatibility/2006">
-        <mc:Choice xmlns:a14="http://schemas.microsoft.com/office/drawing/2010/main" Requires="a14">
+      <mc:AlternateContent xmlns:mc="http://schemas.openxmlformats.org/markup-compatibility/2006" xmlns:a14="http://schemas.microsoft.com/office/drawing/2010/main">
+        <mc:Choice Requires="a14">
           <p:sp>
             <p:nvSpPr>
               <p:cNvPr id="3" name="TextBox 2">
@@ -5062,7 +5049,7 @@
             </p:txBody>
           </p:sp>
         </mc:Choice>
-        <mc:Fallback>
+        <mc:Fallback xmlns="">
           <p:sp>
             <p:nvSpPr>
               <p:cNvPr id="3" name="TextBox 2">
@@ -5107,8 +5094,8 @@
           </p:sp>
         </mc:Fallback>
       </mc:AlternateContent>
-      <mc:AlternateContent xmlns:mc="http://schemas.openxmlformats.org/markup-compatibility/2006">
-        <mc:Choice xmlns:a14="http://schemas.microsoft.com/office/drawing/2010/main" Requires="a14">
+      <mc:AlternateContent xmlns:mc="http://schemas.openxmlformats.org/markup-compatibility/2006" xmlns:a14="http://schemas.microsoft.com/office/drawing/2010/main">
+        <mc:Choice Requires="a14">
           <p:sp>
             <p:nvSpPr>
               <p:cNvPr id="13" name="TextBox 12">
@@ -5360,7 +5347,7 @@
             </p:txBody>
           </p:sp>
         </mc:Choice>
-        <mc:Fallback>
+        <mc:Fallback xmlns="">
           <p:sp>
             <p:nvSpPr>
               <p:cNvPr id="13" name="TextBox 12">
@@ -5405,8 +5392,8 @@
           </p:sp>
         </mc:Fallback>
       </mc:AlternateContent>
-      <mc:AlternateContent xmlns:mc="http://schemas.openxmlformats.org/markup-compatibility/2006">
-        <mc:Choice xmlns:a14="http://schemas.microsoft.com/office/drawing/2010/main" Requires="a14">
+      <mc:AlternateContent xmlns:mc="http://schemas.openxmlformats.org/markup-compatibility/2006" xmlns:a14="http://schemas.microsoft.com/office/drawing/2010/main">
+        <mc:Choice Requires="a14">
           <p:sp>
             <p:nvSpPr>
               <p:cNvPr id="15" name="TextBox 14">
@@ -5576,7 +5563,7 @@
             </p:txBody>
           </p:sp>
         </mc:Choice>
-        <mc:Fallback>
+        <mc:Fallback xmlns="">
           <p:sp>
             <p:nvSpPr>
               <p:cNvPr id="15" name="TextBox 14">
@@ -5621,8 +5608,8 @@
           </p:sp>
         </mc:Fallback>
       </mc:AlternateContent>
-      <mc:AlternateContent xmlns:mc="http://schemas.openxmlformats.org/markup-compatibility/2006">
-        <mc:Choice xmlns:a14="http://schemas.microsoft.com/office/drawing/2010/main" Requires="a14">
+      <mc:AlternateContent xmlns:mc="http://schemas.openxmlformats.org/markup-compatibility/2006" xmlns:a14="http://schemas.microsoft.com/office/drawing/2010/main">
+        <mc:Choice Requires="a14">
           <p:sp>
             <p:nvSpPr>
               <p:cNvPr id="16" name="TextBox 15">
@@ -5651,6 +5638,7 @@
               </a:bodyPr>
               <a:lstStyle/>
               <a:p>
+                <a:pPr/>
                 <a14:m>
                   <m:oMathPara xmlns:m="http://schemas.openxmlformats.org/officeDocument/2006/math">
                     <m:oMathParaPr>
@@ -5812,13 +5800,12 @@
                 <a:endParaRPr lang="en-US" dirty="0"/>
               </a:p>
               <a:p>
-                <a:pPr/>
                 <a:endParaRPr lang="en-US" dirty="0"/>
               </a:p>
             </p:txBody>
           </p:sp>
         </mc:Choice>
-        <mc:Fallback>
+        <mc:Fallback xmlns="">
           <p:sp>
             <p:nvSpPr>
               <p:cNvPr id="16" name="TextBox 15">
@@ -5863,8 +5850,8 @@
           </p:sp>
         </mc:Fallback>
       </mc:AlternateContent>
-      <mc:AlternateContent xmlns:mc="http://schemas.openxmlformats.org/markup-compatibility/2006">
-        <mc:Choice xmlns:a14="http://schemas.microsoft.com/office/drawing/2010/main" Requires="a14">
+      <mc:AlternateContent xmlns:mc="http://schemas.openxmlformats.org/markup-compatibility/2006" xmlns:a14="http://schemas.microsoft.com/office/drawing/2010/main">
+        <mc:Choice Requires="a14">
           <p:sp>
             <p:nvSpPr>
               <p:cNvPr id="18" name="Rectangle 17">
@@ -5976,7 +5963,7 @@
             </p:txBody>
           </p:sp>
         </mc:Choice>
-        <mc:Fallback>
+        <mc:Fallback xmlns="">
           <p:sp>
             <p:nvSpPr>
               <p:cNvPr id="18" name="Rectangle 17">
@@ -6021,8 +6008,8 @@
           </p:sp>
         </mc:Fallback>
       </mc:AlternateContent>
-      <mc:AlternateContent xmlns:mc="http://schemas.openxmlformats.org/markup-compatibility/2006">
-        <mc:Choice xmlns:a14="http://schemas.microsoft.com/office/drawing/2010/main" Requires="a14">
+      <mc:AlternateContent xmlns:mc="http://schemas.openxmlformats.org/markup-compatibility/2006" xmlns:a14="http://schemas.microsoft.com/office/drawing/2010/main">
+        <mc:Choice Requires="a14">
           <p:sp>
             <p:nvSpPr>
               <p:cNvPr id="19" name="Rectangle 18">
@@ -6157,7 +6144,7 @@
             </p:txBody>
           </p:sp>
         </mc:Choice>
-        <mc:Fallback>
+        <mc:Fallback xmlns="">
           <p:sp>
             <p:nvSpPr>
               <p:cNvPr id="19" name="Rectangle 18">
@@ -6202,8 +6189,8 @@
           </p:sp>
         </mc:Fallback>
       </mc:AlternateContent>
-      <mc:AlternateContent xmlns:mc="http://schemas.openxmlformats.org/markup-compatibility/2006">
-        <mc:Choice xmlns:a14="http://schemas.microsoft.com/office/drawing/2010/main" Requires="a14">
+      <mc:AlternateContent xmlns:mc="http://schemas.openxmlformats.org/markup-compatibility/2006" xmlns:a14="http://schemas.microsoft.com/office/drawing/2010/main">
+        <mc:Choice Requires="a14">
           <p:sp>
             <p:nvSpPr>
               <p:cNvPr id="20" name="Rectangle 19">
@@ -6352,7 +6339,7 @@
             </p:txBody>
           </p:sp>
         </mc:Choice>
-        <mc:Fallback>
+        <mc:Fallback xmlns="">
           <p:sp>
             <p:nvSpPr>
               <p:cNvPr id="20" name="Rectangle 19">
@@ -6397,8 +6384,8 @@
           </p:sp>
         </mc:Fallback>
       </mc:AlternateContent>
-      <mc:AlternateContent xmlns:mc="http://schemas.openxmlformats.org/markup-compatibility/2006">
-        <mc:Choice xmlns:a14="http://schemas.microsoft.com/office/drawing/2010/main" Requires="a14">
+      <mc:AlternateContent xmlns:mc="http://schemas.openxmlformats.org/markup-compatibility/2006" xmlns:a14="http://schemas.microsoft.com/office/drawing/2010/main">
+        <mc:Choice Requires="a14">
           <p:sp>
             <p:nvSpPr>
               <p:cNvPr id="24" name="Rectangle 23">
@@ -6704,7 +6691,7 @@
             </p:txBody>
           </p:sp>
         </mc:Choice>
-        <mc:Fallback>
+        <mc:Fallback xmlns="">
           <p:sp>
             <p:nvSpPr>
               <p:cNvPr id="24" name="Rectangle 23">
@@ -6793,7 +6780,7 @@
         </p:nvSpPr>
         <p:spPr>
           <a:xfrm>
-            <a:off x="652804" y="1589098"/>
+            <a:off x="544870" y="1589098"/>
             <a:ext cx="3524578" cy="830997"/>
           </a:xfrm>
           <a:prstGeom prst="rect">
@@ -7835,174 +7822,12 @@
           <a:chExt cx="0" cy="0"/>
         </a:xfrm>
       </p:grpSpPr>
-      <p:sp>
-        <p:nvSpPr>
-          <p:cNvPr id="22" name="TextBox 21">
+      <p:pic>
+        <p:nvPicPr>
+          <p:cNvPr id="2" name="Picture 1">
             <a:extLst>
               <a:ext uri="{FF2B5EF4-FFF2-40B4-BE49-F238E27FC236}">
-                <a16:creationId xmlns:a16="http://schemas.microsoft.com/office/drawing/2014/main" id="{77F78828-FA64-474B-91DF-D25D18C2296E}"/>
-              </a:ext>
-            </a:extLst>
-          </p:cNvPr>
-          <p:cNvSpPr txBox="1"/>
-          <p:nvPr/>
-        </p:nvSpPr>
-        <p:spPr>
-          <a:xfrm>
-            <a:off x="1504149" y="1589098"/>
-            <a:ext cx="6135702" cy="923330"/>
-          </a:xfrm>
-          <a:prstGeom prst="rect">
-            <a:avLst/>
-          </a:prstGeom>
-          <a:noFill/>
-        </p:spPr>
-        <p:txBody>
-          <a:bodyPr wrap="square" rtlCol="0">
-            <a:spAutoFit/>
-          </a:bodyPr>
-          <a:lstStyle/>
-          <a:p>
-            <a:pPr algn="ctr"/>
-            <a:r>
-              <a:rPr lang="en-US" dirty="0"/>
-              <a:t>In the </a:t>
-            </a:r>
-            <a:r>
-              <a:rPr lang="en-US" b="1" dirty="0"/>
-              <a:t>q03</a:t>
-            </a:r>
-            <a:r>
-              <a:rPr lang="en-US" dirty="0"/>
-              <a:t> folder, edit the C++ console application to calculate and display the sum of all natural numbers less than 1,900 that are fully (cleanly, evenly) divisible by </a:t>
-            </a:r>
-            <a:r>
-              <a:rPr lang="en-US" u="sng" dirty="0"/>
-              <a:t>both</a:t>
-            </a:r>
-            <a:r>
-              <a:rPr lang="en-US" dirty="0"/>
-              <a:t> 7 and 11</a:t>
-            </a:r>
-          </a:p>
-        </p:txBody>
-      </p:sp>
-      <p:sp>
-        <p:nvSpPr>
-          <p:cNvPr id="23" name="TextBox 22">
-            <a:extLst>
-              <a:ext uri="{FF2B5EF4-FFF2-40B4-BE49-F238E27FC236}">
-                <a16:creationId xmlns:a16="http://schemas.microsoft.com/office/drawing/2014/main" id="{23C9C9B0-CFE7-48FF-A537-AC329D9E5890}"/>
-              </a:ext>
-            </a:extLst>
-          </p:cNvPr>
-          <p:cNvSpPr txBox="1"/>
-          <p:nvPr/>
-        </p:nvSpPr>
-        <p:spPr>
-          <a:xfrm>
-            <a:off x="1737899" y="629107"/>
-            <a:ext cx="5668203" cy="461665"/>
-          </a:xfrm>
-          <a:prstGeom prst="rect">
-            <a:avLst/>
-          </a:prstGeom>
-          <a:noFill/>
-        </p:spPr>
-        <p:txBody>
-          <a:bodyPr wrap="square" rtlCol="0">
-            <a:spAutoFit/>
-          </a:bodyPr>
-          <a:lstStyle/>
-          <a:p>
-            <a:pPr algn="ctr"/>
-            <a:r>
-              <a:rPr lang="en-US" sz="2400" b="1" dirty="0"/>
-              <a:t>3. Sum of Multiples</a:t>
-            </a:r>
-          </a:p>
-        </p:txBody>
-      </p:sp>
-      <p:sp>
-        <p:nvSpPr>
-          <p:cNvPr id="20" name="TextBox 19">
-            <a:extLst>
-              <a:ext uri="{FF2B5EF4-FFF2-40B4-BE49-F238E27FC236}">
-                <a16:creationId xmlns:a16="http://schemas.microsoft.com/office/drawing/2014/main" id="{4BB8DBA1-2B97-492E-93D4-42EC38645383}"/>
-              </a:ext>
-            </a:extLst>
-          </p:cNvPr>
-          <p:cNvSpPr txBox="1"/>
-          <p:nvPr/>
-        </p:nvSpPr>
-        <p:spPr>
-          <a:xfrm>
-            <a:off x="577901" y="570586"/>
-            <a:ext cx="841248" cy="369332"/>
-          </a:xfrm>
-          <a:prstGeom prst="rect">
-            <a:avLst/>
-          </a:prstGeom>
-          <a:noFill/>
-          <a:ln w="12700">
-            <a:solidFill>
-              <a:srgbClr val="7030A0"/>
-            </a:solidFill>
-          </a:ln>
-        </p:spPr>
-        <p:txBody>
-          <a:bodyPr wrap="square" rtlCol="0">
-            <a:spAutoFit/>
-          </a:bodyPr>
-          <a:lstStyle/>
-          <a:p>
-            <a:pPr algn="ctr"/>
-            <a:r>
-              <a:rPr lang="en-US" b="1" dirty="0">
-                <a:solidFill>
-                  <a:srgbClr val="7030A0"/>
-                </a:solidFill>
-              </a:rPr>
-              <a:t>10 pts</a:t>
-            </a:r>
-          </a:p>
-        </p:txBody>
-      </p:sp>
-      <p:sp>
-        <p:nvSpPr>
-          <p:cNvPr id="3" name="Slide Number Placeholder 2">
-            <a:extLst>
-              <a:ext uri="{FF2B5EF4-FFF2-40B4-BE49-F238E27FC236}">
-                <a16:creationId xmlns:a16="http://schemas.microsoft.com/office/drawing/2014/main" id="{8CCBC10B-4040-422A-80B2-27F8C23CC912}"/>
-              </a:ext>
-            </a:extLst>
-          </p:cNvPr>
-          <p:cNvSpPr>
-            <a:spLocks noGrp="1"/>
-          </p:cNvSpPr>
-          <p:nvPr>
-            <p:ph type="sldNum" sz="quarter" idx="12"/>
-          </p:nvPr>
-        </p:nvSpPr>
-        <p:spPr/>
-        <p:txBody>
-          <a:bodyPr/>
-          <a:lstStyle/>
-          <a:p>
-            <a:fld id="{1AF7FFAD-783D-4810-A9CB-C51F00BE5B3E}" type="slidenum">
-              <a:rPr lang="en-US" smtClean="0"/>
-              <a:t>4</a:t>
-            </a:fld>
-            <a:endParaRPr lang="en-US"/>
-          </a:p>
-        </p:txBody>
-      </p:sp>
-      <p:pic>
-        <p:nvPicPr>
-          <p:cNvPr id="4" name="Picture 3">
-            <a:extLst>
-              <a:ext uri="{FF2B5EF4-FFF2-40B4-BE49-F238E27FC236}">
-                <a16:creationId xmlns:a16="http://schemas.microsoft.com/office/drawing/2014/main" id="{22799881-EDB6-402F-AED6-6E02994E7249}"/>
+                <a16:creationId xmlns:a16="http://schemas.microsoft.com/office/drawing/2014/main" id="{79235885-ACDE-46F0-9721-1D0165ADAA95}"/>
               </a:ext>
             </a:extLst>
           </p:cNvPr>
@@ -8019,8 +7844,8 @@
         </p:blipFill>
         <p:spPr>
           <a:xfrm>
-            <a:off x="1305333" y="2905818"/>
-            <a:ext cx="6533333" cy="3057143"/>
+            <a:off x="684734" y="2819369"/>
+            <a:ext cx="7523809" cy="3409524"/>
           </a:xfrm>
           <a:prstGeom prst="rect">
             <a:avLst/>
@@ -8034,6 +7859,167 @@
       </p:pic>
       <p:sp>
         <p:nvSpPr>
+          <p:cNvPr id="22" name="TextBox 21">
+            <a:extLst>
+              <a:ext uri="{FF2B5EF4-FFF2-40B4-BE49-F238E27FC236}">
+                <a16:creationId xmlns:a16="http://schemas.microsoft.com/office/drawing/2014/main" id="{77F78828-FA64-474B-91DF-D25D18C2296E}"/>
+              </a:ext>
+            </a:extLst>
+          </p:cNvPr>
+          <p:cNvSpPr txBox="1"/>
+          <p:nvPr/>
+        </p:nvSpPr>
+        <p:spPr>
+          <a:xfrm>
+            <a:off x="1504149" y="1589098"/>
+            <a:ext cx="6135702" cy="923330"/>
+          </a:xfrm>
+          <a:prstGeom prst="rect">
+            <a:avLst/>
+          </a:prstGeom>
+          <a:noFill/>
+        </p:spPr>
+        <p:txBody>
+          <a:bodyPr wrap="square" rtlCol="0">
+            <a:spAutoFit/>
+          </a:bodyPr>
+          <a:lstStyle/>
+          <a:p>
+            <a:r>
+              <a:rPr lang="en-US" dirty="0"/>
+              <a:t>In the </a:t>
+            </a:r>
+            <a:r>
+              <a:rPr lang="en-US" b="1" dirty="0"/>
+              <a:t>q03</a:t>
+            </a:r>
+            <a:r>
+              <a:rPr lang="en-US" dirty="0"/>
+              <a:t> folder, edit the C++ console application to calculate and display the sum of all natural numbers less than 1,900 that are fully (cleanly, evenly) divisible by </a:t>
+            </a:r>
+            <a:r>
+              <a:rPr lang="en-US" u="sng" dirty="0"/>
+              <a:t>both</a:t>
+            </a:r>
+            <a:r>
+              <a:rPr lang="en-US" dirty="0"/>
+              <a:t> 7 and 11</a:t>
+            </a:r>
+          </a:p>
+        </p:txBody>
+      </p:sp>
+      <p:sp>
+        <p:nvSpPr>
+          <p:cNvPr id="23" name="TextBox 22">
+            <a:extLst>
+              <a:ext uri="{FF2B5EF4-FFF2-40B4-BE49-F238E27FC236}">
+                <a16:creationId xmlns:a16="http://schemas.microsoft.com/office/drawing/2014/main" id="{23C9C9B0-CFE7-48FF-A537-AC329D9E5890}"/>
+              </a:ext>
+            </a:extLst>
+          </p:cNvPr>
+          <p:cNvSpPr txBox="1"/>
+          <p:nvPr/>
+        </p:nvSpPr>
+        <p:spPr>
+          <a:xfrm>
+            <a:off x="1737899" y="629107"/>
+            <a:ext cx="5668203" cy="461665"/>
+          </a:xfrm>
+          <a:prstGeom prst="rect">
+            <a:avLst/>
+          </a:prstGeom>
+          <a:noFill/>
+        </p:spPr>
+        <p:txBody>
+          <a:bodyPr wrap="square" rtlCol="0">
+            <a:spAutoFit/>
+          </a:bodyPr>
+          <a:lstStyle/>
+          <a:p>
+            <a:pPr algn="ctr"/>
+            <a:r>
+              <a:rPr lang="en-US" sz="2400" b="1" dirty="0"/>
+              <a:t>3. Sum of Multiples</a:t>
+            </a:r>
+          </a:p>
+        </p:txBody>
+      </p:sp>
+      <p:sp>
+        <p:nvSpPr>
+          <p:cNvPr id="20" name="TextBox 19">
+            <a:extLst>
+              <a:ext uri="{FF2B5EF4-FFF2-40B4-BE49-F238E27FC236}">
+                <a16:creationId xmlns:a16="http://schemas.microsoft.com/office/drawing/2014/main" id="{4BB8DBA1-2B97-492E-93D4-42EC38645383}"/>
+              </a:ext>
+            </a:extLst>
+          </p:cNvPr>
+          <p:cNvSpPr txBox="1"/>
+          <p:nvPr/>
+        </p:nvSpPr>
+        <p:spPr>
+          <a:xfrm>
+            <a:off x="577901" y="570586"/>
+            <a:ext cx="841248" cy="369332"/>
+          </a:xfrm>
+          <a:prstGeom prst="rect">
+            <a:avLst/>
+          </a:prstGeom>
+          <a:noFill/>
+          <a:ln w="12700">
+            <a:solidFill>
+              <a:srgbClr val="7030A0"/>
+            </a:solidFill>
+          </a:ln>
+        </p:spPr>
+        <p:txBody>
+          <a:bodyPr wrap="square" rtlCol="0">
+            <a:spAutoFit/>
+          </a:bodyPr>
+          <a:lstStyle/>
+          <a:p>
+            <a:pPr algn="ctr"/>
+            <a:r>
+              <a:rPr lang="en-US" b="1" dirty="0">
+                <a:solidFill>
+                  <a:srgbClr val="7030A0"/>
+                </a:solidFill>
+              </a:rPr>
+              <a:t>10 pts</a:t>
+            </a:r>
+          </a:p>
+        </p:txBody>
+      </p:sp>
+      <p:sp>
+        <p:nvSpPr>
+          <p:cNvPr id="3" name="Slide Number Placeholder 2">
+            <a:extLst>
+              <a:ext uri="{FF2B5EF4-FFF2-40B4-BE49-F238E27FC236}">
+                <a16:creationId xmlns:a16="http://schemas.microsoft.com/office/drawing/2014/main" id="{8CCBC10B-4040-422A-80B2-27F8C23CC912}"/>
+              </a:ext>
+            </a:extLst>
+          </p:cNvPr>
+          <p:cNvSpPr>
+            <a:spLocks noGrp="1"/>
+          </p:cNvSpPr>
+          <p:nvPr>
+            <p:ph type="sldNum" sz="quarter" idx="12"/>
+          </p:nvPr>
+        </p:nvSpPr>
+        <p:spPr/>
+        <p:txBody>
+          <a:bodyPr/>
+          <a:lstStyle/>
+          <a:p>
+            <a:fld id="{1AF7FFAD-783D-4810-A9CB-C51F00BE5B3E}" type="slidenum">
+              <a:rPr lang="en-US" smtClean="0"/>
+              <a:t>4</a:t>
+            </a:fld>
+            <a:endParaRPr lang="en-US"/>
+          </a:p>
+        </p:txBody>
+      </p:sp>
+      <p:sp>
+        <p:nvSpPr>
           <p:cNvPr id="5" name="Arrow: Down 4">
             <a:extLst>
               <a:ext uri="{FF2B5EF4-FFF2-40B4-BE49-F238E27FC236}">
@@ -8046,7 +8032,7 @@
         </p:nvSpPr>
         <p:spPr>
           <a:xfrm rot="2336746">
-            <a:off x="3877056" y="3789274"/>
+            <a:off x="4223644" y="3660767"/>
             <a:ext cx="160934" cy="914400"/>
           </a:xfrm>
           <a:prstGeom prst="downArrow">
@@ -8493,7 +8479,7 @@
         <p:spPr>
           <a:xfrm>
             <a:off x="577901" y="1460789"/>
-            <a:ext cx="3524578" cy="1077218"/>
+            <a:ext cx="3524578" cy="1323439"/>
           </a:xfrm>
           <a:prstGeom prst="rect">
             <a:avLst/>
@@ -8520,7 +8506,19 @@
             </a:r>
             <a:r>
               <a:rPr lang="en-US" sz="1600" dirty="0"/>
-              <a:t> for the pivot element </a:t>
+              <a:t> for the pivot element  - how does this effect the </a:t>
+            </a:r>
+            <a:r>
+              <a:rPr lang="en-US" sz="1600" b="1" dirty="0">
+                <a:solidFill>
+                  <a:srgbClr val="FF0000"/>
+                </a:solidFill>
+              </a:rPr>
+              <a:t>total run time</a:t>
+            </a:r>
+            <a:r>
+              <a:rPr lang="en-US" sz="1600" dirty="0"/>
+              <a:t>?</a:t>
             </a:r>
             <a:endParaRPr lang="en-US" sz="1600" b="1" dirty="0"/>
           </a:p>
@@ -8541,7 +8539,7 @@
         <p:spPr>
           <a:xfrm>
             <a:off x="577901" y="4218145"/>
-            <a:ext cx="3689505" cy="584775"/>
+            <a:ext cx="3689505" cy="830997"/>
           </a:xfrm>
           <a:prstGeom prst="rect">
             <a:avLst/>
@@ -8568,7 +8566,15 @@
             </a:r>
             <a:r>
               <a:rPr lang="en-US" sz="1600" dirty="0"/>
-              <a:t> of the median of the three passed in values</a:t>
+              <a:t> of the median of the three passed in </a:t>
+            </a:r>
+            <a:r>
+              <a:rPr lang="en-US" sz="1600" u="sng" dirty="0"/>
+              <a:t>values</a:t>
+            </a:r>
+            <a:r>
+              <a:rPr lang="en-US" sz="1600" dirty="0"/>
+              <a:t> of a, b, and c</a:t>
             </a:r>
             <a:endParaRPr lang="en-US" sz="1600" b="1" dirty="0"/>
           </a:p>
@@ -8626,7 +8632,7 @@
         </p:blipFill>
         <p:spPr>
           <a:xfrm>
-            <a:off x="1596810" y="5154105"/>
+            <a:off x="732696" y="5269936"/>
             <a:ext cx="5341192" cy="1022550"/>
           </a:xfrm>
           <a:prstGeom prst="rect">
@@ -8639,6 +8645,75 @@
           </a:ln>
         </p:spPr>
       </p:pic>
+      <p:sp>
+        <p:nvSpPr>
+          <p:cNvPr id="4" name="Speech Bubble: Rectangle 3">
+            <a:extLst>
+              <a:ext uri="{FF2B5EF4-FFF2-40B4-BE49-F238E27FC236}">
+                <a16:creationId xmlns:a16="http://schemas.microsoft.com/office/drawing/2014/main" id="{258DCFB2-C748-4B35-9225-0589F989C90C}"/>
+              </a:ext>
+            </a:extLst>
+          </p:cNvPr>
+          <p:cNvSpPr/>
+          <p:nvPr/>
+        </p:nvSpPr>
+        <p:spPr>
+          <a:xfrm>
+            <a:off x="6353904" y="4763855"/>
+            <a:ext cx="2057400" cy="1498988"/>
+          </a:xfrm>
+          <a:prstGeom prst="wedgeRectCallout">
+            <a:avLst>
+              <a:gd name="adj1" fmla="val -105369"/>
+              <a:gd name="adj2" fmla="val 18225"/>
+            </a:avLst>
+          </a:prstGeom>
+          <a:solidFill>
+            <a:schemeClr val="bg1"/>
+          </a:solidFill>
+          <a:ln>
+            <a:solidFill>
+              <a:srgbClr val="FF0000"/>
+            </a:solidFill>
+          </a:ln>
+        </p:spPr>
+        <p:style>
+          <a:lnRef idx="2">
+            <a:schemeClr val="accent1">
+              <a:shade val="50000"/>
+            </a:schemeClr>
+          </a:lnRef>
+          <a:fillRef idx="1">
+            <a:schemeClr val="accent1"/>
+          </a:fillRef>
+          <a:effectRef idx="0">
+            <a:schemeClr val="accent1"/>
+          </a:effectRef>
+          <a:fontRef idx="minor">
+            <a:schemeClr val="lt1"/>
+          </a:fontRef>
+        </p:style>
+        <p:txBody>
+          <a:bodyPr rtlCol="0" anchor="ctr"/>
+          <a:lstStyle/>
+          <a:p>
+            <a:pPr algn="ctr"/>
+            <a:r>
+              <a:rPr lang="en-US" sz="1400" dirty="0">
+                <a:ln>
+                  <a:solidFill>
+                    <a:srgbClr val="FF0000"/>
+                  </a:solidFill>
+                </a:ln>
+                <a:solidFill>
+                  <a:srgbClr val="FF0000"/>
+                </a:solidFill>
+              </a:rPr>
+              <a:t>The code initially is not using median of three. Run it as-is, then see how the total time changes once you implement the correct function.</a:t>
+            </a:r>
+          </a:p>
+        </p:txBody>
+      </p:sp>
     </p:spTree>
     <p:extLst>
       <p:ext uri="{BB962C8B-B14F-4D97-AF65-F5344CB8AC3E}">
@@ -8669,208 +8744,12 @@
           <a:chExt cx="0" cy="0"/>
         </a:xfrm>
       </p:grpSpPr>
-      <p:sp>
-        <p:nvSpPr>
-          <p:cNvPr id="22" name="TextBox 21">
+      <p:pic>
+        <p:nvPicPr>
+          <p:cNvPr id="4" name="Picture 3">
             <a:extLst>
               <a:ext uri="{FF2B5EF4-FFF2-40B4-BE49-F238E27FC236}">
-                <a16:creationId xmlns:a16="http://schemas.microsoft.com/office/drawing/2014/main" id="{77F78828-FA64-474B-91DF-D25D18C2296E}"/>
-              </a:ext>
-            </a:extLst>
-          </p:cNvPr>
-          <p:cNvSpPr txBox="1"/>
-          <p:nvPr/>
-        </p:nvSpPr>
-        <p:spPr>
-          <a:xfrm>
-            <a:off x="998525" y="2071901"/>
-            <a:ext cx="2728570" cy="2862322"/>
-          </a:xfrm>
-          <a:prstGeom prst="rect">
-            <a:avLst/>
-          </a:prstGeom>
-          <a:noFill/>
-        </p:spPr>
-        <p:txBody>
-          <a:bodyPr wrap="square" rtlCol="0">
-            <a:spAutoFit/>
-          </a:bodyPr>
-          <a:lstStyle/>
-          <a:p>
-            <a:pPr algn="ctr"/>
-            <a:r>
-              <a:rPr lang="en-US" dirty="0"/>
-              <a:t>In the </a:t>
-            </a:r>
-            <a:r>
-              <a:rPr lang="en-US" b="1" dirty="0"/>
-              <a:t>q06</a:t>
-            </a:r>
-            <a:r>
-              <a:rPr lang="en-US" dirty="0"/>
-              <a:t> folder, edit the C++ console application to calculate the lowest common multiple (LCM) of two integers a &amp; b, </a:t>
-            </a:r>
-          </a:p>
-          <a:p>
-            <a:pPr algn="ctr"/>
-            <a:r>
-              <a:rPr lang="en-US" dirty="0"/>
-              <a:t>using only </a:t>
-            </a:r>
-            <a:r>
-              <a:rPr lang="en-US" b="1" u="sng" dirty="0">
-                <a:solidFill>
-                  <a:srgbClr val="00B050"/>
-                </a:solidFill>
-              </a:rPr>
-              <a:t>basic</a:t>
-            </a:r>
-            <a:r>
-              <a:rPr lang="en-US" dirty="0"/>
-              <a:t> arithmetic (</a:t>
-            </a:r>
-            <a:r>
-              <a:rPr lang="en-US" b="1" i="1" dirty="0"/>
-              <a:t>no looping</a:t>
-            </a:r>
-            <a:r>
-              <a:rPr lang="en-US" dirty="0"/>
-              <a:t>) and the</a:t>
-            </a:r>
-          </a:p>
-          <a:p>
-            <a:pPr algn="ctr"/>
-            <a:r>
-              <a:rPr lang="en-US" dirty="0"/>
-              <a:t>greatest common divisor (</a:t>
-            </a:r>
-            <a:r>
-              <a:rPr lang="en-US" b="1" dirty="0"/>
-              <a:t>GCD</a:t>
-            </a:r>
-            <a:r>
-              <a:rPr lang="en-US" dirty="0"/>
-              <a:t>) function which is provided</a:t>
-            </a:r>
-          </a:p>
-        </p:txBody>
-      </p:sp>
-      <p:sp>
-        <p:nvSpPr>
-          <p:cNvPr id="23" name="TextBox 22">
-            <a:extLst>
-              <a:ext uri="{FF2B5EF4-FFF2-40B4-BE49-F238E27FC236}">
-                <a16:creationId xmlns:a16="http://schemas.microsoft.com/office/drawing/2014/main" id="{23C9C9B0-CFE7-48FF-A537-AC329D9E5890}"/>
-              </a:ext>
-            </a:extLst>
-          </p:cNvPr>
-          <p:cNvSpPr txBox="1"/>
-          <p:nvPr/>
-        </p:nvSpPr>
-        <p:spPr>
-          <a:xfrm>
-            <a:off x="1737899" y="629107"/>
-            <a:ext cx="5668203" cy="461665"/>
-          </a:xfrm>
-          <a:prstGeom prst="rect">
-            <a:avLst/>
-          </a:prstGeom>
-          <a:noFill/>
-        </p:spPr>
-        <p:txBody>
-          <a:bodyPr wrap="square" rtlCol="0">
-            <a:spAutoFit/>
-          </a:bodyPr>
-          <a:lstStyle/>
-          <a:p>
-            <a:pPr algn="ctr"/>
-            <a:r>
-              <a:rPr lang="en-US" sz="2400" b="1" dirty="0"/>
-              <a:t>6. Lowest Common Multiple</a:t>
-            </a:r>
-          </a:p>
-        </p:txBody>
-      </p:sp>
-      <p:sp>
-        <p:nvSpPr>
-          <p:cNvPr id="20" name="TextBox 19">
-            <a:extLst>
-              <a:ext uri="{FF2B5EF4-FFF2-40B4-BE49-F238E27FC236}">
-                <a16:creationId xmlns:a16="http://schemas.microsoft.com/office/drawing/2014/main" id="{4BB8DBA1-2B97-492E-93D4-42EC38645383}"/>
-              </a:ext>
-            </a:extLst>
-          </p:cNvPr>
-          <p:cNvSpPr txBox="1"/>
-          <p:nvPr/>
-        </p:nvSpPr>
-        <p:spPr>
-          <a:xfrm>
-            <a:off x="577901" y="570586"/>
-            <a:ext cx="841248" cy="369332"/>
-          </a:xfrm>
-          <a:prstGeom prst="rect">
-            <a:avLst/>
-          </a:prstGeom>
-          <a:noFill/>
-          <a:ln w="12700">
-            <a:solidFill>
-              <a:srgbClr val="7030A0"/>
-            </a:solidFill>
-          </a:ln>
-        </p:spPr>
-        <p:txBody>
-          <a:bodyPr wrap="square" rtlCol="0">
-            <a:spAutoFit/>
-          </a:bodyPr>
-          <a:lstStyle/>
-          <a:p>
-            <a:pPr algn="ctr"/>
-            <a:r>
-              <a:rPr lang="en-US" b="1" dirty="0">
-                <a:solidFill>
-                  <a:srgbClr val="7030A0"/>
-                </a:solidFill>
-              </a:rPr>
-              <a:t>5 pts</a:t>
-            </a:r>
-          </a:p>
-        </p:txBody>
-      </p:sp>
-      <p:sp>
-        <p:nvSpPr>
-          <p:cNvPr id="3" name="Slide Number Placeholder 2">
-            <a:extLst>
-              <a:ext uri="{FF2B5EF4-FFF2-40B4-BE49-F238E27FC236}">
-                <a16:creationId xmlns:a16="http://schemas.microsoft.com/office/drawing/2014/main" id="{8CCBC10B-4040-422A-80B2-27F8C23CC912}"/>
-              </a:ext>
-            </a:extLst>
-          </p:cNvPr>
-          <p:cNvSpPr>
-            <a:spLocks noGrp="1"/>
-          </p:cNvSpPr>
-          <p:nvPr>
-            <p:ph type="sldNum" sz="quarter" idx="12"/>
-          </p:nvPr>
-        </p:nvSpPr>
-        <p:spPr/>
-        <p:txBody>
-          <a:bodyPr/>
-          <a:lstStyle/>
-          <a:p>
-            <a:fld id="{1AF7FFAD-783D-4810-A9CB-C51F00BE5B3E}" type="slidenum">
-              <a:rPr lang="en-US" smtClean="0"/>
-              <a:t>7</a:t>
-            </a:fld>
-            <a:endParaRPr lang="en-US"/>
-          </a:p>
-        </p:txBody>
-      </p:sp>
-      <p:pic>
-        <p:nvPicPr>
-          <p:cNvPr id="2" name="Picture 1">
-            <a:extLst>
-              <a:ext uri="{FF2B5EF4-FFF2-40B4-BE49-F238E27FC236}">
-                <a16:creationId xmlns:a16="http://schemas.microsoft.com/office/drawing/2014/main" id="{C5FA58C6-1689-4A6C-8E55-D470292ABF27}"/>
+                <a16:creationId xmlns:a16="http://schemas.microsoft.com/office/drawing/2014/main" id="{14ED9DEA-7EB8-4100-8522-1B3891086181}"/>
               </a:ext>
             </a:extLst>
           </p:cNvPr>
@@ -8887,8 +8766,8 @@
         </p:blipFill>
         <p:spPr>
           <a:xfrm>
-            <a:off x="5064632" y="1873612"/>
-            <a:ext cx="3038095" cy="4047619"/>
+            <a:off x="4362969" y="1662620"/>
+            <a:ext cx="4152381" cy="4314286"/>
           </a:xfrm>
           <a:prstGeom prst="rect">
             <a:avLst/>
@@ -8902,6 +8781,193 @@
       </p:pic>
       <p:sp>
         <p:nvSpPr>
+          <p:cNvPr id="22" name="TextBox 21">
+            <a:extLst>
+              <a:ext uri="{FF2B5EF4-FFF2-40B4-BE49-F238E27FC236}">
+                <a16:creationId xmlns:a16="http://schemas.microsoft.com/office/drawing/2014/main" id="{77F78828-FA64-474B-91DF-D25D18C2296E}"/>
+              </a:ext>
+            </a:extLst>
+          </p:cNvPr>
+          <p:cNvSpPr txBox="1"/>
+          <p:nvPr/>
+        </p:nvSpPr>
+        <p:spPr>
+          <a:xfrm>
+            <a:off x="628650" y="2274838"/>
+            <a:ext cx="3139563" cy="2308324"/>
+          </a:xfrm>
+          <a:prstGeom prst="rect">
+            <a:avLst/>
+          </a:prstGeom>
+          <a:noFill/>
+        </p:spPr>
+        <p:txBody>
+          <a:bodyPr wrap="square" rtlCol="0">
+            <a:spAutoFit/>
+          </a:bodyPr>
+          <a:lstStyle/>
+          <a:p>
+            <a:r>
+              <a:rPr lang="en-US" dirty="0"/>
+              <a:t>In the </a:t>
+            </a:r>
+            <a:r>
+              <a:rPr lang="en-US" b="1" dirty="0"/>
+              <a:t>q06</a:t>
+            </a:r>
+            <a:r>
+              <a:rPr lang="en-US" dirty="0"/>
+              <a:t> folder, edit the C++ console application to calculate the lowest common multiple (LCM) of two integers a &amp; b, </a:t>
+            </a:r>
+          </a:p>
+          <a:p>
+            <a:r>
+              <a:rPr lang="en-US" dirty="0"/>
+              <a:t>using only </a:t>
+            </a:r>
+            <a:r>
+              <a:rPr lang="en-US" b="1" u="sng" dirty="0">
+                <a:solidFill>
+                  <a:srgbClr val="00B050"/>
+                </a:solidFill>
+              </a:rPr>
+              <a:t>basic</a:t>
+            </a:r>
+            <a:r>
+              <a:rPr lang="en-US" dirty="0"/>
+              <a:t> arithmetic (</a:t>
+            </a:r>
+            <a:r>
+              <a:rPr lang="en-US" b="1" i="1" dirty="0"/>
+              <a:t>no looping</a:t>
+            </a:r>
+            <a:r>
+              <a:rPr lang="en-US" dirty="0"/>
+              <a:t>) and the greatest common divisor (</a:t>
+            </a:r>
+            <a:r>
+              <a:rPr lang="en-US" b="1" dirty="0"/>
+              <a:t>GCD</a:t>
+            </a:r>
+            <a:r>
+              <a:rPr lang="en-US" dirty="0"/>
+              <a:t>) function which is already provided</a:t>
+            </a:r>
+          </a:p>
+        </p:txBody>
+      </p:sp>
+      <p:sp>
+        <p:nvSpPr>
+          <p:cNvPr id="23" name="TextBox 22">
+            <a:extLst>
+              <a:ext uri="{FF2B5EF4-FFF2-40B4-BE49-F238E27FC236}">
+                <a16:creationId xmlns:a16="http://schemas.microsoft.com/office/drawing/2014/main" id="{23C9C9B0-CFE7-48FF-A537-AC329D9E5890}"/>
+              </a:ext>
+            </a:extLst>
+          </p:cNvPr>
+          <p:cNvSpPr txBox="1"/>
+          <p:nvPr/>
+        </p:nvSpPr>
+        <p:spPr>
+          <a:xfrm>
+            <a:off x="1737899" y="629107"/>
+            <a:ext cx="5668203" cy="461665"/>
+          </a:xfrm>
+          <a:prstGeom prst="rect">
+            <a:avLst/>
+          </a:prstGeom>
+          <a:noFill/>
+        </p:spPr>
+        <p:txBody>
+          <a:bodyPr wrap="square" rtlCol="0">
+            <a:spAutoFit/>
+          </a:bodyPr>
+          <a:lstStyle/>
+          <a:p>
+            <a:pPr algn="ctr"/>
+            <a:r>
+              <a:rPr lang="en-US" sz="2400" b="1" dirty="0"/>
+              <a:t>6. Lowest Common Multiple</a:t>
+            </a:r>
+          </a:p>
+        </p:txBody>
+      </p:sp>
+      <p:sp>
+        <p:nvSpPr>
+          <p:cNvPr id="20" name="TextBox 19">
+            <a:extLst>
+              <a:ext uri="{FF2B5EF4-FFF2-40B4-BE49-F238E27FC236}">
+                <a16:creationId xmlns:a16="http://schemas.microsoft.com/office/drawing/2014/main" id="{4BB8DBA1-2B97-492E-93D4-42EC38645383}"/>
+              </a:ext>
+            </a:extLst>
+          </p:cNvPr>
+          <p:cNvSpPr txBox="1"/>
+          <p:nvPr/>
+        </p:nvSpPr>
+        <p:spPr>
+          <a:xfrm>
+            <a:off x="577901" y="570586"/>
+            <a:ext cx="841248" cy="369332"/>
+          </a:xfrm>
+          <a:prstGeom prst="rect">
+            <a:avLst/>
+          </a:prstGeom>
+          <a:noFill/>
+          <a:ln w="12700">
+            <a:solidFill>
+              <a:srgbClr val="7030A0"/>
+            </a:solidFill>
+          </a:ln>
+        </p:spPr>
+        <p:txBody>
+          <a:bodyPr wrap="square" rtlCol="0">
+            <a:spAutoFit/>
+          </a:bodyPr>
+          <a:lstStyle/>
+          <a:p>
+            <a:pPr algn="ctr"/>
+            <a:r>
+              <a:rPr lang="en-US" b="1" dirty="0">
+                <a:solidFill>
+                  <a:srgbClr val="7030A0"/>
+                </a:solidFill>
+              </a:rPr>
+              <a:t>5 pts</a:t>
+            </a:r>
+          </a:p>
+        </p:txBody>
+      </p:sp>
+      <p:sp>
+        <p:nvSpPr>
+          <p:cNvPr id="3" name="Slide Number Placeholder 2">
+            <a:extLst>
+              <a:ext uri="{FF2B5EF4-FFF2-40B4-BE49-F238E27FC236}">
+                <a16:creationId xmlns:a16="http://schemas.microsoft.com/office/drawing/2014/main" id="{8CCBC10B-4040-422A-80B2-27F8C23CC912}"/>
+              </a:ext>
+            </a:extLst>
+          </p:cNvPr>
+          <p:cNvSpPr>
+            <a:spLocks noGrp="1"/>
+          </p:cNvSpPr>
+          <p:nvPr>
+            <p:ph type="sldNum" sz="quarter" idx="12"/>
+          </p:nvPr>
+        </p:nvSpPr>
+        <p:spPr/>
+        <p:txBody>
+          <a:bodyPr/>
+          <a:lstStyle/>
+          <a:p>
+            <a:fld id="{1AF7FFAD-783D-4810-A9CB-C51F00BE5B3E}" type="slidenum">
+              <a:rPr lang="en-US" smtClean="0"/>
+              <a:t>7</a:t>
+            </a:fld>
+            <a:endParaRPr lang="en-US"/>
+          </a:p>
+        </p:txBody>
+      </p:sp>
+      <p:sp>
+        <p:nvSpPr>
           <p:cNvPr id="7" name="Arrow: Down 6">
             <a:extLst>
               <a:ext uri="{FF2B5EF4-FFF2-40B4-BE49-F238E27FC236}">
@@ -8914,7 +8980,7 @@
         </p:nvSpPr>
         <p:spPr>
           <a:xfrm rot="16200000">
-            <a:off x="4792870" y="3362564"/>
+            <a:off x="4951543" y="3207706"/>
             <a:ext cx="155314" cy="914400"/>
           </a:xfrm>
           <a:prstGeom prst="downArrow">
@@ -8984,183 +9050,12 @@
           <a:chExt cx="0" cy="0"/>
         </a:xfrm>
       </p:grpSpPr>
-      <p:sp>
-        <p:nvSpPr>
-          <p:cNvPr id="22" name="TextBox 21">
+      <p:pic>
+        <p:nvPicPr>
+          <p:cNvPr id="4" name="Picture 3">
             <a:extLst>
               <a:ext uri="{FF2B5EF4-FFF2-40B4-BE49-F238E27FC236}">
-                <a16:creationId xmlns:a16="http://schemas.microsoft.com/office/drawing/2014/main" id="{77F78828-FA64-474B-91DF-D25D18C2296E}"/>
-              </a:ext>
-            </a:extLst>
-          </p:cNvPr>
-          <p:cNvSpPr txBox="1"/>
-          <p:nvPr/>
-        </p:nvSpPr>
-        <p:spPr>
-          <a:xfrm>
-            <a:off x="998525" y="1954858"/>
-            <a:ext cx="3009498" cy="2585323"/>
-          </a:xfrm>
-          <a:prstGeom prst="rect">
-            <a:avLst/>
-          </a:prstGeom>
-          <a:noFill/>
-        </p:spPr>
-        <p:txBody>
-          <a:bodyPr wrap="square" rtlCol="0">
-            <a:spAutoFit/>
-          </a:bodyPr>
-          <a:lstStyle/>
-          <a:p>
-            <a:pPr algn="ctr"/>
-            <a:r>
-              <a:rPr lang="en-US" dirty="0"/>
-              <a:t>In the </a:t>
-            </a:r>
-            <a:r>
-              <a:rPr lang="en-US" b="1" dirty="0"/>
-              <a:t>q07</a:t>
-            </a:r>
-            <a:r>
-              <a:rPr lang="en-US" dirty="0"/>
-              <a:t> folder, edit the C++ console application to calculate the addition of two vectors.  In particular, complete the function </a:t>
-            </a:r>
-            <a:r>
-              <a:rPr lang="en-US" b="1" dirty="0" err="1"/>
-              <a:t>SumVectors</a:t>
-            </a:r>
-            <a:r>
-              <a:rPr lang="en-US" dirty="0"/>
-              <a:t>() by providing values for each element of </a:t>
-            </a:r>
-            <a:r>
-              <a:rPr lang="en-US" b="1" dirty="0"/>
-              <a:t>vec3</a:t>
-            </a:r>
-            <a:r>
-              <a:rPr lang="en-US" dirty="0"/>
-              <a:t> using some form of looping construct</a:t>
-            </a:r>
-            <a:endParaRPr lang="en-US" b="1" dirty="0"/>
-          </a:p>
-        </p:txBody>
-      </p:sp>
-      <p:sp>
-        <p:nvSpPr>
-          <p:cNvPr id="23" name="TextBox 22">
-            <a:extLst>
-              <a:ext uri="{FF2B5EF4-FFF2-40B4-BE49-F238E27FC236}">
-                <a16:creationId xmlns:a16="http://schemas.microsoft.com/office/drawing/2014/main" id="{23C9C9B0-CFE7-48FF-A537-AC329D9E5890}"/>
-              </a:ext>
-            </a:extLst>
-          </p:cNvPr>
-          <p:cNvSpPr txBox="1"/>
-          <p:nvPr/>
-        </p:nvSpPr>
-        <p:spPr>
-          <a:xfrm>
-            <a:off x="1737899" y="629107"/>
-            <a:ext cx="5668203" cy="461665"/>
-          </a:xfrm>
-          <a:prstGeom prst="rect">
-            <a:avLst/>
-          </a:prstGeom>
-          <a:noFill/>
-        </p:spPr>
-        <p:txBody>
-          <a:bodyPr wrap="square" rtlCol="0">
-            <a:spAutoFit/>
-          </a:bodyPr>
-          <a:lstStyle/>
-          <a:p>
-            <a:pPr algn="ctr"/>
-            <a:r>
-              <a:rPr lang="en-US" sz="2400" b="1" dirty="0"/>
-              <a:t>7. Vector Addition</a:t>
-            </a:r>
-          </a:p>
-        </p:txBody>
-      </p:sp>
-      <p:sp>
-        <p:nvSpPr>
-          <p:cNvPr id="20" name="TextBox 19">
-            <a:extLst>
-              <a:ext uri="{FF2B5EF4-FFF2-40B4-BE49-F238E27FC236}">
-                <a16:creationId xmlns:a16="http://schemas.microsoft.com/office/drawing/2014/main" id="{4BB8DBA1-2B97-492E-93D4-42EC38645383}"/>
-              </a:ext>
-            </a:extLst>
-          </p:cNvPr>
-          <p:cNvSpPr txBox="1"/>
-          <p:nvPr/>
-        </p:nvSpPr>
-        <p:spPr>
-          <a:xfrm>
-            <a:off x="577901" y="570586"/>
-            <a:ext cx="841248" cy="369332"/>
-          </a:xfrm>
-          <a:prstGeom prst="rect">
-            <a:avLst/>
-          </a:prstGeom>
-          <a:noFill/>
-          <a:ln w="12700">
-            <a:solidFill>
-              <a:srgbClr val="7030A0"/>
-            </a:solidFill>
-          </a:ln>
-        </p:spPr>
-        <p:txBody>
-          <a:bodyPr wrap="square" rtlCol="0">
-            <a:spAutoFit/>
-          </a:bodyPr>
-          <a:lstStyle/>
-          <a:p>
-            <a:pPr algn="ctr"/>
-            <a:r>
-              <a:rPr lang="en-US" b="1" dirty="0">
-                <a:solidFill>
-                  <a:srgbClr val="7030A0"/>
-                </a:solidFill>
-              </a:rPr>
-              <a:t>5 pts</a:t>
-            </a:r>
-          </a:p>
-        </p:txBody>
-      </p:sp>
-      <p:sp>
-        <p:nvSpPr>
-          <p:cNvPr id="3" name="Slide Number Placeholder 2">
-            <a:extLst>
-              <a:ext uri="{FF2B5EF4-FFF2-40B4-BE49-F238E27FC236}">
-                <a16:creationId xmlns:a16="http://schemas.microsoft.com/office/drawing/2014/main" id="{8CCBC10B-4040-422A-80B2-27F8C23CC912}"/>
-              </a:ext>
-            </a:extLst>
-          </p:cNvPr>
-          <p:cNvSpPr>
-            <a:spLocks noGrp="1"/>
-          </p:cNvSpPr>
-          <p:nvPr>
-            <p:ph type="sldNum" sz="quarter" idx="12"/>
-          </p:nvPr>
-        </p:nvSpPr>
-        <p:spPr/>
-        <p:txBody>
-          <a:bodyPr/>
-          <a:lstStyle/>
-          <a:p>
-            <a:fld id="{1AF7FFAD-783D-4810-A9CB-C51F00BE5B3E}" type="slidenum">
-              <a:rPr lang="en-US" smtClean="0"/>
-              <a:t>8</a:t>
-            </a:fld>
-            <a:endParaRPr lang="en-US"/>
-          </a:p>
-        </p:txBody>
-      </p:sp>
-      <p:pic>
-        <p:nvPicPr>
-          <p:cNvPr id="2" name="Picture 1">
-            <a:extLst>
-              <a:ext uri="{FF2B5EF4-FFF2-40B4-BE49-F238E27FC236}">
-                <a16:creationId xmlns:a16="http://schemas.microsoft.com/office/drawing/2014/main" id="{8AC4E596-4285-4912-A5F5-B04B27B0178A}"/>
+                <a16:creationId xmlns:a16="http://schemas.microsoft.com/office/drawing/2014/main" id="{068A5E25-DF41-41B2-A7D1-8FC616CCC878}"/>
               </a:ext>
             </a:extLst>
           </p:cNvPr>
@@ -9177,8 +9072,8 @@
         </p:blipFill>
         <p:spPr>
           <a:xfrm>
-            <a:off x="4566119" y="1770867"/>
-            <a:ext cx="3658712" cy="4458026"/>
+            <a:off x="4146160" y="1729642"/>
+            <a:ext cx="4623580" cy="3987838"/>
           </a:xfrm>
           <a:prstGeom prst="rect">
             <a:avLst/>
@@ -9192,6 +9087,185 @@
       </p:pic>
       <p:sp>
         <p:nvSpPr>
+          <p:cNvPr id="22" name="TextBox 21">
+            <a:extLst>
+              <a:ext uri="{FF2B5EF4-FFF2-40B4-BE49-F238E27FC236}">
+                <a16:creationId xmlns:a16="http://schemas.microsoft.com/office/drawing/2014/main" id="{77F78828-FA64-474B-91DF-D25D18C2296E}"/>
+              </a:ext>
+            </a:extLst>
+          </p:cNvPr>
+          <p:cNvSpPr txBox="1"/>
+          <p:nvPr/>
+        </p:nvSpPr>
+        <p:spPr>
+          <a:xfrm>
+            <a:off x="577901" y="1991729"/>
+            <a:ext cx="3064656" cy="2862322"/>
+          </a:xfrm>
+          <a:prstGeom prst="rect">
+            <a:avLst/>
+          </a:prstGeom>
+          <a:noFill/>
+        </p:spPr>
+        <p:txBody>
+          <a:bodyPr wrap="square" rtlCol="0">
+            <a:spAutoFit/>
+          </a:bodyPr>
+          <a:lstStyle/>
+          <a:p>
+            <a:r>
+              <a:rPr lang="en-US" dirty="0"/>
+              <a:t>In the </a:t>
+            </a:r>
+            <a:r>
+              <a:rPr lang="en-US" b="1" dirty="0"/>
+              <a:t>q07</a:t>
+            </a:r>
+            <a:r>
+              <a:rPr lang="en-US" dirty="0"/>
+              <a:t> folder, edit the C++ console application to calculate the addition of two vectors</a:t>
+            </a:r>
+          </a:p>
+          <a:p>
+            <a:endParaRPr lang="en-US" dirty="0"/>
+          </a:p>
+          <a:p>
+            <a:r>
+              <a:rPr lang="en-US" dirty="0"/>
+              <a:t>In particular, complete the function </a:t>
+            </a:r>
+            <a:r>
+              <a:rPr lang="en-US" b="1" dirty="0" err="1"/>
+              <a:t>SumVectors</a:t>
+            </a:r>
+            <a:r>
+              <a:rPr lang="en-US" dirty="0"/>
+              <a:t>() by providing values for each element of </a:t>
+            </a:r>
+            <a:r>
+              <a:rPr lang="en-US" b="1" dirty="0"/>
+              <a:t>vec3</a:t>
+            </a:r>
+            <a:r>
+              <a:rPr lang="en-US" dirty="0"/>
+              <a:t> using some form of looping construct</a:t>
+            </a:r>
+            <a:endParaRPr lang="en-US" b="1" dirty="0"/>
+          </a:p>
+        </p:txBody>
+      </p:sp>
+      <p:sp>
+        <p:nvSpPr>
+          <p:cNvPr id="23" name="TextBox 22">
+            <a:extLst>
+              <a:ext uri="{FF2B5EF4-FFF2-40B4-BE49-F238E27FC236}">
+                <a16:creationId xmlns:a16="http://schemas.microsoft.com/office/drawing/2014/main" id="{23C9C9B0-CFE7-48FF-A537-AC329D9E5890}"/>
+              </a:ext>
+            </a:extLst>
+          </p:cNvPr>
+          <p:cNvSpPr txBox="1"/>
+          <p:nvPr/>
+        </p:nvSpPr>
+        <p:spPr>
+          <a:xfrm>
+            <a:off x="1737899" y="629107"/>
+            <a:ext cx="5668203" cy="461665"/>
+          </a:xfrm>
+          <a:prstGeom prst="rect">
+            <a:avLst/>
+          </a:prstGeom>
+          <a:noFill/>
+        </p:spPr>
+        <p:txBody>
+          <a:bodyPr wrap="square" rtlCol="0">
+            <a:spAutoFit/>
+          </a:bodyPr>
+          <a:lstStyle/>
+          <a:p>
+            <a:pPr algn="ctr"/>
+            <a:r>
+              <a:rPr lang="en-US" sz="2400" b="1" dirty="0"/>
+              <a:t>7. Vector Addition</a:t>
+            </a:r>
+          </a:p>
+        </p:txBody>
+      </p:sp>
+      <p:sp>
+        <p:nvSpPr>
+          <p:cNvPr id="20" name="TextBox 19">
+            <a:extLst>
+              <a:ext uri="{FF2B5EF4-FFF2-40B4-BE49-F238E27FC236}">
+                <a16:creationId xmlns:a16="http://schemas.microsoft.com/office/drawing/2014/main" id="{4BB8DBA1-2B97-492E-93D4-42EC38645383}"/>
+              </a:ext>
+            </a:extLst>
+          </p:cNvPr>
+          <p:cNvSpPr txBox="1"/>
+          <p:nvPr/>
+        </p:nvSpPr>
+        <p:spPr>
+          <a:xfrm>
+            <a:off x="577901" y="570586"/>
+            <a:ext cx="841248" cy="369332"/>
+          </a:xfrm>
+          <a:prstGeom prst="rect">
+            <a:avLst/>
+          </a:prstGeom>
+          <a:noFill/>
+          <a:ln w="12700">
+            <a:solidFill>
+              <a:srgbClr val="7030A0"/>
+            </a:solidFill>
+          </a:ln>
+        </p:spPr>
+        <p:txBody>
+          <a:bodyPr wrap="square" rtlCol="0">
+            <a:spAutoFit/>
+          </a:bodyPr>
+          <a:lstStyle/>
+          <a:p>
+            <a:pPr algn="ctr"/>
+            <a:r>
+              <a:rPr lang="en-US" b="1" dirty="0">
+                <a:solidFill>
+                  <a:srgbClr val="7030A0"/>
+                </a:solidFill>
+              </a:rPr>
+              <a:t>5 pts</a:t>
+            </a:r>
+          </a:p>
+        </p:txBody>
+      </p:sp>
+      <p:sp>
+        <p:nvSpPr>
+          <p:cNvPr id="3" name="Slide Number Placeholder 2">
+            <a:extLst>
+              <a:ext uri="{FF2B5EF4-FFF2-40B4-BE49-F238E27FC236}">
+                <a16:creationId xmlns:a16="http://schemas.microsoft.com/office/drawing/2014/main" id="{8CCBC10B-4040-422A-80B2-27F8C23CC912}"/>
+              </a:ext>
+            </a:extLst>
+          </p:cNvPr>
+          <p:cNvSpPr>
+            <a:spLocks noGrp="1"/>
+          </p:cNvSpPr>
+          <p:nvPr>
+            <p:ph type="sldNum" sz="quarter" idx="12"/>
+          </p:nvPr>
+        </p:nvSpPr>
+        <p:spPr/>
+        <p:txBody>
+          <a:bodyPr/>
+          <a:lstStyle/>
+          <a:p>
+            <a:fld id="{1AF7FFAD-783D-4810-A9CB-C51F00BE5B3E}" type="slidenum">
+              <a:rPr lang="en-US" smtClean="0"/>
+              <a:t>8</a:t>
+            </a:fld>
+            <a:endParaRPr lang="en-US"/>
+          </a:p>
+        </p:txBody>
+      </p:sp>
+      <p:sp>
+        <p:nvSpPr>
           <p:cNvPr id="7" name="Arrow: Down 6">
             <a:extLst>
               <a:ext uri="{FF2B5EF4-FFF2-40B4-BE49-F238E27FC236}">
@@ -9204,7 +9278,7 @@
         </p:nvSpPr>
         <p:spPr>
           <a:xfrm rot="16200000">
-            <a:off x="4209414" y="3728324"/>
+            <a:off x="4387566" y="3484975"/>
             <a:ext cx="155314" cy="914400"/>
           </a:xfrm>
           <a:prstGeom prst="downArrow">
@@ -9274,197 +9348,12 @@
           <a:chExt cx="0" cy="0"/>
         </a:xfrm>
       </p:grpSpPr>
-      <p:sp>
-        <p:nvSpPr>
-          <p:cNvPr id="22" name="TextBox 21">
+      <p:pic>
+        <p:nvPicPr>
+          <p:cNvPr id="4" name="Picture 3">
             <a:extLst>
               <a:ext uri="{FF2B5EF4-FFF2-40B4-BE49-F238E27FC236}">
-                <a16:creationId xmlns:a16="http://schemas.microsoft.com/office/drawing/2014/main" id="{77F78828-FA64-474B-91DF-D25D18C2296E}"/>
-              </a:ext>
-            </a:extLst>
-          </p:cNvPr>
-          <p:cNvSpPr txBox="1"/>
-          <p:nvPr/>
-        </p:nvSpPr>
-        <p:spPr>
-          <a:xfrm>
-            <a:off x="657802" y="1274545"/>
-            <a:ext cx="3350362" cy="2031325"/>
-          </a:xfrm>
-          <a:prstGeom prst="rect">
-            <a:avLst/>
-          </a:prstGeom>
-          <a:noFill/>
-        </p:spPr>
-        <p:txBody>
-          <a:bodyPr wrap="square" rtlCol="0">
-            <a:spAutoFit/>
-          </a:bodyPr>
-          <a:lstStyle/>
-          <a:p>
-            <a:pPr algn="ctr"/>
-            <a:r>
-              <a:rPr lang="en-US" dirty="0"/>
-              <a:t>In the </a:t>
-            </a:r>
-            <a:r>
-              <a:rPr lang="en-US" b="1" dirty="0"/>
-              <a:t>q08</a:t>
-            </a:r>
-            <a:r>
-              <a:rPr lang="en-US" dirty="0"/>
-              <a:t> folder, edit the C++ console application to calculate the Base 2 </a:t>
-            </a:r>
-            <a:r>
-              <a:rPr lang="en-US" i="1" dirty="0">
-                <a:solidFill>
-                  <a:srgbClr val="FF0000"/>
-                </a:solidFill>
-              </a:rPr>
-              <a:t>Hamming Weight </a:t>
-            </a:r>
-            <a:r>
-              <a:rPr lang="en-US" dirty="0"/>
-              <a:t>of a given natural number.  </a:t>
-            </a:r>
-          </a:p>
-          <a:p>
-            <a:pPr algn="ctr"/>
-            <a:endParaRPr lang="en-US" b="1" dirty="0"/>
-          </a:p>
-          <a:p>
-            <a:pPr algn="ctr"/>
-            <a:r>
-              <a:rPr lang="en-US" dirty="0"/>
-              <a:t>You must write the function </a:t>
-            </a:r>
-            <a:r>
-              <a:rPr lang="en-US" b="1" dirty="0" err="1"/>
-              <a:t>PopCount</a:t>
-            </a:r>
-            <a:r>
-              <a:rPr lang="en-US" dirty="0"/>
-              <a:t>()</a:t>
-            </a:r>
-          </a:p>
-        </p:txBody>
-      </p:sp>
-      <p:sp>
-        <p:nvSpPr>
-          <p:cNvPr id="23" name="TextBox 22">
-            <a:extLst>
-              <a:ext uri="{FF2B5EF4-FFF2-40B4-BE49-F238E27FC236}">
-                <a16:creationId xmlns:a16="http://schemas.microsoft.com/office/drawing/2014/main" id="{23C9C9B0-CFE7-48FF-A537-AC329D9E5890}"/>
-              </a:ext>
-            </a:extLst>
-          </p:cNvPr>
-          <p:cNvSpPr txBox="1"/>
-          <p:nvPr/>
-        </p:nvSpPr>
-        <p:spPr>
-          <a:xfrm>
-            <a:off x="1737899" y="629107"/>
-            <a:ext cx="5668203" cy="461665"/>
-          </a:xfrm>
-          <a:prstGeom prst="rect">
-            <a:avLst/>
-          </a:prstGeom>
-          <a:noFill/>
-        </p:spPr>
-        <p:txBody>
-          <a:bodyPr wrap="square" rtlCol="0">
-            <a:spAutoFit/>
-          </a:bodyPr>
-          <a:lstStyle/>
-          <a:p>
-            <a:pPr algn="ctr"/>
-            <a:r>
-              <a:rPr lang="en-US" sz="2400" b="1" dirty="0"/>
-              <a:t>8. Hamming Weight</a:t>
-            </a:r>
-          </a:p>
-        </p:txBody>
-      </p:sp>
-      <p:sp>
-        <p:nvSpPr>
-          <p:cNvPr id="20" name="TextBox 19">
-            <a:extLst>
-              <a:ext uri="{FF2B5EF4-FFF2-40B4-BE49-F238E27FC236}">
-                <a16:creationId xmlns:a16="http://schemas.microsoft.com/office/drawing/2014/main" id="{4BB8DBA1-2B97-492E-93D4-42EC38645383}"/>
-              </a:ext>
-            </a:extLst>
-          </p:cNvPr>
-          <p:cNvSpPr txBox="1"/>
-          <p:nvPr/>
-        </p:nvSpPr>
-        <p:spPr>
-          <a:xfrm>
-            <a:off x="577901" y="570586"/>
-            <a:ext cx="841248" cy="369332"/>
-          </a:xfrm>
-          <a:prstGeom prst="rect">
-            <a:avLst/>
-          </a:prstGeom>
-          <a:noFill/>
-          <a:ln w="12700">
-            <a:solidFill>
-              <a:srgbClr val="7030A0"/>
-            </a:solidFill>
-          </a:ln>
-        </p:spPr>
-        <p:txBody>
-          <a:bodyPr wrap="square" rtlCol="0">
-            <a:spAutoFit/>
-          </a:bodyPr>
-          <a:lstStyle/>
-          <a:p>
-            <a:pPr algn="ctr"/>
-            <a:r>
-              <a:rPr lang="en-US" b="1" dirty="0">
-                <a:solidFill>
-                  <a:srgbClr val="7030A0"/>
-                </a:solidFill>
-              </a:rPr>
-              <a:t>20 pts</a:t>
-            </a:r>
-          </a:p>
-        </p:txBody>
-      </p:sp>
-      <p:sp>
-        <p:nvSpPr>
-          <p:cNvPr id="3" name="Slide Number Placeholder 2">
-            <a:extLst>
-              <a:ext uri="{FF2B5EF4-FFF2-40B4-BE49-F238E27FC236}">
-                <a16:creationId xmlns:a16="http://schemas.microsoft.com/office/drawing/2014/main" id="{8CCBC10B-4040-422A-80B2-27F8C23CC912}"/>
-              </a:ext>
-            </a:extLst>
-          </p:cNvPr>
-          <p:cNvSpPr>
-            <a:spLocks noGrp="1"/>
-          </p:cNvSpPr>
-          <p:nvPr>
-            <p:ph type="sldNum" sz="quarter" idx="12"/>
-          </p:nvPr>
-        </p:nvSpPr>
-        <p:spPr/>
-        <p:txBody>
-          <a:bodyPr/>
-          <a:lstStyle/>
-          <a:p>
-            <a:fld id="{1AF7FFAD-783D-4810-A9CB-C51F00BE5B3E}" type="slidenum">
-              <a:rPr lang="en-US" smtClean="0"/>
-              <a:t>9</a:t>
-            </a:fld>
-            <a:endParaRPr lang="en-US"/>
-          </a:p>
-        </p:txBody>
-      </p:sp>
-      <p:pic>
-        <p:nvPicPr>
-          <p:cNvPr id="2" name="Picture 1">
-            <a:extLst>
-              <a:ext uri="{FF2B5EF4-FFF2-40B4-BE49-F238E27FC236}">
-                <a16:creationId xmlns:a16="http://schemas.microsoft.com/office/drawing/2014/main" id="{B7EA336A-C568-46A0-BE08-E270BED94030}"/>
+                <a16:creationId xmlns:a16="http://schemas.microsoft.com/office/drawing/2014/main" id="{367E521E-92B5-4158-8490-50CE46D3210D}"/>
               </a:ext>
             </a:extLst>
           </p:cNvPr>
@@ -9481,8 +9370,8 @@
         </p:blipFill>
         <p:spPr>
           <a:xfrm>
-            <a:off x="4678637" y="1394990"/>
-            <a:ext cx="4190476" cy="4657143"/>
+            <a:off x="4129378" y="1394990"/>
+            <a:ext cx="4657143" cy="4657143"/>
           </a:xfrm>
           <a:prstGeom prst="rect">
             <a:avLst/>
@@ -9496,6 +9385,188 @@
       </p:pic>
       <p:sp>
         <p:nvSpPr>
+          <p:cNvPr id="22" name="TextBox 21">
+            <a:extLst>
+              <a:ext uri="{FF2B5EF4-FFF2-40B4-BE49-F238E27FC236}">
+                <a16:creationId xmlns:a16="http://schemas.microsoft.com/office/drawing/2014/main" id="{77F78828-FA64-474B-91DF-D25D18C2296E}"/>
+              </a:ext>
+            </a:extLst>
+          </p:cNvPr>
+          <p:cNvSpPr txBox="1"/>
+          <p:nvPr/>
+        </p:nvSpPr>
+        <p:spPr>
+          <a:xfrm>
+            <a:off x="480821" y="1692236"/>
+            <a:ext cx="3350362" cy="2031325"/>
+          </a:xfrm>
+          <a:prstGeom prst="rect">
+            <a:avLst/>
+          </a:prstGeom>
+          <a:noFill/>
+        </p:spPr>
+        <p:txBody>
+          <a:bodyPr wrap="square" rtlCol="0">
+            <a:spAutoFit/>
+          </a:bodyPr>
+          <a:lstStyle/>
+          <a:p>
+            <a:r>
+              <a:rPr lang="en-US" dirty="0"/>
+              <a:t>In the </a:t>
+            </a:r>
+            <a:r>
+              <a:rPr lang="en-US" b="1" dirty="0"/>
+              <a:t>q08</a:t>
+            </a:r>
+            <a:r>
+              <a:rPr lang="en-US" dirty="0"/>
+              <a:t> folder, edit the C++ console application to calculate the Base 2 </a:t>
+            </a:r>
+            <a:r>
+              <a:rPr lang="en-US" i="1" dirty="0">
+                <a:solidFill>
+                  <a:srgbClr val="FF0000"/>
+                </a:solidFill>
+              </a:rPr>
+              <a:t>Hamming Weight </a:t>
+            </a:r>
+            <a:r>
+              <a:rPr lang="en-US" dirty="0"/>
+              <a:t>of a given natural number  </a:t>
+            </a:r>
+          </a:p>
+          <a:p>
+            <a:endParaRPr lang="en-US" b="1" dirty="0"/>
+          </a:p>
+          <a:p>
+            <a:r>
+              <a:rPr lang="en-US" dirty="0"/>
+              <a:t>You must write the correct code for function </a:t>
+            </a:r>
+            <a:r>
+              <a:rPr lang="en-US" b="1" dirty="0" err="1"/>
+              <a:t>PopCount</a:t>
+            </a:r>
+            <a:r>
+              <a:rPr lang="en-US" dirty="0"/>
+              <a:t>()</a:t>
+            </a:r>
+          </a:p>
+        </p:txBody>
+      </p:sp>
+      <p:sp>
+        <p:nvSpPr>
+          <p:cNvPr id="23" name="TextBox 22">
+            <a:extLst>
+              <a:ext uri="{FF2B5EF4-FFF2-40B4-BE49-F238E27FC236}">
+                <a16:creationId xmlns:a16="http://schemas.microsoft.com/office/drawing/2014/main" id="{23C9C9B0-CFE7-48FF-A537-AC329D9E5890}"/>
+              </a:ext>
+            </a:extLst>
+          </p:cNvPr>
+          <p:cNvSpPr txBox="1"/>
+          <p:nvPr/>
+        </p:nvSpPr>
+        <p:spPr>
+          <a:xfrm>
+            <a:off x="1737899" y="629107"/>
+            <a:ext cx="5668203" cy="461665"/>
+          </a:xfrm>
+          <a:prstGeom prst="rect">
+            <a:avLst/>
+          </a:prstGeom>
+          <a:noFill/>
+        </p:spPr>
+        <p:txBody>
+          <a:bodyPr wrap="square" rtlCol="0">
+            <a:spAutoFit/>
+          </a:bodyPr>
+          <a:lstStyle/>
+          <a:p>
+            <a:pPr algn="ctr"/>
+            <a:r>
+              <a:rPr lang="en-US" sz="2400" b="1" dirty="0"/>
+              <a:t>8. Hamming Weight</a:t>
+            </a:r>
+          </a:p>
+        </p:txBody>
+      </p:sp>
+      <p:sp>
+        <p:nvSpPr>
+          <p:cNvPr id="20" name="TextBox 19">
+            <a:extLst>
+              <a:ext uri="{FF2B5EF4-FFF2-40B4-BE49-F238E27FC236}">
+                <a16:creationId xmlns:a16="http://schemas.microsoft.com/office/drawing/2014/main" id="{4BB8DBA1-2B97-492E-93D4-42EC38645383}"/>
+              </a:ext>
+            </a:extLst>
+          </p:cNvPr>
+          <p:cNvSpPr txBox="1"/>
+          <p:nvPr/>
+        </p:nvSpPr>
+        <p:spPr>
+          <a:xfrm>
+            <a:off x="577901" y="570586"/>
+            <a:ext cx="841248" cy="369332"/>
+          </a:xfrm>
+          <a:prstGeom prst="rect">
+            <a:avLst/>
+          </a:prstGeom>
+          <a:noFill/>
+          <a:ln w="12700">
+            <a:solidFill>
+              <a:srgbClr val="7030A0"/>
+            </a:solidFill>
+          </a:ln>
+        </p:spPr>
+        <p:txBody>
+          <a:bodyPr wrap="square" rtlCol="0">
+            <a:spAutoFit/>
+          </a:bodyPr>
+          <a:lstStyle/>
+          <a:p>
+            <a:pPr algn="ctr"/>
+            <a:r>
+              <a:rPr lang="en-US" b="1" dirty="0">
+                <a:solidFill>
+                  <a:srgbClr val="7030A0"/>
+                </a:solidFill>
+              </a:rPr>
+              <a:t>20 pts</a:t>
+            </a:r>
+          </a:p>
+        </p:txBody>
+      </p:sp>
+      <p:sp>
+        <p:nvSpPr>
+          <p:cNvPr id="3" name="Slide Number Placeholder 2">
+            <a:extLst>
+              <a:ext uri="{FF2B5EF4-FFF2-40B4-BE49-F238E27FC236}">
+                <a16:creationId xmlns:a16="http://schemas.microsoft.com/office/drawing/2014/main" id="{8CCBC10B-4040-422A-80B2-27F8C23CC912}"/>
+              </a:ext>
+            </a:extLst>
+          </p:cNvPr>
+          <p:cNvSpPr>
+            <a:spLocks noGrp="1"/>
+          </p:cNvSpPr>
+          <p:nvPr>
+            <p:ph type="sldNum" sz="quarter" idx="12"/>
+          </p:nvPr>
+        </p:nvSpPr>
+        <p:spPr/>
+        <p:txBody>
+          <a:bodyPr/>
+          <a:lstStyle/>
+          <a:p>
+            <a:fld id="{1AF7FFAD-783D-4810-A9CB-C51F00BE5B3E}" type="slidenum">
+              <a:rPr lang="en-US" smtClean="0"/>
+              <a:t>9</a:t>
+            </a:fld>
+            <a:endParaRPr lang="en-US"/>
+          </a:p>
+        </p:txBody>
+      </p:sp>
+      <p:sp>
+        <p:nvSpPr>
           <p:cNvPr id="7" name="Arrow: Down 6">
             <a:extLst>
               <a:ext uri="{FF2B5EF4-FFF2-40B4-BE49-F238E27FC236}">
@@ -9508,7 +9579,7 @@
         </p:nvSpPr>
         <p:spPr>
           <a:xfrm rot="16200000">
-            <a:off x="4387707" y="2587153"/>
+            <a:off x="4675301" y="2557656"/>
             <a:ext cx="155314" cy="914400"/>
           </a:xfrm>
           <a:prstGeom prst="downArrow">

--- a/exam1/Exam 1 Questions.pptx
+++ b/exam1/Exam 1 Questions.pptx
@@ -207,7 +207,7 @@
           <a:p>
             <a:fld id="{ECAAAD59-9D48-48BB-8EF4-798822FFF5A4}" type="datetimeFigureOut">
               <a:rPr lang="en-US" smtClean="0"/>
-              <a:t>5/7/2020</a:t>
+              <a:t>5/31/2020</a:t>
             </a:fld>
             <a:endParaRPr lang="en-US"/>
           </a:p>
@@ -605,7 +605,7 @@
           <a:p>
             <a:fld id="{1618355B-3634-4BC9-81D5-8538227F5BA8}" type="datetime1">
               <a:rPr lang="en-US" smtClean="0"/>
-              <a:t>5/7/2020</a:t>
+              <a:t>5/31/2020</a:t>
             </a:fld>
             <a:endParaRPr lang="en-US"/>
           </a:p>
@@ -784,7 +784,7 @@
           <a:p>
             <a:fld id="{2A2F89F1-48A6-4324-AFD1-3EC079BC4F99}" type="datetime1">
               <a:rPr lang="en-US" smtClean="0"/>
-              <a:t>5/7/2020</a:t>
+              <a:t>5/31/2020</a:t>
             </a:fld>
             <a:endParaRPr lang="en-US"/>
           </a:p>
@@ -973,7 +973,7 @@
           <a:p>
             <a:fld id="{A9F944BD-13BB-4F52-849A-274E079381D0}" type="datetime1">
               <a:rPr lang="en-US" smtClean="0"/>
-              <a:t>5/7/2020</a:t>
+              <a:t>5/31/2020</a:t>
             </a:fld>
             <a:endParaRPr lang="en-US"/>
           </a:p>
@@ -1152,7 +1152,7 @@
           <a:p>
             <a:fld id="{15E020E6-F8D9-4825-A9D6-C37AF1154F69}" type="datetime1">
               <a:rPr lang="en-US" smtClean="0"/>
-              <a:t>5/7/2020</a:t>
+              <a:t>5/31/2020</a:t>
             </a:fld>
             <a:endParaRPr lang="en-US"/>
           </a:p>
@@ -1405,7 +1405,7 @@
           <a:p>
             <a:fld id="{8076DA9F-4F33-47E2-BCB6-74E79BC19394}" type="datetime1">
               <a:rPr lang="en-US" smtClean="0"/>
-              <a:t>5/7/2020</a:t>
+              <a:t>5/31/2020</a:t>
             </a:fld>
             <a:endParaRPr lang="en-US"/>
           </a:p>
@@ -1646,7 +1646,7 @@
           <a:p>
             <a:fld id="{FBAF2370-96AE-4D11-A0C2-121376BBDA55}" type="datetime1">
               <a:rPr lang="en-US" smtClean="0"/>
-              <a:t>5/7/2020</a:t>
+              <a:t>5/31/2020</a:t>
             </a:fld>
             <a:endParaRPr lang="en-US"/>
           </a:p>
@@ -2022,7 +2022,7 @@
           <a:p>
             <a:fld id="{169582F2-1EA8-421C-B8F8-D8CA1E3EFF62}" type="datetime1">
               <a:rPr lang="en-US" smtClean="0"/>
-              <a:t>5/7/2020</a:t>
+              <a:t>5/31/2020</a:t>
             </a:fld>
             <a:endParaRPr lang="en-US"/>
           </a:p>
@@ -2149,7 +2149,7 @@
           <a:p>
             <a:fld id="{A517D7DA-5058-420F-9DBC-85DE61D477C2}" type="datetime1">
               <a:rPr lang="en-US" smtClean="0"/>
-              <a:t>5/7/2020</a:t>
+              <a:t>5/31/2020</a:t>
             </a:fld>
             <a:endParaRPr lang="en-US"/>
           </a:p>
@@ -2253,7 +2253,7 @@
           <a:p>
             <a:fld id="{8FFB225B-7C69-40F3-B61C-519BFAC1134E}" type="datetime1">
               <a:rPr lang="en-US" smtClean="0"/>
-              <a:t>5/7/2020</a:t>
+              <a:t>5/31/2020</a:t>
             </a:fld>
             <a:endParaRPr lang="en-US"/>
           </a:p>
@@ -2539,7 +2539,7 @@
           <a:p>
             <a:fld id="{ECAE7071-FDDA-440A-98D6-E8E6F92A50F1}" type="datetime1">
               <a:rPr lang="en-US" smtClean="0"/>
-              <a:t>5/7/2020</a:t>
+              <a:t>5/31/2020</a:t>
             </a:fld>
             <a:endParaRPr lang="en-US"/>
           </a:p>
@@ -2805,7 +2805,7 @@
           <a:p>
             <a:fld id="{AC5FFC63-6CD2-42EF-9476-C30364AABDD9}" type="datetime1">
               <a:rPr lang="en-US" smtClean="0"/>
-              <a:t>5/7/2020</a:t>
+              <a:t>5/31/2020</a:t>
             </a:fld>
             <a:endParaRPr lang="en-US"/>
           </a:p>
@@ -3027,7 +3027,7 @@
           <a:p>
             <a:fld id="{19B6766A-8FD1-4A76-8D41-2F10BEB35D78}" type="datetime1">
               <a:rPr lang="en-US" smtClean="0"/>
-              <a:t>5/7/2020</a:t>
+              <a:t>5/31/2020</a:t>
             </a:fld>
             <a:endParaRPr lang="en-US"/>
           </a:p>
@@ -3830,7 +3830,7 @@
             </a:r>
             <a:r>
               <a:rPr lang="en-US" dirty="0"/>
-              <a:t> folder, edit the C++ console application to return all of the modes of a list   </a:t>
+              <a:t> folder, edit the C++ console application to return all of the modes of a list</a:t>
             </a:r>
           </a:p>
           <a:p>
@@ -4070,8 +4070,8 @@
           <a:chExt cx="0" cy="0"/>
         </a:xfrm>
       </p:grpSpPr>
-      <mc:AlternateContent xmlns:mc="http://schemas.openxmlformats.org/markup-compatibility/2006">
-        <mc:Choice xmlns:a14="http://schemas.microsoft.com/office/drawing/2010/main" Requires="a14">
+      <mc:AlternateContent xmlns:mc="http://schemas.openxmlformats.org/markup-compatibility/2006" xmlns:a14="http://schemas.microsoft.com/office/drawing/2010/main">
+        <mc:Choice Requires="a14">
           <p:sp>
             <p:nvSpPr>
               <p:cNvPr id="22" name="TextBox 21">
@@ -4365,7 +4365,7 @@
             </p:txBody>
           </p:sp>
         </mc:Choice>
-        <mc:Fallback>
+        <mc:Fallback xmlns="">
           <p:sp>
             <p:nvSpPr>
               <p:cNvPr id="22" name="TextBox 21">
@@ -4610,8 +4610,8 @@
           <a:chExt cx="0" cy="0"/>
         </a:xfrm>
       </p:grpSpPr>
-      <mc:AlternateContent xmlns:mc="http://schemas.openxmlformats.org/markup-compatibility/2006">
-        <mc:Choice xmlns:a14="http://schemas.microsoft.com/office/drawing/2010/main" Requires="a14">
+      <mc:AlternateContent xmlns:mc="http://schemas.openxmlformats.org/markup-compatibility/2006" xmlns:a14="http://schemas.microsoft.com/office/drawing/2010/main">
+        <mc:Choice Requires="a14">
           <p:sp>
             <p:nvSpPr>
               <p:cNvPr id="22" name="TextBox 21">
@@ -4782,7 +4782,7 @@
             </p:txBody>
           </p:sp>
         </mc:Choice>
-        <mc:Fallback>
+        <mc:Fallback xmlns="">
           <p:sp>
             <p:nvSpPr>
               <p:cNvPr id="22" name="TextBox 21">
@@ -4937,8 +4937,8 @@
           </a:p>
         </p:txBody>
       </p:sp>
-      <mc:AlternateContent xmlns:mc="http://schemas.openxmlformats.org/markup-compatibility/2006" xmlns:a14="http://schemas.microsoft.com/office/drawing/2010/main">
-        <mc:Choice Requires="a14">
+      <mc:AlternateContent xmlns:mc="http://schemas.openxmlformats.org/markup-compatibility/2006">
+        <mc:Choice xmlns:a14="http://schemas.microsoft.com/office/drawing/2010/main" Requires="a14">
           <p:sp>
             <p:nvSpPr>
               <p:cNvPr id="3" name="TextBox 2">
@@ -4953,8 +4953,8 @@
             </p:nvSpPr>
             <p:spPr>
               <a:xfrm>
-                <a:off x="5836766" y="1380596"/>
-                <a:ext cx="2434064" cy="309637"/>
+                <a:off x="5492858" y="1320786"/>
+                <a:ext cx="3103607" cy="309637"/>
               </a:xfrm>
               <a:prstGeom prst="rect">
                 <a:avLst/>
@@ -5041,6 +5041,38 @@
                           </m:r>
                         </m:e>
                       </m:rad>
+                      <m:r>
+                        <a:rPr lang="en-US" b="0" i="1" smtClean="0">
+                          <a:latin typeface="Cambria Math" panose="02040503050406030204" pitchFamily="18" charset="0"/>
+                        </a:rPr>
+                        <m:t>=</m:t>
+                      </m:r>
+                      <m:f>
+                        <m:fPr>
+                          <m:type m:val="lin"/>
+                          <m:ctrlPr>
+                            <a:rPr lang="en-US" b="0" i="1" smtClean="0">
+                              <a:latin typeface="Cambria Math" panose="02040503050406030204" pitchFamily="18" charset="0"/>
+                            </a:rPr>
+                          </m:ctrlPr>
+                        </m:fPr>
+                        <m:num>
+                          <m:r>
+                            <a:rPr lang="en-US" b="0" i="1" smtClean="0">
+                              <a:latin typeface="Cambria Math" panose="02040503050406030204" pitchFamily="18" charset="0"/>
+                            </a:rPr>
+                            <m:t>𝑠</m:t>
+                          </m:r>
+                        </m:num>
+                        <m:den>
+                          <m:r>
+                            <a:rPr lang="en-US" b="0" i="1" smtClean="0">
+                              <a:latin typeface="Cambria Math" panose="02040503050406030204" pitchFamily="18" charset="0"/>
+                            </a:rPr>
+                            <m:t>2</m:t>
+                          </m:r>
+                        </m:den>
+                      </m:f>
                     </m:oMath>
                   </m:oMathPara>
                 </a14:m>
@@ -5049,7 +5081,7 @@
             </p:txBody>
           </p:sp>
         </mc:Choice>
-        <mc:Fallback xmlns="">
+        <mc:Fallback>
           <p:sp>
             <p:nvSpPr>
               <p:cNvPr id="3" name="TextBox 2">
@@ -5066,8 +5098,8 @@
             </p:nvSpPr>
             <p:spPr>
               <a:xfrm>
-                <a:off x="5836766" y="1380596"/>
-                <a:ext cx="2434064" cy="309637"/>
+                <a:off x="5492858" y="1320786"/>
+                <a:ext cx="3103607" cy="309637"/>
               </a:xfrm>
               <a:prstGeom prst="rect">
                 <a:avLst/>
@@ -5075,7 +5107,7 @@
               <a:blipFill>
                 <a:blip r:embed="rId3"/>
                 <a:stretch>
-                  <a:fillRect l="-1000" r="-1750" b="-31373"/>
+                  <a:fillRect l="-589" t="-146000" r="-18271" b="-232000"/>
                 </a:stretch>
               </a:blipFill>
             </p:spPr>
@@ -6736,6 +6768,93 @@
           </p:sp>
         </mc:Fallback>
       </mc:AlternateContent>
+      <p:pic>
+        <p:nvPicPr>
+          <p:cNvPr id="5" name="Picture 4">
+            <a:extLst>
+              <a:ext uri="{FF2B5EF4-FFF2-40B4-BE49-F238E27FC236}">
+                <a16:creationId xmlns:a16="http://schemas.microsoft.com/office/drawing/2014/main" id="{C48682A9-764B-4EFA-BF5A-6FC404E175EE}"/>
+              </a:ext>
+            </a:extLst>
+          </p:cNvPr>
+          <p:cNvPicPr>
+            <a:picLocks noChangeAspect="1"/>
+          </p:cNvPicPr>
+          <p:nvPr/>
+        </p:nvPicPr>
+        <p:blipFill>
+          <a:blip r:embed="rId11"/>
+          <a:stretch>
+            <a:fillRect/>
+          </a:stretch>
+        </p:blipFill>
+        <p:spPr>
+          <a:xfrm>
+            <a:off x="1497174" y="5914643"/>
+            <a:ext cx="2282160" cy="441708"/>
+          </a:xfrm>
+          <a:prstGeom prst="rect">
+            <a:avLst/>
+          </a:prstGeom>
+          <a:ln>
+            <a:solidFill>
+              <a:schemeClr val="tx1"/>
+            </a:solidFill>
+          </a:ln>
+        </p:spPr>
+      </p:pic>
+      <p:sp>
+        <p:nvSpPr>
+          <p:cNvPr id="6" name="Rectangle 5">
+            <a:extLst>
+              <a:ext uri="{FF2B5EF4-FFF2-40B4-BE49-F238E27FC236}">
+                <a16:creationId xmlns:a16="http://schemas.microsoft.com/office/drawing/2014/main" id="{B075C5D1-DEC3-4AFB-8A30-52F16AF49DF6}"/>
+              </a:ext>
+            </a:extLst>
+          </p:cNvPr>
+          <p:cNvSpPr/>
+          <p:nvPr/>
+        </p:nvSpPr>
+        <p:spPr>
+          <a:xfrm>
+            <a:off x="6894871" y="5757971"/>
+            <a:ext cx="1328382" cy="695593"/>
+          </a:xfrm>
+          <a:prstGeom prst="rect">
+            <a:avLst/>
+          </a:prstGeom>
+          <a:noFill/>
+          <a:ln w="28575">
+            <a:solidFill>
+              <a:srgbClr val="FF0000"/>
+            </a:solidFill>
+          </a:ln>
+        </p:spPr>
+        <p:style>
+          <a:lnRef idx="2">
+            <a:schemeClr val="accent1">
+              <a:shade val="50000"/>
+            </a:schemeClr>
+          </a:lnRef>
+          <a:fillRef idx="1">
+            <a:schemeClr val="accent1"/>
+          </a:fillRef>
+          <a:effectRef idx="0">
+            <a:schemeClr val="accent1"/>
+          </a:effectRef>
+          <a:fontRef idx="minor">
+            <a:schemeClr val="lt1"/>
+          </a:fontRef>
+        </p:style>
+        <p:txBody>
+          <a:bodyPr rtlCol="0" anchor="ctr"/>
+          <a:lstStyle/>
+          <a:p>
+            <a:pPr algn="ctr"/>
+            <a:endParaRPr lang="en-US"/>
+          </a:p>
+        </p:txBody>
+      </p:sp>
     </p:spTree>
     <p:extLst>
       <p:ext uri="{BB962C8B-B14F-4D97-AF65-F5344CB8AC3E}">
@@ -8566,15 +8685,21 @@
             </a:r>
             <a:r>
               <a:rPr lang="en-US" sz="1600" dirty="0"/>
-              <a:t> of the median of the three passed in </a:t>
-            </a:r>
-            <a:r>
-              <a:rPr lang="en-US" sz="1600" u="sng" dirty="0"/>
-              <a:t>values</a:t>
-            </a:r>
+              <a:t> </a:t>
+            </a:r>
+          </a:p>
+          <a:p>
             <a:r>
               <a:rPr lang="en-US" sz="1600" dirty="0"/>
-              <a:t> of a, b, and c</a:t>
+              <a:t>(ai, bi, or ci) corresponding to the </a:t>
+            </a:r>
+            <a:r>
+              <a:rPr lang="en-US" sz="1600" b="1" dirty="0"/>
+              <a:t>median</a:t>
+            </a:r>
+            <a:r>
+              <a:rPr lang="en-US" sz="1600" dirty="0"/>
+              <a:t> of the three values (a, b, or c)</a:t>
             </a:r>
             <a:endParaRPr lang="en-US" sz="1600" b="1" dirty="0"/>
           </a:p>
@@ -8794,7 +8919,7 @@
         <p:spPr>
           <a:xfrm>
             <a:off x="628650" y="2274838"/>
-            <a:ext cx="3139563" cy="2308324"/>
+            <a:ext cx="3139563" cy="2585323"/>
           </a:xfrm>
           <a:prstGeom prst="rect">
             <a:avLst/>
@@ -8835,7 +8960,7 @@
             </a:r>
             <a:r>
               <a:rPr lang="en-US" dirty="0"/>
-              <a:t> arithmetic (</a:t>
+              <a:t> arithmetic operators (</a:t>
             </a:r>
             <a:r>
               <a:rPr lang="en-US" b="1" i="1" dirty="0"/>
@@ -9398,7 +9523,7 @@
         <p:spPr>
           <a:xfrm>
             <a:off x="480821" y="1692236"/>
-            <a:ext cx="3350362" cy="2031325"/>
+            <a:ext cx="3350362" cy="2308324"/>
           </a:xfrm>
           <a:prstGeom prst="rect">
             <a:avLst/>
@@ -9442,7 +9567,7 @@
           <a:p>
             <a:r>
               <a:rPr lang="en-US" dirty="0"/>
-              <a:t>You must write the correct code for function </a:t>
+              <a:t>You must write the correct code to find the </a:t>
             </a:r>
             <a:r>
               <a:rPr lang="en-US" b="1" dirty="0" err="1"/>
@@ -9450,7 +9575,15 @@
             </a:r>
             <a:r>
               <a:rPr lang="en-US" dirty="0"/>
-              <a:t>()</a:t>
+              <a:t>() for the passed in variable </a:t>
+            </a:r>
+            <a:r>
+              <a:rPr lang="en-US" b="1" dirty="0">
+                <a:solidFill>
+                  <a:srgbClr val="0070C0"/>
+                </a:solidFill>
+              </a:rPr>
+              <a:t>n</a:t>
             </a:r>
           </a:p>
         </p:txBody>

--- a/exam1/Exam 1 Questions.pptx
+++ b/exam1/Exam 1 Questions.pptx
@@ -207,7 +207,7 @@
           <a:p>
             <a:fld id="{ECAAAD59-9D48-48BB-8EF4-798822FFF5A4}" type="datetimeFigureOut">
               <a:rPr lang="en-US" smtClean="0"/>
-              <a:t>5/31/2020</a:t>
+              <a:t>6/7/2020</a:t>
             </a:fld>
             <a:endParaRPr lang="en-US"/>
           </a:p>
@@ -605,7 +605,7 @@
           <a:p>
             <a:fld id="{1618355B-3634-4BC9-81D5-8538227F5BA8}" type="datetime1">
               <a:rPr lang="en-US" smtClean="0"/>
-              <a:t>5/31/2020</a:t>
+              <a:t>6/7/2020</a:t>
             </a:fld>
             <a:endParaRPr lang="en-US"/>
           </a:p>
@@ -784,7 +784,7 @@
           <a:p>
             <a:fld id="{2A2F89F1-48A6-4324-AFD1-3EC079BC4F99}" type="datetime1">
               <a:rPr lang="en-US" smtClean="0"/>
-              <a:t>5/31/2020</a:t>
+              <a:t>6/7/2020</a:t>
             </a:fld>
             <a:endParaRPr lang="en-US"/>
           </a:p>
@@ -973,7 +973,7 @@
           <a:p>
             <a:fld id="{A9F944BD-13BB-4F52-849A-274E079381D0}" type="datetime1">
               <a:rPr lang="en-US" smtClean="0"/>
-              <a:t>5/31/2020</a:t>
+              <a:t>6/7/2020</a:t>
             </a:fld>
             <a:endParaRPr lang="en-US"/>
           </a:p>
@@ -1152,7 +1152,7 @@
           <a:p>
             <a:fld id="{15E020E6-F8D9-4825-A9D6-C37AF1154F69}" type="datetime1">
               <a:rPr lang="en-US" smtClean="0"/>
-              <a:t>5/31/2020</a:t>
+              <a:t>6/7/2020</a:t>
             </a:fld>
             <a:endParaRPr lang="en-US"/>
           </a:p>
@@ -1405,7 +1405,7 @@
           <a:p>
             <a:fld id="{8076DA9F-4F33-47E2-BCB6-74E79BC19394}" type="datetime1">
               <a:rPr lang="en-US" smtClean="0"/>
-              <a:t>5/31/2020</a:t>
+              <a:t>6/7/2020</a:t>
             </a:fld>
             <a:endParaRPr lang="en-US"/>
           </a:p>
@@ -1646,7 +1646,7 @@
           <a:p>
             <a:fld id="{FBAF2370-96AE-4D11-A0C2-121376BBDA55}" type="datetime1">
               <a:rPr lang="en-US" smtClean="0"/>
-              <a:t>5/31/2020</a:t>
+              <a:t>6/7/2020</a:t>
             </a:fld>
             <a:endParaRPr lang="en-US"/>
           </a:p>
@@ -2022,7 +2022,7 @@
           <a:p>
             <a:fld id="{169582F2-1EA8-421C-B8F8-D8CA1E3EFF62}" type="datetime1">
               <a:rPr lang="en-US" smtClean="0"/>
-              <a:t>5/31/2020</a:t>
+              <a:t>6/7/2020</a:t>
             </a:fld>
             <a:endParaRPr lang="en-US"/>
           </a:p>
@@ -2149,7 +2149,7 @@
           <a:p>
             <a:fld id="{A517D7DA-5058-420F-9DBC-85DE61D477C2}" type="datetime1">
               <a:rPr lang="en-US" smtClean="0"/>
-              <a:t>5/31/2020</a:t>
+              <a:t>6/7/2020</a:t>
             </a:fld>
             <a:endParaRPr lang="en-US"/>
           </a:p>
@@ -2253,7 +2253,7 @@
           <a:p>
             <a:fld id="{8FFB225B-7C69-40F3-B61C-519BFAC1134E}" type="datetime1">
               <a:rPr lang="en-US" smtClean="0"/>
-              <a:t>5/31/2020</a:t>
+              <a:t>6/7/2020</a:t>
             </a:fld>
             <a:endParaRPr lang="en-US"/>
           </a:p>
@@ -2539,7 +2539,7 @@
           <a:p>
             <a:fld id="{ECAE7071-FDDA-440A-98D6-E8E6F92A50F1}" type="datetime1">
               <a:rPr lang="en-US" smtClean="0"/>
-              <a:t>5/31/2020</a:t>
+              <a:t>6/7/2020</a:t>
             </a:fld>
             <a:endParaRPr lang="en-US"/>
           </a:p>
@@ -2805,7 +2805,7 @@
           <a:p>
             <a:fld id="{AC5FFC63-6CD2-42EF-9476-C30364AABDD9}" type="datetime1">
               <a:rPr lang="en-US" smtClean="0"/>
-              <a:t>5/31/2020</a:t>
+              <a:t>6/7/2020</a:t>
             </a:fld>
             <a:endParaRPr lang="en-US"/>
           </a:p>
@@ -3027,7 +3027,7 @@
           <a:p>
             <a:fld id="{19B6766A-8FD1-4A76-8D41-2F10BEB35D78}" type="datetime1">
               <a:rPr lang="en-US" smtClean="0"/>
-              <a:t>5/31/2020</a:t>
+              <a:t>6/7/2020</a:t>
             </a:fld>
             <a:endParaRPr lang="en-US"/>
           </a:p>
@@ -4937,8 +4937,8 @@
           </a:p>
         </p:txBody>
       </p:sp>
-      <mc:AlternateContent xmlns:mc="http://schemas.openxmlformats.org/markup-compatibility/2006">
-        <mc:Choice xmlns:a14="http://schemas.microsoft.com/office/drawing/2010/main" Requires="a14">
+      <mc:AlternateContent xmlns:mc="http://schemas.openxmlformats.org/markup-compatibility/2006" xmlns:a14="http://schemas.microsoft.com/office/drawing/2010/main">
+        <mc:Choice Requires="a14">
           <p:sp>
             <p:nvSpPr>
               <p:cNvPr id="3" name="TextBox 2">
@@ -5081,7 +5081,7 @@
             </p:txBody>
           </p:sp>
         </mc:Choice>
-        <mc:Fallback>
+        <mc:Fallback xmlns="">
           <p:sp>
             <p:nvSpPr>
               <p:cNvPr id="3" name="TextBox 2">
@@ -6885,6 +6885,839 @@
           <a:chExt cx="0" cy="0"/>
         </a:xfrm>
       </p:grpSpPr>
+      <p:pic>
+        <p:nvPicPr>
+          <p:cNvPr id="5" name="Picture 4">
+            <a:extLst>
+              <a:ext uri="{FF2B5EF4-FFF2-40B4-BE49-F238E27FC236}">
+                <a16:creationId xmlns:a16="http://schemas.microsoft.com/office/drawing/2014/main" id="{A46ECFDE-0364-4174-96FC-04347BB101E3}"/>
+              </a:ext>
+            </a:extLst>
+          </p:cNvPr>
+          <p:cNvPicPr>
+            <a:picLocks noChangeAspect="1"/>
+          </p:cNvPicPr>
+          <p:nvPr/>
+        </p:nvPicPr>
+        <p:blipFill>
+          <a:blip r:embed="rId2"/>
+          <a:stretch>
+            <a:fillRect/>
+          </a:stretch>
+        </p:blipFill>
+        <p:spPr>
+          <a:xfrm>
+            <a:off x="4267844" y="1646582"/>
+            <a:ext cx="3130320" cy="1920878"/>
+          </a:xfrm>
+          <a:prstGeom prst="rect">
+            <a:avLst/>
+          </a:prstGeom>
+        </p:spPr>
+      </p:pic>
+      <p:cxnSp>
+        <p:nvCxnSpPr>
+          <p:cNvPr id="7" name="Straight Connector 6">
+            <a:extLst>
+              <a:ext uri="{FF2B5EF4-FFF2-40B4-BE49-F238E27FC236}">
+                <a16:creationId xmlns:a16="http://schemas.microsoft.com/office/drawing/2014/main" id="{A36CEFC8-D716-4724-91F5-D5C322689B3F}"/>
+              </a:ext>
+            </a:extLst>
+          </p:cNvPr>
+          <p:cNvCxnSpPr>
+            <a:cxnSpLocks/>
+          </p:cNvCxnSpPr>
+          <p:nvPr/>
+        </p:nvCxnSpPr>
+        <p:spPr>
+          <a:xfrm>
+            <a:off x="5236707" y="2883694"/>
+            <a:ext cx="0" cy="495299"/>
+          </a:xfrm>
+          <a:prstGeom prst="line">
+            <a:avLst/>
+          </a:prstGeom>
+          <a:ln w="12700">
+            <a:solidFill>
+              <a:schemeClr val="tx1"/>
+            </a:solidFill>
+            <a:prstDash val="solid"/>
+          </a:ln>
+        </p:spPr>
+        <p:style>
+          <a:lnRef idx="1">
+            <a:schemeClr val="accent1"/>
+          </a:lnRef>
+          <a:fillRef idx="0">
+            <a:schemeClr val="accent1"/>
+          </a:fillRef>
+          <a:effectRef idx="0">
+            <a:schemeClr val="accent1"/>
+          </a:effectRef>
+          <a:fontRef idx="minor">
+            <a:schemeClr val="tx1"/>
+          </a:fontRef>
+        </p:style>
+      </p:cxnSp>
+      <p:cxnSp>
+        <p:nvCxnSpPr>
+          <p:cNvPr id="13" name="Straight Connector 12">
+            <a:extLst>
+              <a:ext uri="{FF2B5EF4-FFF2-40B4-BE49-F238E27FC236}">
+                <a16:creationId xmlns:a16="http://schemas.microsoft.com/office/drawing/2014/main" id="{AB847FE3-5855-4FEF-86DA-7DFF52E9481B}"/>
+              </a:ext>
+            </a:extLst>
+          </p:cNvPr>
+          <p:cNvCxnSpPr>
+            <a:cxnSpLocks/>
+          </p:cNvCxnSpPr>
+          <p:nvPr/>
+        </p:nvCxnSpPr>
+        <p:spPr>
+          <a:xfrm>
+            <a:off x="6852783" y="2028825"/>
+            <a:ext cx="0" cy="1350168"/>
+          </a:xfrm>
+          <a:prstGeom prst="line">
+            <a:avLst/>
+          </a:prstGeom>
+          <a:ln w="12700">
+            <a:solidFill>
+              <a:schemeClr val="tx1"/>
+            </a:solidFill>
+            <a:prstDash val="solid"/>
+          </a:ln>
+        </p:spPr>
+        <p:style>
+          <a:lnRef idx="1">
+            <a:schemeClr val="accent1"/>
+          </a:lnRef>
+          <a:fillRef idx="0">
+            <a:schemeClr val="accent1"/>
+          </a:fillRef>
+          <a:effectRef idx="0">
+            <a:schemeClr val="accent1"/>
+          </a:effectRef>
+          <a:fontRef idx="minor">
+            <a:schemeClr val="tx1"/>
+          </a:fontRef>
+        </p:style>
+      </p:cxnSp>
+      <p:cxnSp>
+        <p:nvCxnSpPr>
+          <p:cNvPr id="16" name="Straight Connector 15">
+            <a:extLst>
+              <a:ext uri="{FF2B5EF4-FFF2-40B4-BE49-F238E27FC236}">
+                <a16:creationId xmlns:a16="http://schemas.microsoft.com/office/drawing/2014/main" id="{1949B656-A905-4EB2-B102-C55B6AD52ABD}"/>
+              </a:ext>
+            </a:extLst>
+          </p:cNvPr>
+          <p:cNvCxnSpPr>
+            <a:cxnSpLocks/>
+          </p:cNvCxnSpPr>
+          <p:nvPr/>
+        </p:nvCxnSpPr>
+        <p:spPr>
+          <a:xfrm flipV="1">
+            <a:off x="5236707" y="2883694"/>
+            <a:ext cx="1616075" cy="1"/>
+          </a:xfrm>
+          <a:prstGeom prst="line">
+            <a:avLst/>
+          </a:prstGeom>
+          <a:ln w="28575">
+            <a:solidFill>
+              <a:srgbClr val="00B050"/>
+            </a:solidFill>
+            <a:prstDash val="sysDot"/>
+          </a:ln>
+        </p:spPr>
+        <p:style>
+          <a:lnRef idx="1">
+            <a:schemeClr val="accent1"/>
+          </a:lnRef>
+          <a:fillRef idx="0">
+            <a:schemeClr val="accent1"/>
+          </a:fillRef>
+          <a:effectRef idx="0">
+            <a:schemeClr val="accent1"/>
+          </a:effectRef>
+          <a:fontRef idx="minor">
+            <a:schemeClr val="tx1"/>
+          </a:fontRef>
+        </p:style>
+      </p:cxnSp>
+      <p:sp>
+        <p:nvSpPr>
+          <p:cNvPr id="6" name="Arrow: Curved Left 5">
+            <a:extLst>
+              <a:ext uri="{FF2B5EF4-FFF2-40B4-BE49-F238E27FC236}">
+                <a16:creationId xmlns:a16="http://schemas.microsoft.com/office/drawing/2014/main" id="{9E9E81E4-15E3-4B98-AB24-A662A2336D41}"/>
+              </a:ext>
+            </a:extLst>
+          </p:cNvPr>
+          <p:cNvSpPr/>
+          <p:nvPr/>
+        </p:nvSpPr>
+        <p:spPr>
+          <a:xfrm>
+            <a:off x="6852782" y="2028825"/>
+            <a:ext cx="269860" cy="913478"/>
+          </a:xfrm>
+          <a:prstGeom prst="curvedLeftArrow">
+            <a:avLst/>
+          </a:prstGeom>
+        </p:spPr>
+        <p:style>
+          <a:lnRef idx="2">
+            <a:schemeClr val="accent1">
+              <a:shade val="50000"/>
+            </a:schemeClr>
+          </a:lnRef>
+          <a:fillRef idx="1">
+            <a:schemeClr val="accent1"/>
+          </a:fillRef>
+          <a:effectRef idx="0">
+            <a:schemeClr val="accent1"/>
+          </a:effectRef>
+          <a:fontRef idx="minor">
+            <a:schemeClr val="lt1"/>
+          </a:fontRef>
+        </p:style>
+        <p:txBody>
+          <a:bodyPr rtlCol="0" anchor="ctr"/>
+          <a:lstStyle/>
+          <a:p>
+            <a:pPr algn="ctr"/>
+            <a:endParaRPr lang="en-US">
+              <a:solidFill>
+                <a:schemeClr val="tx1"/>
+              </a:solidFill>
+            </a:endParaRPr>
+          </a:p>
+        </p:txBody>
+      </p:sp>
+      <mc:AlternateContent xmlns:mc="http://schemas.openxmlformats.org/markup-compatibility/2006">
+        <mc:Choice xmlns:a14="http://schemas.microsoft.com/office/drawing/2010/main" Requires="a14">
+          <p:sp>
+            <p:nvSpPr>
+              <p:cNvPr id="9" name="TextBox 8">
+                <a:extLst>
+                  <a:ext uri="{FF2B5EF4-FFF2-40B4-BE49-F238E27FC236}">
+                    <a16:creationId xmlns:a16="http://schemas.microsoft.com/office/drawing/2014/main" id="{A3F6D461-9EFA-424F-9E48-8E3F99E72932}"/>
+                  </a:ext>
+                </a:extLst>
+              </p:cNvPr>
+              <p:cNvSpPr txBox="1"/>
+              <p:nvPr/>
+            </p:nvSpPr>
+            <p:spPr>
+              <a:xfrm>
+                <a:off x="4751286" y="2411632"/>
+                <a:ext cx="508280" cy="276999"/>
+              </a:xfrm>
+              <a:prstGeom prst="rect">
+                <a:avLst/>
+              </a:prstGeom>
+              <a:noFill/>
+            </p:spPr>
+            <p:txBody>
+              <a:bodyPr wrap="none" lIns="0" tIns="0" rIns="0" bIns="0" rtlCol="0">
+                <a:spAutoFit/>
+              </a:bodyPr>
+              <a:lstStyle/>
+              <a:p>
+                <a14:m>
+                  <m:oMathPara xmlns:m="http://schemas.openxmlformats.org/officeDocument/2006/math">
+                    <m:oMathParaPr>
+                      <m:jc m:val="centerGroup"/>
+                    </m:oMathParaPr>
+                    <m:oMath xmlns:m="http://schemas.openxmlformats.org/officeDocument/2006/math">
+                      <m:r>
+                        <a:rPr lang="en-US" b="0" i="1" smtClean="0">
+                          <a:latin typeface="Cambria Math" panose="02040503050406030204" pitchFamily="18" charset="0"/>
+                        </a:rPr>
+                        <m:t>𝑓</m:t>
+                      </m:r>
+                      <m:d>
+                        <m:dPr>
+                          <m:ctrlPr>
+                            <a:rPr lang="en-US" i="1" smtClean="0">
+                              <a:latin typeface="Cambria Math" panose="02040503050406030204" pitchFamily="18" charset="0"/>
+                            </a:rPr>
+                          </m:ctrlPr>
+                        </m:dPr>
+                        <m:e>
+                          <m:r>
+                            <a:rPr lang="en-US" b="0" i="1" smtClean="0">
+                              <a:latin typeface="Cambria Math" panose="02040503050406030204" pitchFamily="18" charset="0"/>
+                            </a:rPr>
+                            <m:t>𝑥</m:t>
+                          </m:r>
+                        </m:e>
+                      </m:d>
+                    </m:oMath>
+                  </m:oMathPara>
+                </a14:m>
+                <a:endParaRPr lang="en-US" dirty="0"/>
+              </a:p>
+            </p:txBody>
+          </p:sp>
+        </mc:Choice>
+        <mc:Fallback>
+          <p:sp>
+            <p:nvSpPr>
+              <p:cNvPr id="9" name="TextBox 8">
+                <a:extLst>
+                  <a:ext uri="{FF2B5EF4-FFF2-40B4-BE49-F238E27FC236}">
+                    <a16:creationId xmlns:a16="http://schemas.microsoft.com/office/drawing/2014/main" id="{A3F6D461-9EFA-424F-9E48-8E3F99E72932}"/>
+                  </a:ext>
+                </a:extLst>
+              </p:cNvPr>
+              <p:cNvSpPr txBox="1">
+                <a:spLocks noRot="1" noChangeAspect="1" noMove="1" noResize="1" noEditPoints="1" noAdjustHandles="1" noChangeArrowheads="1" noChangeShapeType="1" noTextEdit="1"/>
+              </p:cNvSpPr>
+              <p:nvPr/>
+            </p:nvSpPr>
+            <p:spPr>
+              <a:xfrm>
+                <a:off x="4751286" y="2411632"/>
+                <a:ext cx="508280" cy="276999"/>
+              </a:xfrm>
+              <a:prstGeom prst="rect">
+                <a:avLst/>
+              </a:prstGeom>
+              <a:blipFill>
+                <a:blip r:embed="rId3"/>
+                <a:stretch>
+                  <a:fillRect l="-15476" t="-4444" b="-35556"/>
+                </a:stretch>
+              </a:blipFill>
+            </p:spPr>
+            <p:txBody>
+              <a:bodyPr/>
+              <a:lstStyle/>
+              <a:p>
+                <a:r>
+                  <a:rPr lang="en-US">
+                    <a:noFill/>
+                  </a:rPr>
+                  <a:t> </a:t>
+                </a:r>
+              </a:p>
+            </p:txBody>
+          </p:sp>
+        </mc:Fallback>
+      </mc:AlternateContent>
+      <p:sp>
+        <p:nvSpPr>
+          <p:cNvPr id="10" name="Oval 9">
+            <a:extLst>
+              <a:ext uri="{FF2B5EF4-FFF2-40B4-BE49-F238E27FC236}">
+                <a16:creationId xmlns:a16="http://schemas.microsoft.com/office/drawing/2014/main" id="{1C0FEB90-55BF-4B16-8C76-19F156F6333B}"/>
+              </a:ext>
+            </a:extLst>
+          </p:cNvPr>
+          <p:cNvSpPr/>
+          <p:nvPr/>
+        </p:nvSpPr>
+        <p:spPr>
+          <a:xfrm>
+            <a:off x="5187709" y="2836494"/>
+            <a:ext cx="91440" cy="91440"/>
+          </a:xfrm>
+          <a:prstGeom prst="ellipse">
+            <a:avLst/>
+          </a:prstGeom>
+          <a:solidFill>
+            <a:srgbClr val="FF0000"/>
+          </a:solidFill>
+          <a:ln>
+            <a:solidFill>
+              <a:srgbClr val="FF0000"/>
+            </a:solidFill>
+          </a:ln>
+        </p:spPr>
+        <p:style>
+          <a:lnRef idx="2">
+            <a:schemeClr val="accent1">
+              <a:shade val="50000"/>
+            </a:schemeClr>
+          </a:lnRef>
+          <a:fillRef idx="1">
+            <a:schemeClr val="accent1"/>
+          </a:fillRef>
+          <a:effectRef idx="0">
+            <a:schemeClr val="accent1"/>
+          </a:effectRef>
+          <a:fontRef idx="minor">
+            <a:schemeClr val="lt1"/>
+          </a:fontRef>
+        </p:style>
+        <p:txBody>
+          <a:bodyPr rtlCol="0" anchor="ctr"/>
+          <a:lstStyle/>
+          <a:p>
+            <a:pPr algn="ctr"/>
+            <a:endParaRPr lang="en-US"/>
+          </a:p>
+        </p:txBody>
+      </p:sp>
+      <p:sp>
+        <p:nvSpPr>
+          <p:cNvPr id="24" name="Oval 23">
+            <a:extLst>
+              <a:ext uri="{FF2B5EF4-FFF2-40B4-BE49-F238E27FC236}">
+                <a16:creationId xmlns:a16="http://schemas.microsoft.com/office/drawing/2014/main" id="{02677FB4-2E70-4783-92FA-FED9A289769E}"/>
+              </a:ext>
+            </a:extLst>
+          </p:cNvPr>
+          <p:cNvSpPr/>
+          <p:nvPr/>
+        </p:nvSpPr>
+        <p:spPr>
+          <a:xfrm>
+            <a:off x="6804871" y="1980045"/>
+            <a:ext cx="91440" cy="91440"/>
+          </a:xfrm>
+          <a:prstGeom prst="ellipse">
+            <a:avLst/>
+          </a:prstGeom>
+          <a:solidFill>
+            <a:srgbClr val="FF0000"/>
+          </a:solidFill>
+          <a:ln>
+            <a:solidFill>
+              <a:srgbClr val="FF0000"/>
+            </a:solidFill>
+          </a:ln>
+        </p:spPr>
+        <p:style>
+          <a:lnRef idx="2">
+            <a:schemeClr val="accent1">
+              <a:shade val="50000"/>
+            </a:schemeClr>
+          </a:lnRef>
+          <a:fillRef idx="1">
+            <a:schemeClr val="accent1"/>
+          </a:fillRef>
+          <a:effectRef idx="0">
+            <a:schemeClr val="accent1"/>
+          </a:effectRef>
+          <a:fontRef idx="minor">
+            <a:schemeClr val="lt1"/>
+          </a:fontRef>
+        </p:style>
+        <p:txBody>
+          <a:bodyPr rtlCol="0" anchor="ctr"/>
+          <a:lstStyle/>
+          <a:p>
+            <a:pPr algn="ctr"/>
+            <a:endParaRPr lang="en-US"/>
+          </a:p>
+        </p:txBody>
+      </p:sp>
+      <mc:AlternateContent xmlns:mc="http://schemas.openxmlformats.org/markup-compatibility/2006">
+        <mc:Choice xmlns:a14="http://schemas.microsoft.com/office/drawing/2010/main" Requires="a14">
+          <p:sp>
+            <p:nvSpPr>
+              <p:cNvPr id="25" name="TextBox 24">
+                <a:extLst>
+                  <a:ext uri="{FF2B5EF4-FFF2-40B4-BE49-F238E27FC236}">
+                    <a16:creationId xmlns:a16="http://schemas.microsoft.com/office/drawing/2014/main" id="{094563E8-18BE-4CEC-9EC6-F25B7AC1B6F3}"/>
+                  </a:ext>
+                </a:extLst>
+              </p:cNvPr>
+              <p:cNvSpPr txBox="1"/>
+              <p:nvPr/>
+            </p:nvSpPr>
+            <p:spPr>
+              <a:xfrm>
+                <a:off x="5777645" y="1569227"/>
+                <a:ext cx="1052276" cy="276999"/>
+              </a:xfrm>
+              <a:prstGeom prst="rect">
+                <a:avLst/>
+              </a:prstGeom>
+              <a:noFill/>
+            </p:spPr>
+            <p:txBody>
+              <a:bodyPr wrap="none" lIns="0" tIns="0" rIns="0" bIns="0" rtlCol="0">
+                <a:spAutoFit/>
+              </a:bodyPr>
+              <a:lstStyle/>
+              <a:p>
+                <a14:m>
+                  <m:oMathPara xmlns:m="http://schemas.openxmlformats.org/officeDocument/2006/math">
+                    <m:oMathParaPr>
+                      <m:jc m:val="centerGroup"/>
+                    </m:oMathParaPr>
+                    <m:oMath xmlns:m="http://schemas.openxmlformats.org/officeDocument/2006/math">
+                      <m:r>
+                        <a:rPr lang="en-US" b="0" i="1" smtClean="0">
+                          <a:latin typeface="Cambria Math" panose="02040503050406030204" pitchFamily="18" charset="0"/>
+                        </a:rPr>
+                        <m:t>𝑓</m:t>
+                      </m:r>
+                      <m:d>
+                        <m:dPr>
+                          <m:ctrlPr>
+                            <a:rPr lang="en-US" i="1" smtClean="0">
+                              <a:latin typeface="Cambria Math" panose="02040503050406030204" pitchFamily="18" charset="0"/>
+                            </a:rPr>
+                          </m:ctrlPr>
+                        </m:dPr>
+                        <m:e>
+                          <m:r>
+                            <a:rPr lang="en-US" b="0" i="1" smtClean="0">
+                              <a:latin typeface="Cambria Math" panose="02040503050406030204" pitchFamily="18" charset="0"/>
+                            </a:rPr>
+                            <m:t>𝑥</m:t>
+                          </m:r>
+                          <m:r>
+                            <a:rPr lang="en-US" b="0" i="1" smtClean="0">
+                              <a:latin typeface="Cambria Math" panose="02040503050406030204" pitchFamily="18" charset="0"/>
+                            </a:rPr>
+                            <m:t>+</m:t>
+                          </m:r>
+                          <m:r>
+                            <m:rPr>
+                              <m:sty m:val="p"/>
+                            </m:rPr>
+                            <a:rPr lang="el-GR" b="0" i="1" smtClean="0">
+                              <a:latin typeface="Cambria Math" panose="02040503050406030204" pitchFamily="18" charset="0"/>
+                              <a:ea typeface="Cambria Math" panose="02040503050406030204" pitchFamily="18" charset="0"/>
+                            </a:rPr>
+                            <m:t>Δ</m:t>
+                          </m:r>
+                          <m:r>
+                            <a:rPr lang="en-US" b="0" i="1" smtClean="0">
+                              <a:latin typeface="Cambria Math" panose="02040503050406030204" pitchFamily="18" charset="0"/>
+                              <a:ea typeface="Cambria Math" panose="02040503050406030204" pitchFamily="18" charset="0"/>
+                            </a:rPr>
+                            <m:t>𝑥</m:t>
+                          </m:r>
+                        </m:e>
+                      </m:d>
+                    </m:oMath>
+                  </m:oMathPara>
+                </a14:m>
+                <a:endParaRPr lang="en-US" dirty="0"/>
+              </a:p>
+            </p:txBody>
+          </p:sp>
+        </mc:Choice>
+        <mc:Fallback>
+          <p:sp>
+            <p:nvSpPr>
+              <p:cNvPr id="25" name="TextBox 24">
+                <a:extLst>
+                  <a:ext uri="{FF2B5EF4-FFF2-40B4-BE49-F238E27FC236}">
+                    <a16:creationId xmlns:a16="http://schemas.microsoft.com/office/drawing/2014/main" id="{094563E8-18BE-4CEC-9EC6-F25B7AC1B6F3}"/>
+                  </a:ext>
+                </a:extLst>
+              </p:cNvPr>
+              <p:cNvSpPr txBox="1">
+                <a:spLocks noRot="1" noChangeAspect="1" noMove="1" noResize="1" noEditPoints="1" noAdjustHandles="1" noChangeArrowheads="1" noChangeShapeType="1" noTextEdit="1"/>
+              </p:cNvSpPr>
+              <p:nvPr/>
+            </p:nvSpPr>
+            <p:spPr>
+              <a:xfrm>
+                <a:off x="5777645" y="1569227"/>
+                <a:ext cx="1052276" cy="276999"/>
+              </a:xfrm>
+              <a:prstGeom prst="rect">
+                <a:avLst/>
+              </a:prstGeom>
+              <a:blipFill>
+                <a:blip r:embed="rId4"/>
+                <a:stretch>
+                  <a:fillRect l="-7558" t="-2174" b="-32609"/>
+                </a:stretch>
+              </a:blipFill>
+            </p:spPr>
+            <p:txBody>
+              <a:bodyPr/>
+              <a:lstStyle/>
+              <a:p>
+                <a:r>
+                  <a:rPr lang="en-US">
+                    <a:noFill/>
+                  </a:rPr>
+                  <a:t> </a:t>
+                </a:r>
+              </a:p>
+            </p:txBody>
+          </p:sp>
+        </mc:Fallback>
+      </mc:AlternateContent>
+      <p:cxnSp>
+        <p:nvCxnSpPr>
+          <p:cNvPr id="12" name="Straight Arrow Connector 11">
+            <a:extLst>
+              <a:ext uri="{FF2B5EF4-FFF2-40B4-BE49-F238E27FC236}">
+                <a16:creationId xmlns:a16="http://schemas.microsoft.com/office/drawing/2014/main" id="{3FA0B86F-6F47-49C0-B52D-D1EAFADDFE39}"/>
+              </a:ext>
+            </a:extLst>
+          </p:cNvPr>
+          <p:cNvCxnSpPr>
+            <a:cxnSpLocks/>
+            <a:stCxn id="9" idx="2"/>
+            <a:endCxn id="10" idx="1"/>
+          </p:cNvCxnSpPr>
+          <p:nvPr/>
+        </p:nvCxnSpPr>
+        <p:spPr>
+          <a:xfrm>
+            <a:off x="5005426" y="2688631"/>
+            <a:ext cx="195674" cy="161254"/>
+          </a:xfrm>
+          <a:prstGeom prst="straightConnector1">
+            <a:avLst/>
+          </a:prstGeom>
+          <a:ln>
+            <a:solidFill>
+              <a:srgbClr val="FF0000"/>
+            </a:solidFill>
+            <a:tailEnd type="triangle"/>
+          </a:ln>
+        </p:spPr>
+        <p:style>
+          <a:lnRef idx="1">
+            <a:schemeClr val="accent1"/>
+          </a:lnRef>
+          <a:fillRef idx="0">
+            <a:schemeClr val="accent1"/>
+          </a:fillRef>
+          <a:effectRef idx="0">
+            <a:schemeClr val="accent1"/>
+          </a:effectRef>
+          <a:fontRef idx="minor">
+            <a:schemeClr val="tx1"/>
+          </a:fontRef>
+        </p:style>
+      </p:cxnSp>
+      <p:cxnSp>
+        <p:nvCxnSpPr>
+          <p:cNvPr id="27" name="Straight Arrow Connector 26">
+            <a:extLst>
+              <a:ext uri="{FF2B5EF4-FFF2-40B4-BE49-F238E27FC236}">
+                <a16:creationId xmlns:a16="http://schemas.microsoft.com/office/drawing/2014/main" id="{526998A1-1333-44B8-85C3-A36FFD4E58B4}"/>
+              </a:ext>
+            </a:extLst>
+          </p:cNvPr>
+          <p:cNvCxnSpPr>
+            <a:cxnSpLocks/>
+            <a:endCxn id="24" idx="1"/>
+          </p:cNvCxnSpPr>
+          <p:nvPr/>
+        </p:nvCxnSpPr>
+        <p:spPr>
+          <a:xfrm>
+            <a:off x="6328607" y="1839362"/>
+            <a:ext cx="489655" cy="154074"/>
+          </a:xfrm>
+          <a:prstGeom prst="straightConnector1">
+            <a:avLst/>
+          </a:prstGeom>
+          <a:ln>
+            <a:solidFill>
+              <a:srgbClr val="FF0000"/>
+            </a:solidFill>
+            <a:tailEnd type="triangle"/>
+          </a:ln>
+        </p:spPr>
+        <p:style>
+          <a:lnRef idx="1">
+            <a:schemeClr val="accent1"/>
+          </a:lnRef>
+          <a:fillRef idx="0">
+            <a:schemeClr val="accent1"/>
+          </a:fillRef>
+          <a:effectRef idx="0">
+            <a:schemeClr val="accent1"/>
+          </a:effectRef>
+          <a:fontRef idx="minor">
+            <a:schemeClr val="tx1"/>
+          </a:fontRef>
+        </p:style>
+      </p:cxnSp>
+      <p:cxnSp>
+        <p:nvCxnSpPr>
+          <p:cNvPr id="34" name="Straight Connector 33">
+            <a:extLst>
+              <a:ext uri="{FF2B5EF4-FFF2-40B4-BE49-F238E27FC236}">
+                <a16:creationId xmlns:a16="http://schemas.microsoft.com/office/drawing/2014/main" id="{0C04E1CB-DB9E-486E-81B0-B4A207145148}"/>
+              </a:ext>
+            </a:extLst>
+          </p:cNvPr>
+          <p:cNvCxnSpPr>
+            <a:cxnSpLocks/>
+            <a:stCxn id="24" idx="4"/>
+          </p:cNvCxnSpPr>
+          <p:nvPr/>
+        </p:nvCxnSpPr>
+        <p:spPr>
+          <a:xfrm>
+            <a:off x="6850591" y="2071485"/>
+            <a:ext cx="0" cy="812209"/>
+          </a:xfrm>
+          <a:prstGeom prst="line">
+            <a:avLst/>
+          </a:prstGeom>
+          <a:ln w="28575">
+            <a:solidFill>
+              <a:srgbClr val="FF0000"/>
+            </a:solidFill>
+            <a:prstDash val="sysDot"/>
+          </a:ln>
+        </p:spPr>
+        <p:style>
+          <a:lnRef idx="1">
+            <a:schemeClr val="accent1"/>
+          </a:lnRef>
+          <a:fillRef idx="0">
+            <a:schemeClr val="accent1"/>
+          </a:fillRef>
+          <a:effectRef idx="0">
+            <a:schemeClr val="accent1"/>
+          </a:effectRef>
+          <a:fontRef idx="minor">
+            <a:schemeClr val="tx1"/>
+          </a:fontRef>
+        </p:style>
+      </p:cxnSp>
+      <mc:AlternateContent xmlns:mc="http://schemas.openxmlformats.org/markup-compatibility/2006">
+        <mc:Choice xmlns:a14="http://schemas.microsoft.com/office/drawing/2010/main" Requires="a14">
+          <p:sp>
+            <p:nvSpPr>
+              <p:cNvPr id="28" name="Rectangle 27">
+                <a:extLst>
+                  <a:ext uri="{FF2B5EF4-FFF2-40B4-BE49-F238E27FC236}">
+                    <a16:creationId xmlns:a16="http://schemas.microsoft.com/office/drawing/2014/main" id="{301C2460-C68D-4573-984F-FEEA398752F8}"/>
+                  </a:ext>
+                </a:extLst>
+              </p:cNvPr>
+              <p:cNvSpPr/>
+              <p:nvPr/>
+            </p:nvSpPr>
+            <p:spPr>
+              <a:xfrm>
+                <a:off x="5938682" y="2584592"/>
+                <a:ext cx="505844" cy="369332"/>
+              </a:xfrm>
+              <a:prstGeom prst="rect">
+                <a:avLst/>
+              </a:prstGeom>
+            </p:spPr>
+            <p:txBody>
+              <a:bodyPr wrap="none">
+                <a:spAutoFit/>
+              </a:bodyPr>
+              <a:lstStyle/>
+              <a:p>
+                <a14:m>
+                  <m:oMathPara xmlns:m="http://schemas.openxmlformats.org/officeDocument/2006/math">
+                    <m:oMathParaPr>
+                      <m:jc m:val="centerGroup"/>
+                    </m:oMathParaPr>
+                    <m:oMath xmlns:m="http://schemas.openxmlformats.org/officeDocument/2006/math">
+                      <m:r>
+                        <m:rPr>
+                          <m:sty m:val="p"/>
+                        </m:rPr>
+                        <a:rPr lang="el-GR" i="1" smtClean="0">
+                          <a:ln>
+                            <a:solidFill>
+                              <a:srgbClr val="00B050"/>
+                            </a:solidFill>
+                          </a:ln>
+                          <a:solidFill>
+                            <a:srgbClr val="00B050"/>
+                          </a:solidFill>
+                          <a:latin typeface="Cambria Math" panose="02040503050406030204" pitchFamily="18" charset="0"/>
+                          <a:ea typeface="Cambria Math" panose="02040503050406030204" pitchFamily="18" charset="0"/>
+                        </a:rPr>
+                        <m:t>Δ</m:t>
+                      </m:r>
+                      <m:r>
+                        <a:rPr lang="en-US" b="0" i="1" smtClean="0">
+                          <a:ln>
+                            <a:solidFill>
+                              <a:srgbClr val="00B050"/>
+                            </a:solidFill>
+                          </a:ln>
+                          <a:solidFill>
+                            <a:srgbClr val="00B050"/>
+                          </a:solidFill>
+                          <a:latin typeface="Cambria Math" panose="02040503050406030204" pitchFamily="18" charset="0"/>
+                          <a:ea typeface="Cambria Math" panose="02040503050406030204" pitchFamily="18" charset="0"/>
+                        </a:rPr>
+                        <m:t>𝑥</m:t>
+                      </m:r>
+                    </m:oMath>
+                  </m:oMathPara>
+                </a14:m>
+                <a:endParaRPr lang="en-US" dirty="0">
+                  <a:ln>
+                    <a:solidFill>
+                      <a:srgbClr val="00B050"/>
+                    </a:solidFill>
+                  </a:ln>
+                  <a:solidFill>
+                    <a:srgbClr val="00B050"/>
+                  </a:solidFill>
+                </a:endParaRPr>
+              </a:p>
+            </p:txBody>
+          </p:sp>
+        </mc:Choice>
+        <mc:Fallback>
+          <p:sp>
+            <p:nvSpPr>
+              <p:cNvPr id="28" name="Rectangle 27">
+                <a:extLst>
+                  <a:ext uri="{FF2B5EF4-FFF2-40B4-BE49-F238E27FC236}">
+                    <a16:creationId xmlns:a16="http://schemas.microsoft.com/office/drawing/2014/main" id="{301C2460-C68D-4573-984F-FEEA398752F8}"/>
+                  </a:ext>
+                </a:extLst>
+              </p:cNvPr>
+              <p:cNvSpPr>
+                <a:spLocks noRot="1" noChangeAspect="1" noMove="1" noResize="1" noEditPoints="1" noAdjustHandles="1" noChangeArrowheads="1" noChangeShapeType="1" noTextEdit="1"/>
+              </p:cNvSpPr>
+              <p:nvPr/>
+            </p:nvSpPr>
+            <p:spPr>
+              <a:xfrm>
+                <a:off x="5938682" y="2584592"/>
+                <a:ext cx="505844" cy="369332"/>
+              </a:xfrm>
+              <a:prstGeom prst="rect">
+                <a:avLst/>
+              </a:prstGeom>
+              <a:blipFill>
+                <a:blip r:embed="rId5"/>
+                <a:stretch>
+                  <a:fillRect/>
+                </a:stretch>
+              </a:blipFill>
+            </p:spPr>
+            <p:txBody>
+              <a:bodyPr/>
+              <a:lstStyle/>
+              <a:p>
+                <a:r>
+                  <a:rPr lang="en-US">
+                    <a:noFill/>
+                  </a:rPr>
+                  <a:t> </a:t>
+                </a:r>
+              </a:p>
+            </p:txBody>
+          </p:sp>
+        </mc:Fallback>
+      </mc:AlternateContent>
       <p:sp>
         <p:nvSpPr>
           <p:cNvPr id="22" name="TextBox 21">
@@ -7013,7 +7846,7 @@
                   <a:srgbClr val="7030A0"/>
                 </a:solidFill>
               </a:rPr>
-              <a:t>20 pts</a:t>
+              <a:t>15 pts</a:t>
             </a:r>
           </a:p>
         </p:txBody>
@@ -7063,8 +7896,8 @@
             </p:nvSpPr>
             <p:spPr>
               <a:xfrm>
-                <a:off x="919753" y="2607021"/>
-                <a:ext cx="2759345" cy="622799"/>
+                <a:off x="808065" y="2607021"/>
+                <a:ext cx="2742610" cy="622799"/>
               </a:xfrm>
               <a:prstGeom prst="rect">
                 <a:avLst/>
@@ -7088,7 +7921,7 @@
                         <a:rPr lang="en-US" b="0" i="1" smtClean="0">
                           <a:latin typeface="Cambria Math" panose="02040503050406030204" pitchFamily="18" charset="0"/>
                         </a:rPr>
-                        <m:t>𝐹</m:t>
+                        <m:t>𝑓</m:t>
                       </m:r>
                       <m:d>
                         <m:dPr>
@@ -7207,7 +8040,7 @@
                             <a:rPr lang="en-US" b="0" i="1" smtClean="0">
                               <a:latin typeface="Cambria Math" panose="02040503050406030204" pitchFamily="18" charset="0"/>
                             </a:rPr>
-                            <m:t>−11</m:t>
+                            <m:t>+11</m:t>
                           </m:r>
                         </m:e>
                       </m:nary>
@@ -7236,14 +8069,14 @@
             </p:nvSpPr>
             <p:spPr>
               <a:xfrm>
-                <a:off x="919753" y="2607021"/>
-                <a:ext cx="2759345" cy="622799"/>
+                <a:off x="808065" y="2607021"/>
+                <a:ext cx="2742610" cy="622799"/>
               </a:xfrm>
               <a:prstGeom prst="rect">
                 <a:avLst/>
               </a:prstGeom>
               <a:blipFill>
-                <a:blip r:embed="rId2"/>
+                <a:blip r:embed="rId6"/>
                 <a:stretch>
                   <a:fillRect/>
                 </a:stretch>
@@ -7279,7 +8112,7 @@
         <p:spPr>
           <a:xfrm>
             <a:off x="544870" y="3542162"/>
-            <a:ext cx="3524578" cy="1323439"/>
+            <a:ext cx="3524578" cy="1569660"/>
           </a:xfrm>
           <a:prstGeom prst="rect">
             <a:avLst/>
@@ -7302,7 +8135,15 @@
             </a:r>
             <a:r>
               <a:rPr lang="en-US" sz="1600" dirty="0"/>
-              <a:t>() that while using the midpoint rule will ensure that the maximum slope of any given interval on the curve will be less than </a:t>
+              <a:t>() that, while using the midpoint area, will ensure that the maximum </a:t>
+            </a:r>
+            <a:r>
+              <a:rPr lang="en-US" sz="1600" i="1" dirty="0"/>
+              <a:t>change</a:t>
+            </a:r>
+            <a:r>
+              <a:rPr lang="en-US" sz="1600" dirty="0"/>
+              <a:t> in the function value between the left and right side of any interval is under the limit of </a:t>
             </a:r>
             <a:r>
               <a:rPr lang="en-US" sz="1600" b="1" dirty="0"/>
@@ -7311,527 +8152,367 @@
           </a:p>
         </p:txBody>
       </p:sp>
-      <p:grpSp>
-        <p:nvGrpSpPr>
-          <p:cNvPr id="32" name="Group 31">
-            <a:extLst>
-              <a:ext uri="{FF2B5EF4-FFF2-40B4-BE49-F238E27FC236}">
-                <a16:creationId xmlns:a16="http://schemas.microsoft.com/office/drawing/2014/main" id="{41A5C10D-D626-439C-B95D-1BC7AF098660}"/>
-              </a:ext>
-            </a:extLst>
-          </p:cNvPr>
-          <p:cNvGrpSpPr/>
-          <p:nvPr/>
-        </p:nvGrpSpPr>
-        <p:grpSpPr>
-          <a:xfrm>
-            <a:off x="4491279" y="1345059"/>
-            <a:ext cx="3130320" cy="2778211"/>
-            <a:chOff x="4491279" y="1345059"/>
-            <a:chExt cx="3130320" cy="2778211"/>
-          </a:xfrm>
-        </p:grpSpPr>
-        <p:pic>
-          <p:nvPicPr>
-            <p:cNvPr id="5" name="Picture 4">
-              <a:extLst>
-                <a:ext uri="{FF2B5EF4-FFF2-40B4-BE49-F238E27FC236}">
-                  <a16:creationId xmlns:a16="http://schemas.microsoft.com/office/drawing/2014/main" id="{A46ECFDE-0364-4174-96FC-04347BB101E3}"/>
-                </a:ext>
-              </a:extLst>
-            </p:cNvPr>
-            <p:cNvPicPr>
-              <a:picLocks noChangeAspect="1"/>
-            </p:cNvPicPr>
-            <p:nvPr/>
-          </p:nvPicPr>
-          <p:blipFill>
-            <a:blip r:embed="rId3"/>
-            <a:stretch>
-              <a:fillRect/>
-            </a:stretch>
-          </p:blipFill>
-          <p:spPr>
-            <a:xfrm>
-              <a:off x="4491279" y="1646582"/>
-              <a:ext cx="3130320" cy="1920878"/>
-            </a:xfrm>
-            <a:prstGeom prst="rect">
-              <a:avLst/>
-            </a:prstGeom>
-          </p:spPr>
-        </p:pic>
-        <p:cxnSp>
-          <p:nvCxnSpPr>
-            <p:cNvPr id="7" name="Straight Connector 6">
-              <a:extLst>
-                <a:ext uri="{FF2B5EF4-FFF2-40B4-BE49-F238E27FC236}">
-                  <a16:creationId xmlns:a16="http://schemas.microsoft.com/office/drawing/2014/main" id="{A36CEFC8-D716-4724-91F5-D5C322689B3F}"/>
-                </a:ext>
-              </a:extLst>
-            </p:cNvPr>
-            <p:cNvCxnSpPr>
-              <a:cxnSpLocks/>
-            </p:cNvCxnSpPr>
-            <p:nvPr/>
-          </p:nvCxnSpPr>
-          <p:spPr>
-            <a:xfrm>
-              <a:off x="5460142" y="2883694"/>
-              <a:ext cx="0" cy="495299"/>
-            </a:xfrm>
-            <a:prstGeom prst="line">
-              <a:avLst/>
-            </a:prstGeom>
-            <a:ln w="12700">
-              <a:solidFill>
-                <a:schemeClr val="tx1"/>
-              </a:solidFill>
-              <a:prstDash val="solid"/>
-            </a:ln>
-          </p:spPr>
-          <p:style>
-            <a:lnRef idx="1">
-              <a:schemeClr val="accent1"/>
-            </a:lnRef>
-            <a:fillRef idx="0">
-              <a:schemeClr val="accent1"/>
-            </a:fillRef>
-            <a:effectRef idx="0">
-              <a:schemeClr val="accent1"/>
-            </a:effectRef>
-            <a:fontRef idx="minor">
-              <a:schemeClr val="tx1"/>
-            </a:fontRef>
-          </p:style>
-        </p:cxnSp>
-        <p:cxnSp>
-          <p:nvCxnSpPr>
-            <p:cNvPr id="13" name="Straight Connector 12">
-              <a:extLst>
-                <a:ext uri="{FF2B5EF4-FFF2-40B4-BE49-F238E27FC236}">
-                  <a16:creationId xmlns:a16="http://schemas.microsoft.com/office/drawing/2014/main" id="{AB847FE3-5855-4FEF-86DA-7DFF52E9481B}"/>
-                </a:ext>
-              </a:extLst>
-            </p:cNvPr>
-            <p:cNvCxnSpPr>
-              <a:cxnSpLocks/>
-            </p:cNvCxnSpPr>
-            <p:nvPr/>
-          </p:nvCxnSpPr>
-          <p:spPr>
-            <a:xfrm>
-              <a:off x="7076218" y="2028825"/>
-              <a:ext cx="0" cy="1350168"/>
-            </a:xfrm>
-            <a:prstGeom prst="line">
-              <a:avLst/>
-            </a:prstGeom>
-            <a:ln w="12700">
-              <a:solidFill>
-                <a:srgbClr val="FF0000"/>
-              </a:solidFill>
-              <a:prstDash val="solid"/>
-            </a:ln>
-          </p:spPr>
-          <p:style>
-            <a:lnRef idx="1">
-              <a:schemeClr val="accent1"/>
-            </a:lnRef>
-            <a:fillRef idx="0">
-              <a:schemeClr val="accent1"/>
-            </a:fillRef>
-            <a:effectRef idx="0">
-              <a:schemeClr val="accent1"/>
-            </a:effectRef>
-            <a:fontRef idx="minor">
-              <a:schemeClr val="tx1"/>
-            </a:fontRef>
-          </p:style>
-        </p:cxnSp>
-        <p:cxnSp>
-          <p:nvCxnSpPr>
-            <p:cNvPr id="16" name="Straight Connector 15">
-              <a:extLst>
-                <a:ext uri="{FF2B5EF4-FFF2-40B4-BE49-F238E27FC236}">
-                  <a16:creationId xmlns:a16="http://schemas.microsoft.com/office/drawing/2014/main" id="{1949B656-A905-4EB2-B102-C55B6AD52ABD}"/>
-                </a:ext>
-              </a:extLst>
-            </p:cNvPr>
-            <p:cNvCxnSpPr>
-              <a:cxnSpLocks/>
-            </p:cNvCxnSpPr>
-            <p:nvPr/>
-          </p:nvCxnSpPr>
-          <p:spPr>
-            <a:xfrm flipV="1">
-              <a:off x="5460142" y="2028825"/>
-              <a:ext cx="1616076" cy="854869"/>
-            </a:xfrm>
-            <a:prstGeom prst="line">
-              <a:avLst/>
-            </a:prstGeom>
-            <a:ln w="12700">
-              <a:solidFill>
-                <a:srgbClr val="FF0000"/>
-              </a:solidFill>
-              <a:prstDash val="solid"/>
-            </a:ln>
-          </p:spPr>
-          <p:style>
-            <a:lnRef idx="1">
-              <a:schemeClr val="accent1"/>
-            </a:lnRef>
-            <a:fillRef idx="0">
-              <a:schemeClr val="accent1"/>
-            </a:fillRef>
-            <a:effectRef idx="0">
-              <a:schemeClr val="accent1"/>
-            </a:effectRef>
-            <a:fontRef idx="minor">
-              <a:schemeClr val="tx1"/>
-            </a:fontRef>
-          </p:style>
-        </p:cxnSp>
-        <p:cxnSp>
-          <p:nvCxnSpPr>
-            <p:cNvPr id="19" name="Straight Connector 18">
-              <a:extLst>
-                <a:ext uri="{FF2B5EF4-FFF2-40B4-BE49-F238E27FC236}">
-                  <a16:creationId xmlns:a16="http://schemas.microsoft.com/office/drawing/2014/main" id="{FB683B0F-674C-4C36-802F-2FA3FF16226B}"/>
-                </a:ext>
-              </a:extLst>
-            </p:cNvPr>
-            <p:cNvCxnSpPr>
-              <a:cxnSpLocks/>
-            </p:cNvCxnSpPr>
-            <p:nvPr/>
-          </p:nvCxnSpPr>
-          <p:spPr>
-            <a:xfrm>
-              <a:off x="5730018" y="2797175"/>
-              <a:ext cx="0" cy="581818"/>
-            </a:xfrm>
-            <a:prstGeom prst="line">
-              <a:avLst/>
-            </a:prstGeom>
-            <a:ln w="12700">
-              <a:solidFill>
-                <a:srgbClr val="7030A0"/>
-              </a:solidFill>
-              <a:prstDash val="solid"/>
-            </a:ln>
-          </p:spPr>
-          <p:style>
-            <a:lnRef idx="1">
-              <a:schemeClr val="accent1"/>
-            </a:lnRef>
-            <a:fillRef idx="0">
-              <a:schemeClr val="accent1"/>
-            </a:fillRef>
-            <a:effectRef idx="0">
-              <a:schemeClr val="accent1"/>
-            </a:effectRef>
-            <a:fontRef idx="minor">
-              <a:schemeClr val="tx1"/>
-            </a:fontRef>
-          </p:style>
-        </p:cxnSp>
-        <p:cxnSp>
-          <p:nvCxnSpPr>
-            <p:cNvPr id="21" name="Straight Connector 20">
-              <a:extLst>
-                <a:ext uri="{FF2B5EF4-FFF2-40B4-BE49-F238E27FC236}">
-                  <a16:creationId xmlns:a16="http://schemas.microsoft.com/office/drawing/2014/main" id="{FE327309-D1CE-4011-9C3E-39A22C696283}"/>
-                </a:ext>
-              </a:extLst>
-            </p:cNvPr>
-            <p:cNvCxnSpPr>
-              <a:cxnSpLocks/>
-            </p:cNvCxnSpPr>
-            <p:nvPr/>
-          </p:nvCxnSpPr>
-          <p:spPr>
-            <a:xfrm flipV="1">
-              <a:off x="5460141" y="2803126"/>
-              <a:ext cx="269877" cy="80568"/>
-            </a:xfrm>
-            <a:prstGeom prst="line">
-              <a:avLst/>
-            </a:prstGeom>
-            <a:ln w="12700">
-              <a:solidFill>
-                <a:srgbClr val="7030A0"/>
-              </a:solidFill>
-              <a:prstDash val="solid"/>
-            </a:ln>
-          </p:spPr>
-          <p:style>
-            <a:lnRef idx="1">
-              <a:schemeClr val="accent1"/>
-            </a:lnRef>
-            <a:fillRef idx="0">
-              <a:schemeClr val="accent1"/>
-            </a:fillRef>
-            <a:effectRef idx="0">
-              <a:schemeClr val="accent1"/>
-            </a:effectRef>
-            <a:fontRef idx="minor">
-              <a:schemeClr val="tx1"/>
-            </a:fontRef>
-          </p:style>
-        </p:cxnSp>
-        <mc:AlternateContent xmlns:mc="http://schemas.openxmlformats.org/markup-compatibility/2006" xmlns:a14="http://schemas.microsoft.com/office/drawing/2010/main">
-          <mc:Choice Requires="a14">
-            <p:sp>
-              <p:nvSpPr>
-                <p:cNvPr id="29" name="Speech Bubble: Rectangle 28">
-                  <a:extLst>
-                    <a:ext uri="{FF2B5EF4-FFF2-40B4-BE49-F238E27FC236}">
-                      <a16:creationId xmlns:a16="http://schemas.microsoft.com/office/drawing/2014/main" id="{4350F087-342D-4D1B-A736-80DAFF9BBB7E}"/>
-                    </a:ext>
-                  </a:extLst>
-                </p:cNvPr>
-                <p:cNvSpPr/>
-                <p:nvPr/>
-              </p:nvSpPr>
-              <p:spPr>
-                <a:xfrm>
-                  <a:off x="5178615" y="1345059"/>
-                  <a:ext cx="1616068" cy="611689"/>
-                </a:xfrm>
-                <a:prstGeom prst="wedgeRectCallout">
-                  <a:avLst>
-                    <a:gd name="adj1" fmla="val 14474"/>
-                    <a:gd name="adj2" fmla="val 131862"/>
-                  </a:avLst>
-                </a:prstGeom>
-              </p:spPr>
-              <p:style>
-                <a:lnRef idx="2">
-                  <a:schemeClr val="accent1">
-                    <a:shade val="50000"/>
-                  </a:schemeClr>
-                </a:lnRef>
-                <a:fillRef idx="1">
-                  <a:schemeClr val="accent1"/>
-                </a:fillRef>
-                <a:effectRef idx="0">
-                  <a:schemeClr val="accent1"/>
-                </a:effectRef>
-                <a:fontRef idx="minor">
-                  <a:schemeClr val="lt1"/>
-                </a:fontRef>
-              </p:style>
-              <p:txBody>
-                <a:bodyPr rtlCol="0" anchor="ctr"/>
-                <a:lstStyle/>
-                <a:p>
-                  <a:pPr algn="ctr"/>
-                  <a:r>
-                    <a:rPr lang="en-US" sz="1200" dirty="0"/>
-                    <a:t>The </a:t>
-                  </a:r>
-                  <a14:m>
+      <mc:AlternateContent xmlns:mc="http://schemas.openxmlformats.org/markup-compatibility/2006">
+        <mc:Choice xmlns:a14="http://schemas.microsoft.com/office/drawing/2010/main" Requires="a14">
+          <p:sp>
+            <p:nvSpPr>
+              <p:cNvPr id="29" name="Speech Bubble: Rectangle 28">
+                <a:extLst>
+                  <a:ext uri="{FF2B5EF4-FFF2-40B4-BE49-F238E27FC236}">
+                    <a16:creationId xmlns:a16="http://schemas.microsoft.com/office/drawing/2014/main" id="{4350F087-342D-4D1B-A736-80DAFF9BBB7E}"/>
+                  </a:ext>
+                </a:extLst>
+              </p:cNvPr>
+              <p:cNvSpPr/>
+              <p:nvPr/>
+            </p:nvSpPr>
+            <p:spPr>
+              <a:xfrm>
+                <a:off x="7486650" y="1822437"/>
+                <a:ext cx="1442930" cy="663127"/>
+              </a:xfrm>
+              <a:prstGeom prst="wedgeRectCallout">
+                <a:avLst>
+                  <a:gd name="adj1" fmla="val -72397"/>
+                  <a:gd name="adj2" fmla="val 37903"/>
+                </a:avLst>
+              </a:prstGeom>
+            </p:spPr>
+            <p:style>
+              <a:lnRef idx="2">
+                <a:schemeClr val="accent1">
+                  <a:shade val="50000"/>
+                </a:schemeClr>
+              </a:lnRef>
+              <a:fillRef idx="1">
+                <a:schemeClr val="accent1"/>
+              </a:fillRef>
+              <a:effectRef idx="0">
+                <a:schemeClr val="accent1"/>
+              </a:effectRef>
+              <a:fontRef idx="minor">
+                <a:schemeClr val="lt1"/>
+              </a:fontRef>
+            </p:style>
+            <p:txBody>
+              <a:bodyPr rtlCol="0" anchor="ctr"/>
+              <a:lstStyle/>
+              <a:p>
+                <a:pPr algn="ctr"/>
+                <a:r>
+                  <a:rPr lang="en-US" sz="1200" dirty="0"/>
+                  <a:t>This large </a:t>
+                </a:r>
+                <a14:m>
+                  <m:oMath xmlns:m="http://schemas.openxmlformats.org/officeDocument/2006/math">
+                    <m:r>
+                      <a:rPr lang="en-US" sz="1200" i="1" smtClean="0">
+                        <a:latin typeface="Cambria Math" panose="02040503050406030204" pitchFamily="18" charset="0"/>
+                        <a:ea typeface="Cambria Math" panose="02040503050406030204" pitchFamily="18" charset="0"/>
+                      </a:rPr>
+                      <m:t>∆</m:t>
+                    </m:r>
+                    <m:r>
+                      <a:rPr lang="en-US" sz="1200" b="0" i="1" smtClean="0">
+                        <a:latin typeface="Cambria Math" panose="02040503050406030204" pitchFamily="18" charset="0"/>
+                        <a:ea typeface="Cambria Math" panose="02040503050406030204" pitchFamily="18" charset="0"/>
+                      </a:rPr>
+                      <m:t>𝑥</m:t>
+                    </m:r>
+                  </m:oMath>
+                </a14:m>
+                <a:r>
+                  <a:rPr lang="en-US" sz="1200" dirty="0"/>
+                  <a:t> makes</a:t>
+                </a:r>
+                <a:endParaRPr lang="en-US" sz="1200" i="1" dirty="0">
+                  <a:latin typeface="Cambria Math" panose="02040503050406030204" pitchFamily="18" charset="0"/>
+                </a:endParaRPr>
+              </a:p>
+              <a:p>
+                <a:pPr algn="ctr"/>
+                <a14:m>
+                  <m:oMathPara xmlns:m="http://schemas.openxmlformats.org/officeDocument/2006/math">
+                    <m:oMathParaPr>
+                      <m:jc m:val="centerGroup"/>
+                    </m:oMathParaPr>
                     <m:oMath xmlns:m="http://schemas.openxmlformats.org/officeDocument/2006/math">
-                      <m:r>
-                        <a:rPr lang="en-US" sz="1200" i="1" smtClean="0">
-                          <a:latin typeface="Cambria Math" panose="02040503050406030204" pitchFamily="18" charset="0"/>
-                          <a:ea typeface="Cambria Math" panose="02040503050406030204" pitchFamily="18" charset="0"/>
-                        </a:rPr>
-                        <m:t>∆</m:t>
-                      </m:r>
-                      <m:r>
-                        <a:rPr lang="en-US" sz="1200" b="0" i="1" smtClean="0">
-                          <a:latin typeface="Cambria Math" panose="02040503050406030204" pitchFamily="18" charset="0"/>
-                          <a:ea typeface="Cambria Math" panose="02040503050406030204" pitchFamily="18" charset="0"/>
-                        </a:rPr>
-                        <m:t>𝑥</m:t>
-                      </m:r>
+                      <m:d>
+                        <m:dPr>
+                          <m:begChr m:val="|"/>
+                          <m:endChr m:val="|"/>
+                          <m:ctrlPr>
+                            <a:rPr lang="en-US" sz="1200" i="1" smtClean="0">
+                              <a:latin typeface="Cambria Math" panose="02040503050406030204" pitchFamily="18" charset="0"/>
+                            </a:rPr>
+                          </m:ctrlPr>
+                        </m:dPr>
+                        <m:e>
+                          <m:r>
+                            <a:rPr lang="en-US" sz="1200" b="0" i="1" smtClean="0">
+                              <a:latin typeface="Cambria Math" panose="02040503050406030204" pitchFamily="18" charset="0"/>
+                            </a:rPr>
+                            <m:t>𝑓</m:t>
+                          </m:r>
+                          <m:d>
+                            <m:dPr>
+                              <m:ctrlPr>
+                                <a:rPr lang="en-US" sz="1200" b="0" i="1" smtClean="0">
+                                  <a:latin typeface="Cambria Math" panose="02040503050406030204" pitchFamily="18" charset="0"/>
+                                </a:rPr>
+                              </m:ctrlPr>
+                            </m:dPr>
+                            <m:e>
+                              <m:r>
+                                <a:rPr lang="en-US" sz="1200" b="0" i="1" smtClean="0">
+                                  <a:latin typeface="Cambria Math" panose="02040503050406030204" pitchFamily="18" charset="0"/>
+                                </a:rPr>
+                                <m:t>𝑥</m:t>
+                              </m:r>
+                              <m:r>
+                                <a:rPr lang="en-US" sz="1200" b="0" i="1" smtClean="0">
+                                  <a:latin typeface="Cambria Math" panose="02040503050406030204" pitchFamily="18" charset="0"/>
+                                </a:rPr>
+                                <m:t>+</m:t>
+                              </m:r>
+                              <m:r>
+                                <m:rPr>
+                                  <m:sty m:val="p"/>
+                                </m:rPr>
+                                <a:rPr lang="el-GR" sz="1200" b="0" i="1" smtClean="0">
+                                  <a:latin typeface="Cambria Math" panose="02040503050406030204" pitchFamily="18" charset="0"/>
+                                  <a:ea typeface="Cambria Math" panose="02040503050406030204" pitchFamily="18" charset="0"/>
+                                </a:rPr>
+                                <m:t>Δ</m:t>
+                              </m:r>
+                              <m:r>
+                                <a:rPr lang="en-US" sz="1200" b="0" i="1" smtClean="0">
+                                  <a:latin typeface="Cambria Math" panose="02040503050406030204" pitchFamily="18" charset="0"/>
+                                  <a:ea typeface="Cambria Math" panose="02040503050406030204" pitchFamily="18" charset="0"/>
+                                </a:rPr>
+                                <m:t>𝑥</m:t>
+                              </m:r>
+                            </m:e>
+                          </m:d>
+                          <m:r>
+                            <a:rPr lang="en-US" sz="1200" b="0" i="1" smtClean="0">
+                              <a:latin typeface="Cambria Math" panose="02040503050406030204" pitchFamily="18" charset="0"/>
+                            </a:rPr>
+                            <m:t>−</m:t>
+                          </m:r>
+                          <m:r>
+                            <a:rPr lang="en-US" sz="1200" b="0" i="1" smtClean="0">
+                              <a:latin typeface="Cambria Math" panose="02040503050406030204" pitchFamily="18" charset="0"/>
+                            </a:rPr>
+                            <m:t>𝑓</m:t>
+                          </m:r>
+                          <m:d>
+                            <m:dPr>
+                              <m:ctrlPr>
+                                <a:rPr lang="en-US" sz="1200" b="0" i="1" smtClean="0">
+                                  <a:latin typeface="Cambria Math" panose="02040503050406030204" pitchFamily="18" charset="0"/>
+                                </a:rPr>
+                              </m:ctrlPr>
+                            </m:dPr>
+                            <m:e>
+                              <m:r>
+                                <a:rPr lang="en-US" sz="1200" b="0" i="1" smtClean="0">
+                                  <a:latin typeface="Cambria Math" panose="02040503050406030204" pitchFamily="18" charset="0"/>
+                                </a:rPr>
+                                <m:t>𝑥</m:t>
+                              </m:r>
+                            </m:e>
+                          </m:d>
+                        </m:e>
+                      </m:d>
                     </m:oMath>
-                  </a14:m>
-                  <a:r>
-                    <a:rPr lang="en-US" sz="1200" dirty="0"/>
-                    <a:t> for this interval is too wide as it makes the slope too great</a:t>
-                  </a:r>
-                </a:p>
-              </p:txBody>
-            </p:sp>
-          </mc:Choice>
-          <mc:Fallback xmlns="">
-            <p:sp>
-              <p:nvSpPr>
-                <p:cNvPr id="29" name="Speech Bubble: Rectangle 28">
-                  <a:extLst>
-                    <a:ext uri="{FF2B5EF4-FFF2-40B4-BE49-F238E27FC236}">
-                      <a16:creationId xmlns:a16="http://schemas.microsoft.com/office/drawing/2014/main" id="{4350F087-342D-4D1B-A736-80DAFF9BBB7E}"/>
-                    </a:ext>
-                  </a:extLst>
-                </p:cNvPr>
-                <p:cNvSpPr>
-                  <a:spLocks noRot="1" noChangeAspect="1" noMove="1" noResize="1" noEditPoints="1" noAdjustHandles="1" noChangeArrowheads="1" noChangeShapeType="1" noTextEdit="1"/>
-                </p:cNvSpPr>
-                <p:nvPr/>
-              </p:nvSpPr>
-              <p:spPr>
-                <a:xfrm>
-                  <a:off x="5178615" y="1345059"/>
-                  <a:ext cx="1616068" cy="611689"/>
-                </a:xfrm>
-                <a:prstGeom prst="wedgeRectCallout">
-                  <a:avLst>
-                    <a:gd name="adj1" fmla="val 14474"/>
-                    <a:gd name="adj2" fmla="val 131862"/>
-                  </a:avLst>
-                </a:prstGeom>
-                <a:blipFill>
-                  <a:blip r:embed="rId4"/>
-                  <a:stretch>
-                    <a:fillRect t="-1075" r="-1124"/>
-                  </a:stretch>
-                </a:blipFill>
-              </p:spPr>
-              <p:txBody>
-                <a:bodyPr/>
-                <a:lstStyle/>
-                <a:p>
-                  <a:r>
-                    <a:rPr lang="en-US">
-                      <a:noFill/>
-                    </a:rPr>
-                    <a:t> </a:t>
-                  </a:r>
-                </a:p>
-              </p:txBody>
-            </p:sp>
-          </mc:Fallback>
-        </mc:AlternateContent>
-        <mc:AlternateContent xmlns:mc="http://schemas.openxmlformats.org/markup-compatibility/2006" xmlns:a14="http://schemas.microsoft.com/office/drawing/2010/main">
-          <mc:Choice Requires="a14">
-            <p:sp>
-              <p:nvSpPr>
-                <p:cNvPr id="30" name="Speech Bubble: Rectangle 29">
-                  <a:extLst>
-                    <a:ext uri="{FF2B5EF4-FFF2-40B4-BE49-F238E27FC236}">
-                      <a16:creationId xmlns:a16="http://schemas.microsoft.com/office/drawing/2014/main" id="{346598F6-40D9-4E38-AFD8-1B799FB2C53A}"/>
-                    </a:ext>
-                  </a:extLst>
-                </p:cNvPr>
-                <p:cNvSpPr/>
-                <p:nvPr/>
-              </p:nvSpPr>
-              <p:spPr>
-                <a:xfrm>
-                  <a:off x="5391455" y="3715324"/>
-                  <a:ext cx="2057400" cy="407946"/>
-                </a:xfrm>
-                <a:prstGeom prst="wedgeRectCallout">
-                  <a:avLst>
-                    <a:gd name="adj1" fmla="val -39424"/>
-                    <a:gd name="adj2" fmla="val -118677"/>
-                  </a:avLst>
-                </a:prstGeom>
-              </p:spPr>
-              <p:style>
-                <a:lnRef idx="2">
-                  <a:schemeClr val="accent1">
-                    <a:shade val="50000"/>
-                  </a:schemeClr>
-                </a:lnRef>
-                <a:fillRef idx="1">
-                  <a:schemeClr val="accent1"/>
-                </a:fillRef>
-                <a:effectRef idx="0">
-                  <a:schemeClr val="accent1"/>
-                </a:effectRef>
-                <a:fontRef idx="minor">
-                  <a:schemeClr val="lt1"/>
-                </a:fontRef>
-              </p:style>
-              <p:txBody>
-                <a:bodyPr rtlCol="0" anchor="ctr"/>
-                <a:lstStyle/>
-                <a:p>
-                  <a:pPr algn="ctr"/>
-                  <a:r>
-                    <a:rPr lang="en-US" sz="1200" dirty="0"/>
-                    <a:t>So we need to reduce the </a:t>
-                  </a:r>
-                  <a14:m>
-                    <m:oMath xmlns:m="http://schemas.openxmlformats.org/officeDocument/2006/math">
-                      <m:r>
-                        <a:rPr lang="en-US" sz="1200" i="1" smtClean="0">
-                          <a:latin typeface="Cambria Math" panose="02040503050406030204" pitchFamily="18" charset="0"/>
-                          <a:ea typeface="Cambria Math" panose="02040503050406030204" pitchFamily="18" charset="0"/>
-                        </a:rPr>
-                        <m:t>∆</m:t>
-                      </m:r>
-                      <m:r>
-                        <a:rPr lang="en-US" sz="1200" b="0" i="1" smtClean="0">
-                          <a:latin typeface="Cambria Math" panose="02040503050406030204" pitchFamily="18" charset="0"/>
-                          <a:ea typeface="Cambria Math" panose="02040503050406030204" pitchFamily="18" charset="0"/>
-                        </a:rPr>
-                        <m:t>𝑥</m:t>
-                      </m:r>
-                    </m:oMath>
-                  </a14:m>
-                  <a:r>
-                    <a:rPr lang="en-US" sz="1200" dirty="0"/>
-                    <a:t> to keep the slope under .001</a:t>
-                  </a:r>
-                </a:p>
-              </p:txBody>
-            </p:sp>
-          </mc:Choice>
-          <mc:Fallback xmlns="">
-            <p:sp>
-              <p:nvSpPr>
-                <p:cNvPr id="30" name="Speech Bubble: Rectangle 29">
-                  <a:extLst>
-                    <a:ext uri="{FF2B5EF4-FFF2-40B4-BE49-F238E27FC236}">
-                      <a16:creationId xmlns:a16="http://schemas.microsoft.com/office/drawing/2014/main" id="{346598F6-40D9-4E38-AFD8-1B799FB2C53A}"/>
-                    </a:ext>
-                  </a:extLst>
-                </p:cNvPr>
-                <p:cNvSpPr>
-                  <a:spLocks noRot="1" noChangeAspect="1" noMove="1" noResize="1" noEditPoints="1" noAdjustHandles="1" noChangeArrowheads="1" noChangeShapeType="1" noTextEdit="1"/>
-                </p:cNvSpPr>
-                <p:nvPr/>
-              </p:nvSpPr>
-              <p:spPr>
-                <a:xfrm>
-                  <a:off x="5391455" y="3715324"/>
-                  <a:ext cx="2057400" cy="407946"/>
-                </a:xfrm>
-                <a:prstGeom prst="wedgeRectCallout">
-                  <a:avLst>
-                    <a:gd name="adj1" fmla="val -39424"/>
-                    <a:gd name="adj2" fmla="val -118677"/>
-                  </a:avLst>
-                </a:prstGeom>
-                <a:blipFill>
-                  <a:blip r:embed="rId5"/>
-                  <a:stretch>
-                    <a:fillRect b="-9483"/>
-                  </a:stretch>
-                </a:blipFill>
-              </p:spPr>
-              <p:txBody>
-                <a:bodyPr/>
-                <a:lstStyle/>
-                <a:p>
-                  <a:r>
-                    <a:rPr lang="en-US">
-                      <a:noFill/>
-                    </a:rPr>
-                    <a:t> </a:t>
-                  </a:r>
-                </a:p>
-              </p:txBody>
-            </p:sp>
-          </mc:Fallback>
-        </mc:AlternateContent>
-      </p:grpSp>
+                  </m:oMathPara>
+                </a14:m>
+                <a:endParaRPr lang="en-US" sz="1200" dirty="0"/>
+              </a:p>
+              <a:p>
+                <a:pPr algn="ctr"/>
+                <a:r>
+                  <a:rPr lang="en-US" sz="1200" dirty="0"/>
+                  <a:t>exceed the limit</a:t>
+                </a:r>
+              </a:p>
+            </p:txBody>
+          </p:sp>
+        </mc:Choice>
+        <mc:Fallback>
+          <p:sp>
+            <p:nvSpPr>
+              <p:cNvPr id="29" name="Speech Bubble: Rectangle 28">
+                <a:extLst>
+                  <a:ext uri="{FF2B5EF4-FFF2-40B4-BE49-F238E27FC236}">
+                    <a16:creationId xmlns:a16="http://schemas.microsoft.com/office/drawing/2014/main" id="{4350F087-342D-4D1B-A736-80DAFF9BBB7E}"/>
+                  </a:ext>
+                </a:extLst>
+              </p:cNvPr>
+              <p:cNvSpPr>
+                <a:spLocks noRot="1" noChangeAspect="1" noMove="1" noResize="1" noEditPoints="1" noAdjustHandles="1" noChangeArrowheads="1" noChangeShapeType="1" noTextEdit="1"/>
+              </p:cNvSpPr>
+              <p:nvPr/>
+            </p:nvSpPr>
+            <p:spPr>
+              <a:xfrm>
+                <a:off x="7486650" y="1822437"/>
+                <a:ext cx="1442930" cy="663127"/>
+              </a:xfrm>
+              <a:prstGeom prst="wedgeRectCallout">
+                <a:avLst>
+                  <a:gd name="adj1" fmla="val -72397"/>
+                  <a:gd name="adj2" fmla="val 37903"/>
+                </a:avLst>
+              </a:prstGeom>
+              <a:blipFill>
+                <a:blip r:embed="rId7"/>
+                <a:stretch>
+                  <a:fillRect b="-4505"/>
+                </a:stretch>
+              </a:blipFill>
+            </p:spPr>
+            <p:txBody>
+              <a:bodyPr/>
+              <a:lstStyle/>
+              <a:p>
+                <a:r>
+                  <a:rPr lang="en-US">
+                    <a:noFill/>
+                  </a:rPr>
+                  <a:t> </a:t>
+                </a:r>
+              </a:p>
+            </p:txBody>
+          </p:sp>
+        </mc:Fallback>
+      </mc:AlternateContent>
+      <mc:AlternateContent xmlns:mc="http://schemas.openxmlformats.org/markup-compatibility/2006">
+        <mc:Choice xmlns:a14="http://schemas.microsoft.com/office/drawing/2010/main" Requires="a14">
+          <p:sp>
+            <p:nvSpPr>
+              <p:cNvPr id="30" name="Speech Bubble: Rectangle 29">
+                <a:extLst>
+                  <a:ext uri="{FF2B5EF4-FFF2-40B4-BE49-F238E27FC236}">
+                    <a16:creationId xmlns:a16="http://schemas.microsoft.com/office/drawing/2014/main" id="{346598F6-40D9-4E38-AFD8-1B799FB2C53A}"/>
+                  </a:ext>
+                </a:extLst>
+              </p:cNvPr>
+              <p:cNvSpPr/>
+              <p:nvPr/>
+            </p:nvSpPr>
+            <p:spPr>
+              <a:xfrm>
+                <a:off x="5514608" y="3752026"/>
+                <a:ext cx="2294664" cy="643439"/>
+              </a:xfrm>
+              <a:prstGeom prst="wedgeRectCallout">
+                <a:avLst>
+                  <a:gd name="adj1" fmla="val -21461"/>
+                  <a:gd name="adj2" fmla="val -182487"/>
+                </a:avLst>
+              </a:prstGeom>
+            </p:spPr>
+            <p:style>
+              <a:lnRef idx="2">
+                <a:schemeClr val="accent1">
+                  <a:shade val="50000"/>
+                </a:schemeClr>
+              </a:lnRef>
+              <a:fillRef idx="1">
+                <a:schemeClr val="accent1"/>
+              </a:fillRef>
+              <a:effectRef idx="0">
+                <a:schemeClr val="accent1"/>
+              </a:effectRef>
+              <a:fontRef idx="minor">
+                <a:schemeClr val="lt1"/>
+              </a:fontRef>
+            </p:style>
+            <p:txBody>
+              <a:bodyPr rtlCol="0" anchor="ctr"/>
+              <a:lstStyle/>
+              <a:p>
+                <a:pPr algn="ctr"/>
+                <a:r>
+                  <a:rPr lang="en-US" sz="1200" dirty="0"/>
+                  <a:t>We need to reduce </a:t>
+                </a:r>
+                <a14:m>
+                  <m:oMath xmlns:m="http://schemas.openxmlformats.org/officeDocument/2006/math">
+                    <m:r>
+                      <a:rPr lang="en-US" sz="1200" i="1" smtClean="0">
+                        <a:latin typeface="Cambria Math" panose="02040503050406030204" pitchFamily="18" charset="0"/>
+                        <a:ea typeface="Cambria Math" panose="02040503050406030204" pitchFamily="18" charset="0"/>
+                      </a:rPr>
+                      <m:t>∆</m:t>
+                    </m:r>
+                    <m:r>
+                      <a:rPr lang="en-US" sz="1200" b="0" i="1" smtClean="0">
+                        <a:latin typeface="Cambria Math" panose="02040503050406030204" pitchFamily="18" charset="0"/>
+                        <a:ea typeface="Cambria Math" panose="02040503050406030204" pitchFamily="18" charset="0"/>
+                      </a:rPr>
+                      <m:t>𝑥</m:t>
+                    </m:r>
+                  </m:oMath>
+                </a14:m>
+                <a:r>
+                  <a:rPr lang="en-US" sz="1200" dirty="0"/>
+                  <a:t> to the keep change in the function value across the interval under .001</a:t>
+                </a:r>
+              </a:p>
+            </p:txBody>
+          </p:sp>
+        </mc:Choice>
+        <mc:Fallback>
+          <p:sp>
+            <p:nvSpPr>
+              <p:cNvPr id="30" name="Speech Bubble: Rectangle 29">
+                <a:extLst>
+                  <a:ext uri="{FF2B5EF4-FFF2-40B4-BE49-F238E27FC236}">
+                    <a16:creationId xmlns:a16="http://schemas.microsoft.com/office/drawing/2014/main" id="{346598F6-40D9-4E38-AFD8-1B799FB2C53A}"/>
+                  </a:ext>
+                </a:extLst>
+              </p:cNvPr>
+              <p:cNvSpPr>
+                <a:spLocks noRot="1" noChangeAspect="1" noMove="1" noResize="1" noEditPoints="1" noAdjustHandles="1" noChangeArrowheads="1" noChangeShapeType="1" noTextEdit="1"/>
+              </p:cNvSpPr>
+              <p:nvPr/>
+            </p:nvSpPr>
+            <p:spPr>
+              <a:xfrm>
+                <a:off x="5514608" y="3752026"/>
+                <a:ext cx="2294664" cy="643439"/>
+              </a:xfrm>
+              <a:prstGeom prst="wedgeRectCallout">
+                <a:avLst>
+                  <a:gd name="adj1" fmla="val -21461"/>
+                  <a:gd name="adj2" fmla="val -182487"/>
+                </a:avLst>
+              </a:prstGeom>
+              <a:blipFill>
+                <a:blip r:embed="rId8"/>
+                <a:stretch>
+                  <a:fillRect r="-529" b="-2789"/>
+                </a:stretch>
+              </a:blipFill>
+            </p:spPr>
+            <p:txBody>
+              <a:bodyPr/>
+              <a:lstStyle/>
+              <a:p>
+                <a:r>
+                  <a:rPr lang="en-US">
+                    <a:noFill/>
+                  </a:rPr>
+                  <a:t> </a:t>
+                </a:r>
+              </a:p>
+            </p:txBody>
+          </p:sp>
+        </mc:Fallback>
+      </mc:AlternateContent>
       <p:sp>
         <p:nvSpPr>
           <p:cNvPr id="31" name="TextBox 30">
@@ -7846,8 +8527,8 @@
         </p:nvSpPr>
         <p:spPr>
           <a:xfrm>
-            <a:off x="544870" y="5032912"/>
-            <a:ext cx="3524578" cy="1077218"/>
+            <a:off x="544870" y="5268902"/>
+            <a:ext cx="3524578" cy="1323439"/>
           </a:xfrm>
           <a:prstGeom prst="rect">
             <a:avLst/>
@@ -7870,7 +8551,7 @@
             </a:r>
             <a:r>
               <a:rPr lang="en-US" sz="1600" dirty="0"/>
-              <a:t>() is set to use 1 million fixed width intervals.  How does the adaptive quadrature compare to this in terms of relative % error?</a:t>
+              <a:t>() is set to use 1 million fixed width intervals.  How does the adaptive quadrature compare in terms of relative % error and overall execution time?</a:t>
             </a:r>
             <a:endParaRPr lang="en-US" sz="1600" b="1" dirty="0"/>
           </a:p>
@@ -7891,14 +8572,14 @@
           <p:nvPr/>
         </p:nvPicPr>
         <p:blipFill>
-          <a:blip r:embed="rId6"/>
+          <a:blip r:embed="rId9"/>
           <a:stretch>
             <a:fillRect/>
           </a:stretch>
         </p:blipFill>
         <p:spPr>
           <a:xfrm>
-            <a:off x="4455710" y="4506192"/>
+            <a:off x="4491313" y="4772841"/>
             <a:ext cx="3624939" cy="1467237"/>
           </a:xfrm>
           <a:prstGeom prst="rect">
@@ -9664,7 +10345,7 @@
                   <a:srgbClr val="7030A0"/>
                 </a:solidFill>
               </a:rPr>
-              <a:t>20 pts</a:t>
+              <a:t>15 pts</a:t>
             </a:r>
           </a:p>
         </p:txBody>

--- a/exam1/Exam 1 Questions.pptx
+++ b/exam1/Exam 1 Questions.pptx
@@ -7097,8 +7097,8 @@
           </a:p>
         </p:txBody>
       </p:sp>
-      <mc:AlternateContent xmlns:mc="http://schemas.openxmlformats.org/markup-compatibility/2006">
-        <mc:Choice xmlns:a14="http://schemas.microsoft.com/office/drawing/2010/main" Requires="a14">
+      <mc:AlternateContent xmlns:mc="http://schemas.openxmlformats.org/markup-compatibility/2006" xmlns:a14="http://schemas.microsoft.com/office/drawing/2010/main">
+        <mc:Choice Requires="a14">
           <p:sp>
             <p:nvSpPr>
               <p:cNvPr id="9" name="TextBox 8">
@@ -7127,6 +7127,7 @@
               </a:bodyPr>
               <a:lstStyle/>
               <a:p>
+                <a:pPr/>
                 <a14:m>
                   <m:oMathPara xmlns:m="http://schemas.openxmlformats.org/officeDocument/2006/math">
                     <m:oMathParaPr>
@@ -7164,7 +7165,7 @@
             </p:txBody>
           </p:sp>
         </mc:Choice>
-        <mc:Fallback>
+        <mc:Fallback xmlns="">
           <p:sp>
             <p:nvSpPr>
               <p:cNvPr id="9" name="TextBox 8">
@@ -7317,8 +7318,8 @@
           </a:p>
         </p:txBody>
       </p:sp>
-      <mc:AlternateContent xmlns:mc="http://schemas.openxmlformats.org/markup-compatibility/2006">
-        <mc:Choice xmlns:a14="http://schemas.microsoft.com/office/drawing/2010/main" Requires="a14">
+      <mc:AlternateContent xmlns:mc="http://schemas.openxmlformats.org/markup-compatibility/2006" xmlns:a14="http://schemas.microsoft.com/office/drawing/2010/main">
+        <mc:Choice Requires="a14">
           <p:sp>
             <p:nvSpPr>
               <p:cNvPr id="25" name="TextBox 24">
@@ -7347,6 +7348,7 @@
               </a:bodyPr>
               <a:lstStyle/>
               <a:p>
+                <a:pPr/>
                 <a14:m>
                   <m:oMathPara xmlns:m="http://schemas.openxmlformats.org/officeDocument/2006/math">
                     <m:oMathParaPr>
@@ -7407,7 +7409,7 @@
             </p:txBody>
           </p:sp>
         </mc:Choice>
-        <mc:Fallback>
+        <mc:Fallback xmlns="">
           <p:sp>
             <p:nvSpPr>
               <p:cNvPr id="25" name="TextBox 24">
@@ -7588,8 +7590,8 @@
           </a:fontRef>
         </p:style>
       </p:cxnSp>
-      <mc:AlternateContent xmlns:mc="http://schemas.openxmlformats.org/markup-compatibility/2006">
-        <mc:Choice xmlns:a14="http://schemas.microsoft.com/office/drawing/2010/main" Requires="a14">
+      <mc:AlternateContent xmlns:mc="http://schemas.openxmlformats.org/markup-compatibility/2006" xmlns:a14="http://schemas.microsoft.com/office/drawing/2010/main">
+        <mc:Choice Requires="a14">
           <p:sp>
             <p:nvSpPr>
               <p:cNvPr id="28" name="Rectangle 27">
@@ -7617,6 +7619,7 @@
               </a:bodyPr>
               <a:lstStyle/>
               <a:p>
+                <a:pPr/>
                 <a14:m>
                   <m:oMathPara xmlns:m="http://schemas.openxmlformats.org/officeDocument/2006/math">
                     <m:oMathParaPr>
@@ -7673,7 +7676,7 @@
             </p:txBody>
           </p:sp>
         </mc:Choice>
-        <mc:Fallback>
+        <mc:Fallback xmlns="">
           <p:sp>
             <p:nvSpPr>
               <p:cNvPr id="28" name="Rectangle 27">
@@ -8152,8 +8155,8 @@
           </a:p>
         </p:txBody>
       </p:sp>
-      <mc:AlternateContent xmlns:mc="http://schemas.openxmlformats.org/markup-compatibility/2006">
-        <mc:Choice xmlns:a14="http://schemas.microsoft.com/office/drawing/2010/main" Requires="a14">
+      <mc:AlternateContent xmlns:mc="http://schemas.openxmlformats.org/markup-compatibility/2006" xmlns:a14="http://schemas.microsoft.com/office/drawing/2010/main">
+        <mc:Choice Requires="a14">
           <p:sp>
             <p:nvSpPr>
               <p:cNvPr id="29" name="Speech Bubble: Rectangle 28">
@@ -8340,7 +8343,7 @@
             </p:txBody>
           </p:sp>
         </mc:Choice>
-        <mc:Fallback>
+        <mc:Fallback xmlns="">
           <p:sp>
             <p:nvSpPr>
               <p:cNvPr id="29" name="Speech Bubble: Rectangle 28">
@@ -8459,7 +8462,7 @@
                 </a14:m>
                 <a:r>
                   <a:rPr lang="en-US" sz="1200" dirty="0"/>
-                  <a:t> to the keep change in the function value across the interval under .001</a:t>
+                  <a:t> to keep the change in the function value across the interval under .001</a:t>
                 </a:r>
               </a:p>
             </p:txBody>
@@ -8494,7 +8497,7 @@
               <a:blipFill>
                 <a:blip r:embed="rId8"/>
                 <a:stretch>
-                  <a:fillRect r="-529" b="-2789"/>
+                  <a:fillRect b="-2789"/>
                 </a:stretch>
               </a:blipFill>
             </p:spPr>

--- a/exam1/Exam 1 Questions.pptx
+++ b/exam1/Exam 1 Questions.pptx
@@ -8100,63 +8100,134 @@
           </p:sp>
         </mc:Fallback>
       </mc:AlternateContent>
-      <p:sp>
-        <p:nvSpPr>
-          <p:cNvPr id="8" name="TextBox 7">
-            <a:extLst>
-              <a:ext uri="{FF2B5EF4-FFF2-40B4-BE49-F238E27FC236}">
-                <a16:creationId xmlns:a16="http://schemas.microsoft.com/office/drawing/2014/main" id="{5D312563-361D-4965-B69A-32AC2BBD4D5B}"/>
-              </a:ext>
-            </a:extLst>
-          </p:cNvPr>
-          <p:cNvSpPr txBox="1"/>
-          <p:nvPr/>
-        </p:nvSpPr>
-        <p:spPr>
-          <a:xfrm>
-            <a:off x="544870" y="3542162"/>
-            <a:ext cx="3524578" cy="1569660"/>
-          </a:xfrm>
-          <a:prstGeom prst="rect">
-            <a:avLst/>
-          </a:prstGeom>
-          <a:noFill/>
-        </p:spPr>
-        <p:txBody>
-          <a:bodyPr wrap="square" rtlCol="0">
-            <a:spAutoFit/>
-          </a:bodyPr>
-          <a:lstStyle/>
-          <a:p>
-            <a:r>
-              <a:rPr lang="en-US" sz="1600" dirty="0"/>
-              <a:t>Specifically you must complete the function </a:t>
-            </a:r>
-            <a:r>
-              <a:rPr lang="en-US" sz="1600" b="1" dirty="0" err="1"/>
-              <a:t>midPointAdaptive</a:t>
-            </a:r>
-            <a:r>
-              <a:rPr lang="en-US" sz="1600" dirty="0"/>
-              <a:t>() that, while using the midpoint area, will ensure that the maximum </a:t>
-            </a:r>
-            <a:r>
-              <a:rPr lang="en-US" sz="1600" i="1" dirty="0"/>
-              <a:t>change</a:t>
-            </a:r>
-            <a:r>
-              <a:rPr lang="en-US" sz="1600" dirty="0"/>
-              <a:t> in the function value between the left and right side of any interval is under the limit of </a:t>
-            </a:r>
-            <a:r>
-              <a:rPr lang="en-US" sz="1600" b="1" dirty="0"/>
-              <a:t>0.001</a:t>
-            </a:r>
-          </a:p>
-        </p:txBody>
-      </p:sp>
-      <mc:AlternateContent xmlns:mc="http://schemas.openxmlformats.org/markup-compatibility/2006" xmlns:a14="http://schemas.microsoft.com/office/drawing/2010/main">
-        <mc:Choice Requires="a14">
+      <mc:AlternateContent xmlns:mc="http://schemas.openxmlformats.org/markup-compatibility/2006">
+        <mc:Choice xmlns:a14="http://schemas.microsoft.com/office/drawing/2010/main" Requires="a14">
+          <p:sp>
+            <p:nvSpPr>
+              <p:cNvPr id="8" name="TextBox 7">
+                <a:extLst>
+                  <a:ext uri="{FF2B5EF4-FFF2-40B4-BE49-F238E27FC236}">
+                    <a16:creationId xmlns:a16="http://schemas.microsoft.com/office/drawing/2014/main" id="{5D312563-361D-4965-B69A-32AC2BBD4D5B}"/>
+                  </a:ext>
+                </a:extLst>
+              </p:cNvPr>
+              <p:cNvSpPr txBox="1"/>
+              <p:nvPr/>
+            </p:nvSpPr>
+            <p:spPr>
+              <a:xfrm>
+                <a:off x="544870" y="3542162"/>
+                <a:ext cx="3524578" cy="1569660"/>
+              </a:xfrm>
+              <a:prstGeom prst="rect">
+                <a:avLst/>
+              </a:prstGeom>
+              <a:noFill/>
+            </p:spPr>
+            <p:txBody>
+              <a:bodyPr wrap="square" rtlCol="0">
+                <a:spAutoFit/>
+              </a:bodyPr>
+              <a:lstStyle/>
+              <a:p>
+                <a:r>
+                  <a:rPr lang="en-US" sz="1600" dirty="0"/>
+                  <a:t>Specifically you must complete the function </a:t>
+                </a:r>
+                <a:r>
+                  <a:rPr lang="en-US" sz="1600" b="1" dirty="0" err="1"/>
+                  <a:t>midPointAdaptive</a:t>
+                </a:r>
+                <a:r>
+                  <a:rPr lang="en-US" sz="1600" dirty="0"/>
+                  <a:t>() that, while using the midpoint area, will ensure that the absolute </a:t>
+                </a:r>
+                <a:r>
+                  <a:rPr lang="en-US" sz="1600" i="1" dirty="0"/>
+                  <a:t>relative change</a:t>
+                </a:r>
+                <a:r>
+                  <a:rPr lang="en-US" sz="1600" dirty="0"/>
+                  <a:t> in the function value between the left and right side of any interval is </a:t>
+                </a:r>
+                <a14:m>
+                  <m:oMath xmlns:m="http://schemas.openxmlformats.org/officeDocument/2006/math">
+                    <m:r>
+                      <a:rPr lang="en-US" sz="1600" i="1" smtClean="0">
+                        <a:ln>
+                          <a:solidFill>
+                            <a:sysClr val="windowText" lastClr="000000"/>
+                          </a:solidFill>
+                        </a:ln>
+                        <a:solidFill>
+                          <a:sysClr val="windowText" lastClr="000000"/>
+                        </a:solidFill>
+                        <a:latin typeface="Cambria Math" panose="02040503050406030204" pitchFamily="18" charset="0"/>
+                        <a:ea typeface="Cambria Math" panose="02040503050406030204" pitchFamily="18" charset="0"/>
+                      </a:rPr>
+                      <m:t>≤</m:t>
+                    </m:r>
+                  </m:oMath>
+                </a14:m>
+                <a:r>
+                  <a:rPr lang="en-US" sz="1600" dirty="0"/>
+                  <a:t> </a:t>
+                </a:r>
+                <a:r>
+                  <a:rPr lang="en-US" sz="1600" b="1" dirty="0"/>
+                  <a:t>0.001</a:t>
+                </a:r>
+              </a:p>
+            </p:txBody>
+          </p:sp>
+        </mc:Choice>
+        <mc:Fallback>
+          <p:sp>
+            <p:nvSpPr>
+              <p:cNvPr id="8" name="TextBox 7">
+                <a:extLst>
+                  <a:ext uri="{FF2B5EF4-FFF2-40B4-BE49-F238E27FC236}">
+                    <a16:creationId xmlns:a16="http://schemas.microsoft.com/office/drawing/2014/main" id="{5D312563-361D-4965-B69A-32AC2BBD4D5B}"/>
+                  </a:ext>
+                </a:extLst>
+              </p:cNvPr>
+              <p:cNvSpPr txBox="1">
+                <a:spLocks noRot="1" noChangeAspect="1" noMove="1" noResize="1" noEditPoints="1" noAdjustHandles="1" noChangeArrowheads="1" noChangeShapeType="1" noTextEdit="1"/>
+              </p:cNvSpPr>
+              <p:nvPr/>
+            </p:nvSpPr>
+            <p:spPr>
+              <a:xfrm>
+                <a:off x="544870" y="3542162"/>
+                <a:ext cx="3524578" cy="1569660"/>
+              </a:xfrm>
+              <a:prstGeom prst="rect">
+                <a:avLst/>
+              </a:prstGeom>
+              <a:blipFill>
+                <a:blip r:embed="rId7"/>
+                <a:stretch>
+                  <a:fillRect l="-864" t="-1163" r="-1900" b="-3876"/>
+                </a:stretch>
+              </a:blipFill>
+            </p:spPr>
+            <p:txBody>
+              <a:bodyPr/>
+              <a:lstStyle/>
+              <a:p>
+                <a:r>
+                  <a:rPr lang="en-US">
+                    <a:noFill/>
+                  </a:rPr>
+                  <a:t> </a:t>
+                </a:r>
+              </a:p>
+            </p:txBody>
+          </p:sp>
+        </mc:Fallback>
+      </mc:AlternateContent>
+      <mc:AlternateContent xmlns:mc="http://schemas.openxmlformats.org/markup-compatibility/2006">
+        <mc:Choice xmlns:a14="http://schemas.microsoft.com/office/drawing/2010/main" Requires="a14">
           <p:sp>
             <p:nvSpPr>
               <p:cNvPr id="29" name="Speech Bubble: Rectangle 28">
@@ -8171,8 +8242,8 @@
             </p:nvSpPr>
             <p:spPr>
               <a:xfrm>
-                <a:off x="7486650" y="1822437"/>
-                <a:ext cx="1442930" cy="663127"/>
+                <a:off x="7509037" y="1629157"/>
+                <a:ext cx="1442930" cy="1014057"/>
               </a:xfrm>
               <a:prstGeom prst="wedgeRectCallout">
                 <a:avLst>
@@ -8245,87 +8316,123 @@
                           <m:begChr m:val="|"/>
                           <m:endChr m:val="|"/>
                           <m:ctrlPr>
-                            <a:rPr lang="en-US" sz="1200" i="1" smtClean="0">
+                            <a:rPr lang="en-US" sz="1200" b="0" i="1" smtClean="0">
                               <a:latin typeface="Cambria Math" panose="02040503050406030204" pitchFamily="18" charset="0"/>
                             </a:rPr>
                           </m:ctrlPr>
                         </m:dPr>
                         <m:e>
-                          <m:r>
-                            <a:rPr lang="en-US" sz="1200" b="0" i="1" smtClean="0">
-                              <a:latin typeface="Cambria Math" panose="02040503050406030204" pitchFamily="18" charset="0"/>
-                            </a:rPr>
-                            <m:t>𝑓</m:t>
-                          </m:r>
-                          <m:d>
-                            <m:dPr>
+                          <m:f>
+                            <m:fPr>
                               <m:ctrlPr>
                                 <a:rPr lang="en-US" sz="1200" b="0" i="1" smtClean="0">
                                   <a:latin typeface="Cambria Math" panose="02040503050406030204" pitchFamily="18" charset="0"/>
                                 </a:rPr>
                               </m:ctrlPr>
-                            </m:dPr>
-                            <m:e>
+                            </m:fPr>
+                            <m:num>
+                              <m:r>
+                                <a:rPr lang="en-US" sz="1200" i="1">
+                                  <a:latin typeface="Cambria Math" panose="02040503050406030204" pitchFamily="18" charset="0"/>
+                                </a:rPr>
+                                <m:t>𝑓</m:t>
+                              </m:r>
+                              <m:d>
+                                <m:dPr>
+                                  <m:ctrlPr>
+                                    <a:rPr lang="en-US" sz="1200" i="1">
+                                      <a:latin typeface="Cambria Math" panose="02040503050406030204" pitchFamily="18" charset="0"/>
+                                    </a:rPr>
+                                  </m:ctrlPr>
+                                </m:dPr>
+                                <m:e>
+                                  <m:r>
+                                    <a:rPr lang="en-US" sz="1200" i="1">
+                                      <a:latin typeface="Cambria Math" panose="02040503050406030204" pitchFamily="18" charset="0"/>
+                                    </a:rPr>
+                                    <m:t>𝑥</m:t>
+                                  </m:r>
+                                  <m:r>
+                                    <a:rPr lang="en-US" sz="1200" i="1">
+                                      <a:latin typeface="Cambria Math" panose="02040503050406030204" pitchFamily="18" charset="0"/>
+                                    </a:rPr>
+                                    <m:t>+</m:t>
+                                  </m:r>
+                                  <m:r>
+                                    <m:rPr>
+                                      <m:sty m:val="p"/>
+                                    </m:rPr>
+                                    <a:rPr lang="el-GR" sz="1200" i="1">
+                                      <a:latin typeface="Cambria Math" panose="02040503050406030204" pitchFamily="18" charset="0"/>
+                                      <a:ea typeface="Cambria Math" panose="02040503050406030204" pitchFamily="18" charset="0"/>
+                                    </a:rPr>
+                                    <m:t>Δ</m:t>
+                                  </m:r>
+                                  <m:r>
+                                    <a:rPr lang="en-US" sz="1200" i="1">
+                                      <a:latin typeface="Cambria Math" panose="02040503050406030204" pitchFamily="18" charset="0"/>
+                                      <a:ea typeface="Cambria Math" panose="02040503050406030204" pitchFamily="18" charset="0"/>
+                                    </a:rPr>
+                                    <m:t>𝑥</m:t>
+                                  </m:r>
+                                </m:e>
+                              </m:d>
+                              <m:r>
+                                <a:rPr lang="en-US" sz="1200" i="1">
+                                  <a:latin typeface="Cambria Math" panose="02040503050406030204" pitchFamily="18" charset="0"/>
+                                </a:rPr>
+                                <m:t>−</m:t>
+                              </m:r>
+                              <m:r>
+                                <a:rPr lang="en-US" sz="1200" i="1">
+                                  <a:latin typeface="Cambria Math" panose="02040503050406030204" pitchFamily="18" charset="0"/>
+                                </a:rPr>
+                                <m:t>𝑓</m:t>
+                              </m:r>
+                              <m:d>
+                                <m:dPr>
+                                  <m:ctrlPr>
+                                    <a:rPr lang="en-US" sz="1200" i="1">
+                                      <a:latin typeface="Cambria Math" panose="02040503050406030204" pitchFamily="18" charset="0"/>
+                                    </a:rPr>
+                                  </m:ctrlPr>
+                                </m:dPr>
+                                <m:e>
+                                  <m:r>
+                                    <a:rPr lang="en-US" sz="1200" i="1">
+                                      <a:latin typeface="Cambria Math" panose="02040503050406030204" pitchFamily="18" charset="0"/>
+                                    </a:rPr>
+                                    <m:t>𝑥</m:t>
+                                  </m:r>
+                                </m:e>
+                              </m:d>
+                            </m:num>
+                            <m:den>
                               <m:r>
                                 <a:rPr lang="en-US" sz="1200" b="0" i="1" smtClean="0">
                                   <a:latin typeface="Cambria Math" panose="02040503050406030204" pitchFamily="18" charset="0"/>
                                 </a:rPr>
-                                <m:t>𝑥</m:t>
+                                <m:t>𝑓</m:t>
                               </m:r>
-                              <m:r>
-                                <a:rPr lang="en-US" sz="1200" b="0" i="1" smtClean="0">
-                                  <a:latin typeface="Cambria Math" panose="02040503050406030204" pitchFamily="18" charset="0"/>
-                                </a:rPr>
-                                <m:t>+</m:t>
-                              </m:r>
-                              <m:r>
-                                <m:rPr>
-                                  <m:sty m:val="p"/>
-                                </m:rPr>
-                                <a:rPr lang="el-GR" sz="1200" b="0" i="1" smtClean="0">
-                                  <a:latin typeface="Cambria Math" panose="02040503050406030204" pitchFamily="18" charset="0"/>
-                                  <a:ea typeface="Cambria Math" panose="02040503050406030204" pitchFamily="18" charset="0"/>
-                                </a:rPr>
-                                <m:t>Δ</m:t>
-                              </m:r>
-                              <m:r>
-                                <a:rPr lang="en-US" sz="1200" b="0" i="1" smtClean="0">
-                                  <a:latin typeface="Cambria Math" panose="02040503050406030204" pitchFamily="18" charset="0"/>
-                                  <a:ea typeface="Cambria Math" panose="02040503050406030204" pitchFamily="18" charset="0"/>
-                                </a:rPr>
-                                <m:t>𝑥</m:t>
-                              </m:r>
-                            </m:e>
-                          </m:d>
-                          <m:r>
-                            <a:rPr lang="en-US" sz="1200" b="0" i="1" smtClean="0">
-                              <a:latin typeface="Cambria Math" panose="02040503050406030204" pitchFamily="18" charset="0"/>
-                            </a:rPr>
-                            <m:t>−</m:t>
-                          </m:r>
-                          <m:r>
-                            <a:rPr lang="en-US" sz="1200" b="0" i="1" smtClean="0">
-                              <a:latin typeface="Cambria Math" panose="02040503050406030204" pitchFamily="18" charset="0"/>
-                            </a:rPr>
-                            <m:t>𝑓</m:t>
-                          </m:r>
-                          <m:d>
-                            <m:dPr>
-                              <m:ctrlPr>
-                                <a:rPr lang="en-US" sz="1200" b="0" i="1" smtClean="0">
-                                  <a:latin typeface="Cambria Math" panose="02040503050406030204" pitchFamily="18" charset="0"/>
-                                </a:rPr>
-                              </m:ctrlPr>
-                            </m:dPr>
-                            <m:e>
-                              <m:r>
-                                <a:rPr lang="en-US" sz="1200" b="0" i="1" smtClean="0">
-                                  <a:latin typeface="Cambria Math" panose="02040503050406030204" pitchFamily="18" charset="0"/>
-                                </a:rPr>
-                                <m:t>𝑥</m:t>
-                              </m:r>
-                            </m:e>
-                          </m:d>
+                              <m:d>
+                                <m:dPr>
+                                  <m:ctrlPr>
+                                    <a:rPr lang="en-US" sz="1200" b="0" i="1" smtClean="0">
+                                      <a:latin typeface="Cambria Math" panose="02040503050406030204" pitchFamily="18" charset="0"/>
+                                    </a:rPr>
+                                  </m:ctrlPr>
+                                </m:dPr>
+                                <m:e>
+                                  <m:r>
+                                    <a:rPr lang="en-US" sz="1200" b="0" i="1" smtClean="0">
+                                      <a:latin typeface="Cambria Math" panose="02040503050406030204" pitchFamily="18" charset="0"/>
+                                    </a:rPr>
+                                    <m:t>𝑥</m:t>
+                                  </m:r>
+                                </m:e>
+                              </m:d>
+                            </m:den>
+                          </m:f>
                         </m:e>
                       </m:d>
                     </m:oMath>
@@ -8343,7 +8450,7 @@
             </p:txBody>
           </p:sp>
         </mc:Choice>
-        <mc:Fallback xmlns="">
+        <mc:Fallback>
           <p:sp>
             <p:nvSpPr>
               <p:cNvPr id="29" name="Speech Bubble: Rectangle 28">
@@ -8360,8 +8467,8 @@
             </p:nvSpPr>
             <p:spPr>
               <a:xfrm>
-                <a:off x="7486650" y="1822437"/>
-                <a:ext cx="1442930" cy="663127"/>
+                <a:off x="7509037" y="1629157"/>
+                <a:ext cx="1442930" cy="1014057"/>
               </a:xfrm>
               <a:prstGeom prst="wedgeRectCallout">
                 <a:avLst>
@@ -8370,9 +8477,9 @@
                 </a:avLst>
               </a:prstGeom>
               <a:blipFill>
-                <a:blip r:embed="rId7"/>
+                <a:blip r:embed="rId8"/>
                 <a:stretch>
-                  <a:fillRect b="-4505"/>
+                  <a:fillRect/>
                 </a:stretch>
               </a:blipFill>
             </p:spPr>
@@ -8407,8 +8514,8 @@
             </p:nvSpPr>
             <p:spPr>
               <a:xfrm>
-                <a:off x="5514608" y="3752026"/>
-                <a:ext cx="2294664" cy="643439"/>
+                <a:off x="5413431" y="3811988"/>
+                <a:ext cx="2832979" cy="627643"/>
               </a:xfrm>
               <a:prstGeom prst="wedgeRectCallout">
                 <a:avLst>
@@ -8462,7 +8569,22 @@
                 </a14:m>
                 <a:r>
                   <a:rPr lang="en-US" sz="1200" dirty="0"/>
-                  <a:t> to keep the change in the function value across the interval under .001</a:t>
+                  <a:t> to keep the absolute relative change in the function value across the interval </a:t>
+                </a:r>
+                <a14:m>
+                  <m:oMath xmlns:m="http://schemas.openxmlformats.org/officeDocument/2006/math">
+                    <m:r>
+                      <a:rPr lang="en-US" sz="1200" i="1" smtClean="0">
+                        <a:latin typeface="Cambria Math" panose="02040503050406030204" pitchFamily="18" charset="0"/>
+                        <a:ea typeface="Cambria Math" panose="02040503050406030204" pitchFamily="18" charset="0"/>
+                      </a:rPr>
+                      <m:t>≤</m:t>
+                    </m:r>
+                  </m:oMath>
+                </a14:m>
+                <a:r>
+                  <a:rPr lang="en-US" sz="1200" dirty="0"/>
+                  <a:t> 0.001</a:t>
                 </a:r>
               </a:p>
             </p:txBody>
@@ -8485,8 +8607,8 @@
             </p:nvSpPr>
             <p:spPr>
               <a:xfrm>
-                <a:off x="5514608" y="3752026"/>
-                <a:ext cx="2294664" cy="643439"/>
+                <a:off x="5413431" y="3811988"/>
+                <a:ext cx="2832979" cy="627643"/>
               </a:xfrm>
               <a:prstGeom prst="wedgeRectCallout">
                 <a:avLst>
@@ -8495,9 +8617,9 @@
                 </a:avLst>
               </a:prstGeom>
               <a:blipFill>
-                <a:blip r:embed="rId8"/>
+                <a:blip r:embed="rId9"/>
                 <a:stretch>
-                  <a:fillRect b="-2789"/>
+                  <a:fillRect b="-3279"/>
                 </a:stretch>
               </a:blipFill>
             </p:spPr>
@@ -8575,7 +8697,7 @@
           <p:nvPr/>
         </p:nvPicPr>
         <p:blipFill>
-          <a:blip r:embed="rId9"/>
+          <a:blip r:embed="rId10"/>
           <a:stretch>
             <a:fillRect/>
           </a:stretch>
